--- a/algorithms/slides/Data Structure & Algorithms.pptx
+++ b/algorithms/slides/Data Structure & Algorithms.pptx
@@ -5,10 +5,10 @@
     <p:sldMasterId id="2147483648" r:id="rId1"/>
   </p:sldMasterIdLst>
   <p:notesMasterIdLst>
-    <p:notesMasterId r:id="rId10"/>
+    <p:notesMasterId r:id="rId11"/>
   </p:notesMasterIdLst>
   <p:handoutMasterIdLst>
-    <p:handoutMasterId r:id="rId11"/>
+    <p:handoutMasterId r:id="rId12"/>
   </p:handoutMasterIdLst>
   <p:sldIdLst>
     <p:sldId id="257" r:id="rId2"/>
@@ -18,7 +18,8 @@
     <p:sldId id="273" r:id="rId6"/>
     <p:sldId id="274" r:id="rId7"/>
     <p:sldId id="275" r:id="rId8"/>
-    <p:sldId id="269" r:id="rId9"/>
+    <p:sldId id="276" r:id="rId9"/>
+    <p:sldId id="269" r:id="rId10"/>
   </p:sldIdLst>
   <p:sldSz cx="12192000" cy="6858000"/>
   <p:notesSz cx="6858000" cy="9144000"/>
@@ -222,7 +223,7 @@
           <a:p>
             <a:fld id="{19232A22-B755-4049-8957-D7C187C66F42}" type="datetimeFigureOut">
               <a:rPr lang="en-IN" smtClean="0"/>
-              <a:t>05-05-2023</a:t>
+              <a:t>06-05-2023</a:t>
             </a:fld>
             <a:endParaRPr lang="en-IN"/>
           </a:p>
@@ -399,7 +400,7 @@
           <a:p>
             <a:fld id="{96EA4C85-C6C9-4BDB-8976-14D135ADECDA}" type="datetimeFigureOut">
               <a:rPr lang="en-IN" smtClean="0"/>
-              <a:t>05-05-2023</a:t>
+              <a:t>06-05-2023</a:t>
             </a:fld>
             <a:endParaRPr lang="en-IN"/>
           </a:p>
@@ -5708,7 +5709,7 @@
         <p:spPr>
           <a:xfrm>
             <a:off x="692150" y="1514376"/>
-            <a:ext cx="10814050" cy="1200288"/>
+            <a:ext cx="10814050" cy="2677616"/>
           </a:xfrm>
           <a:prstGeom prst="rect">
             <a:avLst/>
@@ -5738,6 +5739,68 @@
               </a:rPr>
               <a:t>Asymptotic analysis of an algorithm refers to defining the mathematical foundation of its run-time performance. Using the asymptotic analysis, we can very well conclude the best case, average case and worst case scenario of an algorithm.</a:t>
             </a:r>
+          </a:p>
+          <a:p>
+            <a:pPr>
+              <a:lnSpc>
+                <a:spcPct val="150000"/>
+              </a:lnSpc>
+            </a:pPr>
+            <a:endParaRPr lang="en-GB" sz="1600" dirty="0">
+              <a:latin typeface="Open Sans" panose="020B0606030504020204" pitchFamily="34" charset="0"/>
+              <a:ea typeface="Open Sans" panose="020B0606030504020204" pitchFamily="34" charset="0"/>
+              <a:cs typeface="Open Sans" panose="020B0606030504020204" pitchFamily="34" charset="0"/>
+            </a:endParaRPr>
+          </a:p>
+          <a:p>
+            <a:pPr>
+              <a:lnSpc>
+                <a:spcPct val="150000"/>
+              </a:lnSpc>
+            </a:pPr>
+            <a:r>
+              <a:rPr lang="en-GB" sz="1600" dirty="0">
+                <a:effectLst/>
+                <a:latin typeface="Open Sans" panose="020B0606030504020204" pitchFamily="34" charset="0"/>
+                <a:ea typeface="Open Sans" panose="020B0606030504020204" pitchFamily="34" charset="0"/>
+                <a:cs typeface="Open Sans" panose="020B0606030504020204" pitchFamily="34" charset="0"/>
+              </a:rPr>
+              <a:t>Using asymptotic analysis we don’t measure actual running time of algorithm.</a:t>
+            </a:r>
+          </a:p>
+          <a:p>
+            <a:pPr>
+              <a:lnSpc>
+                <a:spcPct val="150000"/>
+              </a:lnSpc>
+            </a:pPr>
+            <a:endParaRPr lang="en-GB" sz="1600" dirty="0">
+              <a:effectLst/>
+              <a:latin typeface="Open Sans" panose="020B0606030504020204" pitchFamily="34" charset="0"/>
+              <a:ea typeface="Open Sans" panose="020B0606030504020204" pitchFamily="34" charset="0"/>
+              <a:cs typeface="Open Sans" panose="020B0606030504020204" pitchFamily="34" charset="0"/>
+            </a:endParaRPr>
+          </a:p>
+          <a:p>
+            <a:pPr>
+              <a:lnSpc>
+                <a:spcPct val="150000"/>
+              </a:lnSpc>
+            </a:pPr>
+            <a:r>
+              <a:rPr lang="en-GB" sz="1600" dirty="0">
+                <a:latin typeface="Open Sans" panose="020B0606030504020204" pitchFamily="34" charset="0"/>
+                <a:ea typeface="Open Sans" panose="020B0606030504020204" pitchFamily="34" charset="0"/>
+                <a:cs typeface="Open Sans" panose="020B0606030504020204" pitchFamily="34" charset="0"/>
+              </a:rPr>
+              <a:t>It helps in determining how time and space taken by algorithm increases with input size</a:t>
+            </a:r>
+            <a:endParaRPr lang="en-GB" sz="1600" dirty="0">
+              <a:effectLst/>
+              <a:latin typeface="Open Sans" panose="020B0606030504020204" pitchFamily="34" charset="0"/>
+              <a:ea typeface="Open Sans" panose="020B0606030504020204" pitchFamily="34" charset="0"/>
+              <a:cs typeface="Open Sans" panose="020B0606030504020204" pitchFamily="34" charset="0"/>
+            </a:endParaRPr>
           </a:p>
         </p:txBody>
       </p:sp>
@@ -5755,6 +5818,287 @@
 </file>
 
 <file path=ppt/slides/slide8.xml><?xml version="1.0" encoding="utf-8"?>
+<p:sld xmlns:a="http://schemas.openxmlformats.org/drawingml/2006/main" xmlns:r="http://schemas.openxmlformats.org/officeDocument/2006/relationships" xmlns:p="http://schemas.openxmlformats.org/presentationml/2006/main">
+  <p:cSld>
+    <p:spTree>
+      <p:nvGrpSpPr>
+        <p:cNvPr id="1" name=""/>
+        <p:cNvGrpSpPr/>
+        <p:nvPr/>
+      </p:nvGrpSpPr>
+      <p:grpSpPr>
+        <a:xfrm>
+          <a:off x="0" y="0"/>
+          <a:ext cx="0" cy="0"/>
+          <a:chOff x="0" y="0"/>
+          <a:chExt cx="0" cy="0"/>
+        </a:xfrm>
+      </p:grpSpPr>
+      <p:sp>
+        <p:nvSpPr>
+          <p:cNvPr id="2" name="Google Shape;656;p77">
+            <a:extLst>
+              <a:ext uri="{FF2B5EF4-FFF2-40B4-BE49-F238E27FC236}">
+                <a16:creationId xmlns:a16="http://schemas.microsoft.com/office/drawing/2014/main" id="{AFA70A70-8598-E7D5-5735-0226644C3173}"/>
+              </a:ext>
+            </a:extLst>
+          </p:cNvPr>
+          <p:cNvSpPr txBox="1"/>
+          <p:nvPr/>
+        </p:nvSpPr>
+        <p:spPr>
+          <a:xfrm>
+            <a:off x="692150" y="452918"/>
+            <a:ext cx="10814050" cy="707886"/>
+          </a:xfrm>
+          <a:prstGeom prst="rect">
+            <a:avLst/>
+          </a:prstGeom>
+          <a:noFill/>
+          <a:ln>
+            <a:noFill/>
+          </a:ln>
+        </p:spPr>
+        <p:txBody>
+          <a:bodyPr spcFirstLastPara="1" wrap="square" lIns="91425" tIns="45700" rIns="91425" bIns="45700" anchor="t" anchorCtr="0">
+            <a:noAutofit/>
+          </a:bodyPr>
+          <a:lstStyle/>
+          <a:p>
+            <a:pPr marL="0" marR="0" lvl="0" indent="0" algn="l" rtl="0">
+              <a:spcBef>
+                <a:spcPts val="0"/>
+              </a:spcBef>
+              <a:spcAft>
+                <a:spcPts val="0"/>
+              </a:spcAft>
+              <a:buNone/>
+            </a:pPr>
+            <a:r>
+              <a:rPr lang="en-IN" sz="4000" b="1" dirty="0">
+                <a:solidFill>
+                  <a:schemeClr val="accent1"/>
+                </a:solidFill>
+                <a:latin typeface="Open Sans"/>
+                <a:ea typeface="Open Sans"/>
+                <a:cs typeface="Open Sans"/>
+                <a:sym typeface="Open Sans"/>
+              </a:rPr>
+              <a:t>Asymptotic Notations</a:t>
+            </a:r>
+            <a:endParaRPr sz="4000" b="1" dirty="0">
+              <a:solidFill>
+                <a:schemeClr val="accent1"/>
+              </a:solidFill>
+              <a:latin typeface="Open Sans"/>
+              <a:ea typeface="Open Sans"/>
+              <a:cs typeface="Open Sans"/>
+              <a:sym typeface="Open Sans"/>
+            </a:endParaRPr>
+          </a:p>
+        </p:txBody>
+      </p:sp>
+      <p:sp>
+        <p:nvSpPr>
+          <p:cNvPr id="3" name="Google Shape;658;p77">
+            <a:extLst>
+              <a:ext uri="{FF2B5EF4-FFF2-40B4-BE49-F238E27FC236}">
+                <a16:creationId xmlns:a16="http://schemas.microsoft.com/office/drawing/2014/main" id="{23F8CA33-974D-A71D-AEB7-0DDBFA222275}"/>
+              </a:ext>
+            </a:extLst>
+          </p:cNvPr>
+          <p:cNvSpPr>
+            <a:spLocks/>
+          </p:cNvSpPr>
+          <p:nvPr/>
+        </p:nvSpPr>
+        <p:spPr>
+          <a:xfrm>
+            <a:off x="692150" y="1514376"/>
+            <a:ext cx="10814050" cy="3046948"/>
+          </a:xfrm>
+          <a:prstGeom prst="rect">
+            <a:avLst/>
+          </a:prstGeom>
+          <a:noFill/>
+          <a:ln>
+            <a:noFill/>
+          </a:ln>
+        </p:spPr>
+        <p:txBody>
+          <a:bodyPr spcFirstLastPara="1" wrap="square" lIns="91425" tIns="45700" rIns="91425" bIns="45700" anchor="t" anchorCtr="0">
+            <a:spAutoFit/>
+          </a:bodyPr>
+          <a:lstStyle/>
+          <a:p>
+            <a:pPr>
+              <a:lnSpc>
+                <a:spcPct val="150000"/>
+              </a:lnSpc>
+            </a:pPr>
+            <a:r>
+              <a:rPr lang="en-GB" sz="1600" dirty="0">
+                <a:effectLst/>
+                <a:latin typeface="Open Sans" panose="020B0606030504020204" pitchFamily="34" charset="0"/>
+                <a:ea typeface="Open Sans" panose="020B0606030504020204" pitchFamily="34" charset="0"/>
+                <a:cs typeface="Open Sans" panose="020B0606030504020204" pitchFamily="34" charset="0"/>
+              </a:rPr>
+              <a:t>Asymptotic notations are the mathematical tools used to describe the running time of an algorithm in terms of input size .</a:t>
+            </a:r>
+          </a:p>
+          <a:p>
+            <a:pPr>
+              <a:lnSpc>
+                <a:spcPct val="150000"/>
+              </a:lnSpc>
+            </a:pPr>
+            <a:endParaRPr lang="en-GB" sz="1600" dirty="0">
+              <a:latin typeface="Open Sans" panose="020B0606030504020204" pitchFamily="34" charset="0"/>
+              <a:ea typeface="Open Sans" panose="020B0606030504020204" pitchFamily="34" charset="0"/>
+              <a:cs typeface="Open Sans" panose="020B0606030504020204" pitchFamily="34" charset="0"/>
+            </a:endParaRPr>
+          </a:p>
+          <a:p>
+            <a:pPr>
+              <a:lnSpc>
+                <a:spcPct val="150000"/>
+              </a:lnSpc>
+            </a:pPr>
+            <a:r>
+              <a:rPr lang="en-GB" sz="1600" dirty="0">
+                <a:effectLst/>
+                <a:latin typeface="Open Sans" panose="020B0606030504020204" pitchFamily="34" charset="0"/>
+                <a:ea typeface="Open Sans" panose="020B0606030504020204" pitchFamily="34" charset="0"/>
+                <a:cs typeface="Open Sans" panose="020B0606030504020204" pitchFamily="34" charset="0"/>
+              </a:rPr>
+              <a:t>Asymptotic notations help us in determining </a:t>
+            </a:r>
+          </a:p>
+          <a:p>
+            <a:pPr marL="285750" indent="-285750">
+              <a:lnSpc>
+                <a:spcPct val="150000"/>
+              </a:lnSpc>
+              <a:buFont typeface="Wingdings" panose="05000000000000000000" pitchFamily="2" charset="2"/>
+              <a:buChar char="§"/>
+            </a:pPr>
+            <a:r>
+              <a:rPr lang="en-GB" sz="1600" dirty="0">
+                <a:latin typeface="Open Sans" panose="020B0606030504020204" pitchFamily="34" charset="0"/>
+                <a:ea typeface="Open Sans" panose="020B0606030504020204" pitchFamily="34" charset="0"/>
+                <a:cs typeface="Open Sans" panose="020B0606030504020204" pitchFamily="34" charset="0"/>
+              </a:rPr>
+              <a:t>Best case – Omega </a:t>
+            </a:r>
+            <a:r>
+              <a:rPr lang="el-GR" sz="1600" dirty="0">
+                <a:latin typeface="Open Sans" panose="020B0606030504020204" pitchFamily="34" charset="0"/>
+                <a:ea typeface="Open Sans" panose="020B0606030504020204" pitchFamily="34" charset="0"/>
+                <a:cs typeface="Open Sans" panose="020B0606030504020204" pitchFamily="34" charset="0"/>
+              </a:rPr>
+              <a:t>Ω</a:t>
+            </a:r>
+            <a:r>
+              <a:rPr lang="en-GB" sz="1600" dirty="0">
+                <a:latin typeface="Open Sans" panose="020B0606030504020204" pitchFamily="34" charset="0"/>
+                <a:ea typeface="Open Sans" panose="020B0606030504020204" pitchFamily="34" charset="0"/>
+                <a:cs typeface="Open Sans" panose="020B0606030504020204" pitchFamily="34" charset="0"/>
+              </a:rPr>
+              <a:t>, lower bound of algorithm’s running time, </a:t>
+            </a:r>
+            <a:r>
+              <a:rPr lang="en-GB" sz="1600" dirty="0" err="1">
+                <a:latin typeface="Open Sans" panose="020B0606030504020204" pitchFamily="34" charset="0"/>
+                <a:ea typeface="Open Sans" panose="020B0606030504020204" pitchFamily="34" charset="0"/>
+                <a:cs typeface="Open Sans" panose="020B0606030504020204" pitchFamily="34" charset="0"/>
+              </a:rPr>
+              <a:t>i.e</a:t>
+            </a:r>
+            <a:r>
+              <a:rPr lang="en-GB" sz="1600" dirty="0">
+                <a:latin typeface="Open Sans" panose="020B0606030504020204" pitchFamily="34" charset="0"/>
+                <a:ea typeface="Open Sans" panose="020B0606030504020204" pitchFamily="34" charset="0"/>
+                <a:cs typeface="Open Sans" panose="020B0606030504020204" pitchFamily="34" charset="0"/>
+              </a:rPr>
+              <a:t> best amount of time an algorithm can take to complete</a:t>
+            </a:r>
+          </a:p>
+          <a:p>
+            <a:pPr marL="285750" indent="-285750">
+              <a:lnSpc>
+                <a:spcPct val="150000"/>
+              </a:lnSpc>
+              <a:buFont typeface="Wingdings" panose="05000000000000000000" pitchFamily="2" charset="2"/>
+              <a:buChar char="§"/>
+            </a:pPr>
+            <a:r>
+              <a:rPr lang="en-GB" sz="1600" dirty="0">
+                <a:latin typeface="Open Sans" panose="020B0606030504020204" pitchFamily="34" charset="0"/>
+                <a:ea typeface="Open Sans" panose="020B0606030504020204" pitchFamily="34" charset="0"/>
+                <a:cs typeface="Open Sans" panose="020B0606030504020204" pitchFamily="34" charset="0"/>
+              </a:rPr>
+              <a:t>Average case – </a:t>
+            </a:r>
+            <a:r>
+              <a:rPr lang="en-GB" sz="1600">
+                <a:latin typeface="Open Sans" panose="020B0606030504020204" pitchFamily="34" charset="0"/>
+                <a:ea typeface="Open Sans" panose="020B0606030504020204" pitchFamily="34" charset="0"/>
+                <a:cs typeface="Open Sans" panose="020B0606030504020204" pitchFamily="34" charset="0"/>
+              </a:rPr>
+              <a:t>Big O, </a:t>
+            </a:r>
+            <a:endParaRPr lang="en-GB" sz="1600" dirty="0">
+              <a:latin typeface="Open Sans" panose="020B0606030504020204" pitchFamily="34" charset="0"/>
+              <a:ea typeface="Open Sans" panose="020B0606030504020204" pitchFamily="34" charset="0"/>
+              <a:cs typeface="Open Sans" panose="020B0606030504020204" pitchFamily="34" charset="0"/>
+            </a:endParaRPr>
+          </a:p>
+          <a:p>
+            <a:pPr marL="285750" indent="-285750">
+              <a:lnSpc>
+                <a:spcPct val="150000"/>
+              </a:lnSpc>
+              <a:buFont typeface="Wingdings" panose="05000000000000000000" pitchFamily="2" charset="2"/>
+              <a:buChar char="§"/>
+            </a:pPr>
+            <a:r>
+              <a:rPr lang="en-GB" sz="1600" dirty="0">
+                <a:latin typeface="Open Sans" panose="020B0606030504020204" pitchFamily="34" charset="0"/>
+                <a:ea typeface="Open Sans" panose="020B0606030504020204" pitchFamily="34" charset="0"/>
+                <a:cs typeface="Open Sans" panose="020B0606030504020204" pitchFamily="34" charset="0"/>
+              </a:rPr>
+              <a:t>Worst case – Theta </a:t>
+            </a:r>
+            <a:r>
+              <a:rPr lang="el-GR" sz="1600" dirty="0">
+                <a:latin typeface="Open Sans" panose="020B0606030504020204" pitchFamily="34" charset="0"/>
+                <a:ea typeface="Open Sans" panose="020B0606030504020204" pitchFamily="34" charset="0"/>
+                <a:cs typeface="Open Sans" panose="020B0606030504020204" pitchFamily="34" charset="0"/>
+              </a:rPr>
+              <a:t>Θ</a:t>
+            </a:r>
+            <a:endParaRPr lang="en-GB" sz="1600" dirty="0">
+              <a:latin typeface="Open Sans" panose="020B0606030504020204" pitchFamily="34" charset="0"/>
+              <a:ea typeface="Open Sans" panose="020B0606030504020204" pitchFamily="34" charset="0"/>
+              <a:cs typeface="Open Sans" panose="020B0606030504020204" pitchFamily="34" charset="0"/>
+            </a:endParaRPr>
+          </a:p>
+        </p:txBody>
+      </p:sp>
+    </p:spTree>
+    <p:extLst>
+      <p:ext uri="{BB962C8B-B14F-4D97-AF65-F5344CB8AC3E}">
+        <p14:creationId xmlns:p14="http://schemas.microsoft.com/office/powerpoint/2010/main" val="2213658506"/>
+      </p:ext>
+    </p:extLst>
+  </p:cSld>
+  <p:clrMapOvr>
+    <a:masterClrMapping/>
+  </p:clrMapOvr>
+</p:sld>
+</file>
+
+<file path=ppt/slides/slide9.xml><?xml version="1.0" encoding="utf-8"?>
 <p:sld xmlns:a="http://schemas.openxmlformats.org/drawingml/2006/main" xmlns:r="http://schemas.openxmlformats.org/officeDocument/2006/relationships" xmlns:p="http://schemas.openxmlformats.org/presentationml/2006/main">
   <p:cSld>
     <p:spTree>

--- a/algorithms/slides/Data Structure & Algorithms.pptx
+++ b/algorithms/slides/Data Structure & Algorithms.pptx
@@ -5,21 +5,28 @@
     <p:sldMasterId id="2147483648" r:id="rId1"/>
   </p:sldMasterIdLst>
   <p:notesMasterIdLst>
-    <p:notesMasterId r:id="rId11"/>
+    <p:notesMasterId r:id="rId18"/>
   </p:notesMasterIdLst>
   <p:handoutMasterIdLst>
-    <p:handoutMasterId r:id="rId12"/>
+    <p:handoutMasterId r:id="rId19"/>
   </p:handoutMasterIdLst>
   <p:sldIdLst>
-    <p:sldId id="257" r:id="rId2"/>
-    <p:sldId id="270" r:id="rId3"/>
-    <p:sldId id="271" r:id="rId4"/>
+    <p:sldId id="284" r:id="rId2"/>
+    <p:sldId id="285" r:id="rId3"/>
+    <p:sldId id="286" r:id="rId4"/>
     <p:sldId id="272" r:id="rId5"/>
     <p:sldId id="273" r:id="rId6"/>
     <p:sldId id="274" r:id="rId7"/>
     <p:sldId id="275" r:id="rId8"/>
     <p:sldId id="276" r:id="rId9"/>
-    <p:sldId id="269" r:id="rId10"/>
+    <p:sldId id="277" r:id="rId10"/>
+    <p:sldId id="278" r:id="rId11"/>
+    <p:sldId id="279" r:id="rId12"/>
+    <p:sldId id="280" r:id="rId13"/>
+    <p:sldId id="283" r:id="rId14"/>
+    <p:sldId id="281" r:id="rId15"/>
+    <p:sldId id="282" r:id="rId16"/>
+    <p:sldId id="269" r:id="rId17"/>
   </p:sldIdLst>
   <p:sldSz cx="12192000" cy="6858000"/>
   <p:notesSz cx="6858000" cy="9144000"/>
@@ -223,7 +230,7 @@
           <a:p>
             <a:fld id="{19232A22-B755-4049-8957-D7C187C66F42}" type="datetimeFigureOut">
               <a:rPr lang="en-IN" smtClean="0"/>
-              <a:t>06-05-2023</a:t>
+              <a:t>25-05-2023</a:t>
             </a:fld>
             <a:endParaRPr lang="en-IN"/>
           </a:p>
@@ -400,7 +407,7 @@
           <a:p>
             <a:fld id="{96EA4C85-C6C9-4BDB-8976-14D135ADECDA}" type="datetimeFigureOut">
               <a:rPr lang="en-IN" smtClean="0"/>
-              <a:t>06-05-2023</a:t>
+              <a:t>25-05-2023</a:t>
             </a:fld>
             <a:endParaRPr lang="en-IN"/>
           </a:p>
@@ -2913,7 +2920,7 @@
     </p:spTree>
     <p:extLst>
       <p:ext uri="{BB962C8B-B14F-4D97-AF65-F5344CB8AC3E}">
-        <p14:creationId xmlns:p14="http://schemas.microsoft.com/office/powerpoint/2010/main" val="1566916934"/>
+        <p14:creationId xmlns:p14="http://schemas.microsoft.com/office/powerpoint/2010/main" val="3593825011"/>
       </p:ext>
     </p:extLst>
   </p:cSld>
@@ -3009,2271 +3016,7 @@
 </p:sld>
 </file>
 
-<file path=ppt/slides/slide2.xml><?xml version="1.0" encoding="utf-8"?>
-<p:sld xmlns:a="http://schemas.openxmlformats.org/drawingml/2006/main" xmlns:r="http://schemas.openxmlformats.org/officeDocument/2006/relationships" xmlns:p="http://schemas.openxmlformats.org/presentationml/2006/main">
-  <p:cSld>
-    <p:spTree>
-      <p:nvGrpSpPr>
-        <p:cNvPr id="1" name=""/>
-        <p:cNvGrpSpPr/>
-        <p:nvPr/>
-      </p:nvGrpSpPr>
-      <p:grpSpPr>
-        <a:xfrm>
-          <a:off x="0" y="0"/>
-          <a:ext cx="0" cy="0"/>
-          <a:chOff x="0" y="0"/>
-          <a:chExt cx="0" cy="0"/>
-        </a:xfrm>
-      </p:grpSpPr>
-      <p:sp>
-        <p:nvSpPr>
-          <p:cNvPr id="2" name="Google Shape;655;p77">
-            <a:extLst>
-              <a:ext uri="{FF2B5EF4-FFF2-40B4-BE49-F238E27FC236}">
-                <a16:creationId xmlns:a16="http://schemas.microsoft.com/office/drawing/2014/main" id="{BBD053BA-FCF4-CDE8-331E-7B3E0B744895}"/>
-              </a:ext>
-            </a:extLst>
-          </p:cNvPr>
-          <p:cNvSpPr txBox="1"/>
-          <p:nvPr/>
-        </p:nvSpPr>
-        <p:spPr>
-          <a:xfrm>
-            <a:off x="658904" y="723992"/>
-            <a:ext cx="4101353" cy="6632585"/>
-          </a:xfrm>
-          <a:prstGeom prst="rect">
-            <a:avLst/>
-          </a:prstGeom>
-          <a:noFill/>
-          <a:ln>
-            <a:noFill/>
-          </a:ln>
-        </p:spPr>
-        <p:txBody>
-          <a:bodyPr spcFirstLastPara="1" wrap="square" lIns="91425" tIns="45700" rIns="91425" bIns="45700" anchor="t" anchorCtr="0">
-            <a:noAutofit/>
-          </a:bodyPr>
-          <a:lstStyle/>
-          <a:p>
-            <a:pPr marL="0" marR="0" lvl="0" indent="0" algn="l" rtl="0">
-              <a:lnSpc>
-                <a:spcPct val="80000"/>
-              </a:lnSpc>
-              <a:spcBef>
-                <a:spcPts val="0"/>
-              </a:spcBef>
-              <a:spcAft>
-                <a:spcPts val="0"/>
-              </a:spcAft>
-              <a:buNone/>
-            </a:pPr>
-            <a:r>
-              <a:rPr lang="en-US" sz="50000" dirty="0">
-                <a:latin typeface="Montserrat"/>
-                <a:ea typeface="Montserrat"/>
-                <a:cs typeface="Montserrat"/>
-                <a:sym typeface="Montserrat"/>
-              </a:rPr>
-              <a:t>I</a:t>
-            </a:r>
-            <a:endParaRPr sz="50000" dirty="0">
-              <a:latin typeface="Montserrat"/>
-              <a:ea typeface="Montserrat"/>
-              <a:cs typeface="Montserrat"/>
-              <a:sym typeface="Montserrat"/>
-            </a:endParaRPr>
-          </a:p>
-        </p:txBody>
-      </p:sp>
-      <p:sp>
-        <p:nvSpPr>
-          <p:cNvPr id="3" name="Google Shape;656;p77">
-            <a:extLst>
-              <a:ext uri="{FF2B5EF4-FFF2-40B4-BE49-F238E27FC236}">
-                <a16:creationId xmlns:a16="http://schemas.microsoft.com/office/drawing/2014/main" id="{EF319ABE-531D-94ED-DC1E-B49F14E9F701}"/>
-              </a:ext>
-            </a:extLst>
-          </p:cNvPr>
-          <p:cNvSpPr txBox="1"/>
-          <p:nvPr/>
-        </p:nvSpPr>
-        <p:spPr>
-          <a:xfrm>
-            <a:off x="4513562" y="880019"/>
-            <a:ext cx="7019534" cy="707886"/>
-          </a:xfrm>
-          <a:prstGeom prst="rect">
-            <a:avLst/>
-          </a:prstGeom>
-          <a:noFill/>
-          <a:ln>
-            <a:noFill/>
-          </a:ln>
-        </p:spPr>
-        <p:txBody>
-          <a:bodyPr spcFirstLastPara="1" wrap="square" lIns="91425" tIns="45700" rIns="91425" bIns="45700" anchor="t" anchorCtr="0">
-            <a:noAutofit/>
-          </a:bodyPr>
-          <a:lstStyle/>
-          <a:p>
-            <a:pPr marL="0" marR="0" lvl="0" indent="0" algn="l" rtl="0">
-              <a:spcBef>
-                <a:spcPts val="0"/>
-              </a:spcBef>
-              <a:spcAft>
-                <a:spcPts val="0"/>
-              </a:spcAft>
-              <a:buNone/>
-            </a:pPr>
-            <a:r>
-              <a:rPr lang="en-US" sz="4000" b="1" dirty="0">
-                <a:solidFill>
-                  <a:schemeClr val="accent1"/>
-                </a:solidFill>
-                <a:latin typeface="Open Sans"/>
-                <a:ea typeface="Open Sans"/>
-                <a:cs typeface="Open Sans"/>
-                <a:sym typeface="Open Sans"/>
-              </a:rPr>
-              <a:t>Data Structures &amp; Algorithms</a:t>
-            </a:r>
-            <a:endParaRPr sz="4000" b="1" dirty="0">
-              <a:solidFill>
-                <a:schemeClr val="accent1"/>
-              </a:solidFill>
-              <a:latin typeface="Open Sans"/>
-              <a:ea typeface="Open Sans"/>
-              <a:cs typeface="Open Sans"/>
-              <a:sym typeface="Open Sans"/>
-            </a:endParaRPr>
-          </a:p>
-        </p:txBody>
-      </p:sp>
-      <p:sp>
-        <p:nvSpPr>
-          <p:cNvPr id="4" name="Google Shape;658;p77">
-            <a:extLst>
-              <a:ext uri="{FF2B5EF4-FFF2-40B4-BE49-F238E27FC236}">
-                <a16:creationId xmlns:a16="http://schemas.microsoft.com/office/drawing/2014/main" id="{B43BA858-D315-C772-0593-9F49DD93E8D8}"/>
-              </a:ext>
-            </a:extLst>
-          </p:cNvPr>
-          <p:cNvSpPr>
-            <a:spLocks/>
-          </p:cNvSpPr>
-          <p:nvPr/>
-        </p:nvSpPr>
-        <p:spPr>
-          <a:xfrm>
-            <a:off x="4513562" y="2247801"/>
-            <a:ext cx="7019534" cy="2308284"/>
-          </a:xfrm>
-          <a:prstGeom prst="rect">
-            <a:avLst/>
-          </a:prstGeom>
-          <a:noFill/>
-          <a:ln>
-            <a:noFill/>
-          </a:ln>
-        </p:spPr>
-        <p:txBody>
-          <a:bodyPr spcFirstLastPara="1" wrap="square" lIns="91425" tIns="45700" rIns="91425" bIns="45700" anchor="t" anchorCtr="0">
-            <a:spAutoFit/>
-          </a:bodyPr>
-          <a:lstStyle/>
-          <a:p>
-            <a:pPr algn="just">
-              <a:lnSpc>
-                <a:spcPct val="150000"/>
-              </a:lnSpc>
-            </a:pPr>
-            <a:r>
-              <a:rPr lang="en-GB" sz="1600" dirty="0">
-                <a:latin typeface="Open Sans" panose="020B0606030504020204" pitchFamily="34" charset="0"/>
-                <a:ea typeface="Open Sans" panose="020B0606030504020204" pitchFamily="34" charset="0"/>
-                <a:cs typeface="Open Sans" panose="020B0606030504020204" pitchFamily="34" charset="0"/>
-              </a:rPr>
-              <a:t>Data structures is a method of organizing data in a virtual system. Think of sequences of numbers of tables of data, these both are well-defined data structures. </a:t>
-            </a:r>
-          </a:p>
-          <a:p>
-            <a:pPr algn="just">
-              <a:lnSpc>
-                <a:spcPct val="150000"/>
-              </a:lnSpc>
-            </a:pPr>
-            <a:endParaRPr lang="en-GB" sz="1600" dirty="0">
-              <a:latin typeface="Open Sans" panose="020B0606030504020204" pitchFamily="34" charset="0"/>
-              <a:ea typeface="Open Sans" panose="020B0606030504020204" pitchFamily="34" charset="0"/>
-              <a:cs typeface="Open Sans" panose="020B0606030504020204" pitchFamily="34" charset="0"/>
-            </a:endParaRPr>
-          </a:p>
-          <a:p>
-            <a:pPr algn="just">
-              <a:lnSpc>
-                <a:spcPct val="150000"/>
-              </a:lnSpc>
-            </a:pPr>
-            <a:r>
-              <a:rPr lang="en-GB" sz="1600" dirty="0">
-                <a:latin typeface="Open Sans" panose="020B0606030504020204" pitchFamily="34" charset="0"/>
-                <a:ea typeface="Open Sans" panose="020B0606030504020204" pitchFamily="34" charset="0"/>
-                <a:cs typeface="Open Sans" panose="020B0606030504020204" pitchFamily="34" charset="0"/>
-              </a:rPr>
-              <a:t>An algorithm is a sequence of steps executed by a computer that takes an input and transform it into a target output. </a:t>
-            </a:r>
-          </a:p>
-        </p:txBody>
-      </p:sp>
-    </p:spTree>
-    <p:extLst>
-      <p:ext uri="{BB962C8B-B14F-4D97-AF65-F5344CB8AC3E}">
-        <p14:creationId xmlns:p14="http://schemas.microsoft.com/office/powerpoint/2010/main" val="3763002305"/>
-      </p:ext>
-    </p:extLst>
-  </p:cSld>
-  <p:clrMapOvr>
-    <a:masterClrMapping/>
-  </p:clrMapOvr>
-</p:sld>
-</file>
-
-<file path=ppt/slides/slide3.xml><?xml version="1.0" encoding="utf-8"?>
-<p:sld xmlns:a="http://schemas.openxmlformats.org/drawingml/2006/main" xmlns:r="http://schemas.openxmlformats.org/officeDocument/2006/relationships" xmlns:p="http://schemas.openxmlformats.org/presentationml/2006/main">
-  <p:cSld>
-    <p:spTree>
-      <p:nvGrpSpPr>
-        <p:cNvPr id="1" name=""/>
-        <p:cNvGrpSpPr/>
-        <p:nvPr/>
-      </p:nvGrpSpPr>
-      <p:grpSpPr>
-        <a:xfrm>
-          <a:off x="0" y="0"/>
-          <a:ext cx="0" cy="0"/>
-          <a:chOff x="0" y="0"/>
-          <a:chExt cx="0" cy="0"/>
-        </a:xfrm>
-      </p:grpSpPr>
-      <p:sp>
-        <p:nvSpPr>
-          <p:cNvPr id="2" name="Google Shape;656;p77">
-            <a:extLst>
-              <a:ext uri="{FF2B5EF4-FFF2-40B4-BE49-F238E27FC236}">
-                <a16:creationId xmlns:a16="http://schemas.microsoft.com/office/drawing/2014/main" id="{9CAC2E2A-AC8C-F528-D483-147B5C1915FC}"/>
-              </a:ext>
-            </a:extLst>
-          </p:cNvPr>
-          <p:cNvSpPr txBox="1"/>
-          <p:nvPr/>
-        </p:nvSpPr>
-        <p:spPr>
-          <a:xfrm>
-            <a:off x="692150" y="452918"/>
-            <a:ext cx="8980768" cy="707886"/>
-          </a:xfrm>
-          <a:prstGeom prst="rect">
-            <a:avLst/>
-          </a:prstGeom>
-          <a:noFill/>
-          <a:ln>
-            <a:noFill/>
-          </a:ln>
-        </p:spPr>
-        <p:txBody>
-          <a:bodyPr spcFirstLastPara="1" wrap="square" lIns="91425" tIns="45700" rIns="91425" bIns="45700" anchor="t" anchorCtr="0">
-            <a:noAutofit/>
-          </a:bodyPr>
-          <a:lstStyle/>
-          <a:p>
-            <a:pPr marL="0" marR="0" lvl="0" indent="0" algn="l" rtl="0">
-              <a:spcBef>
-                <a:spcPts val="0"/>
-              </a:spcBef>
-              <a:spcAft>
-                <a:spcPts val="0"/>
-              </a:spcAft>
-              <a:buNone/>
-            </a:pPr>
-            <a:r>
-              <a:rPr lang="en-US" sz="4000" b="1" dirty="0">
-                <a:solidFill>
-                  <a:schemeClr val="accent1"/>
-                </a:solidFill>
-                <a:latin typeface="Open Sans"/>
-                <a:ea typeface="Open Sans"/>
-                <a:cs typeface="Open Sans"/>
-                <a:sym typeface="Open Sans"/>
-              </a:rPr>
-              <a:t>Types of Data Structures</a:t>
-            </a:r>
-            <a:endParaRPr sz="4000" b="1" dirty="0">
-              <a:solidFill>
-                <a:schemeClr val="accent1"/>
-              </a:solidFill>
-              <a:latin typeface="Open Sans"/>
-              <a:ea typeface="Open Sans"/>
-              <a:cs typeface="Open Sans"/>
-              <a:sym typeface="Open Sans"/>
-            </a:endParaRPr>
-          </a:p>
-        </p:txBody>
-      </p:sp>
-      <p:sp>
-        <p:nvSpPr>
-          <p:cNvPr id="5" name="Rectangle: Rounded Corners 4">
-            <a:extLst>
-              <a:ext uri="{FF2B5EF4-FFF2-40B4-BE49-F238E27FC236}">
-                <a16:creationId xmlns:a16="http://schemas.microsoft.com/office/drawing/2014/main" id="{D33314F4-EE31-4578-8BFE-273C8524D236}"/>
-              </a:ext>
-            </a:extLst>
-          </p:cNvPr>
-          <p:cNvSpPr/>
-          <p:nvPr/>
-        </p:nvSpPr>
-        <p:spPr>
-          <a:xfrm>
-            <a:off x="4657164" y="2265766"/>
-            <a:ext cx="2877671" cy="528918"/>
-          </a:xfrm>
-          <a:prstGeom prst="roundRect">
-            <a:avLst/>
-          </a:prstGeom>
-          <a:noFill/>
-        </p:spPr>
-        <p:style>
-          <a:lnRef idx="2">
-            <a:schemeClr val="accent1">
-              <a:shade val="50000"/>
-            </a:schemeClr>
-          </a:lnRef>
-          <a:fillRef idx="1">
-            <a:schemeClr val="accent1"/>
-          </a:fillRef>
-          <a:effectRef idx="0">
-            <a:schemeClr val="accent1"/>
-          </a:effectRef>
-          <a:fontRef idx="minor">
-            <a:schemeClr val="lt1"/>
-          </a:fontRef>
-        </p:style>
-        <p:txBody>
-          <a:bodyPr rtlCol="0" anchor="ctr"/>
-          <a:lstStyle/>
-          <a:p>
-            <a:pPr algn="ctr"/>
-            <a:r>
-              <a:rPr lang="en-IN" dirty="0">
-                <a:solidFill>
-                  <a:schemeClr val="tx1">
-                    <a:lumMod val="65000"/>
-                    <a:lumOff val="35000"/>
-                  </a:schemeClr>
-                </a:solidFill>
-              </a:rPr>
-              <a:t>Data Structures</a:t>
-            </a:r>
-          </a:p>
-        </p:txBody>
-      </p:sp>
-      <p:sp>
-        <p:nvSpPr>
-          <p:cNvPr id="6" name="Rectangle: Rounded Corners 5">
-            <a:extLst>
-              <a:ext uri="{FF2B5EF4-FFF2-40B4-BE49-F238E27FC236}">
-                <a16:creationId xmlns:a16="http://schemas.microsoft.com/office/drawing/2014/main" id="{7446513C-D735-33C9-F55F-ABCC3D726676}"/>
-              </a:ext>
-            </a:extLst>
-          </p:cNvPr>
-          <p:cNvSpPr/>
-          <p:nvPr/>
-        </p:nvSpPr>
-        <p:spPr>
-          <a:xfrm>
-            <a:off x="2661958" y="3627344"/>
-            <a:ext cx="1438836" cy="528918"/>
-          </a:xfrm>
-          <a:prstGeom prst="roundRect">
-            <a:avLst/>
-          </a:prstGeom>
-          <a:noFill/>
-        </p:spPr>
-        <p:style>
-          <a:lnRef idx="2">
-            <a:schemeClr val="accent1">
-              <a:shade val="50000"/>
-            </a:schemeClr>
-          </a:lnRef>
-          <a:fillRef idx="1">
-            <a:schemeClr val="accent1"/>
-          </a:fillRef>
-          <a:effectRef idx="0">
-            <a:schemeClr val="accent1"/>
-          </a:effectRef>
-          <a:fontRef idx="minor">
-            <a:schemeClr val="lt1"/>
-          </a:fontRef>
-        </p:style>
-        <p:txBody>
-          <a:bodyPr rtlCol="0" anchor="ctr"/>
-          <a:lstStyle/>
-          <a:p>
-            <a:pPr algn="ctr"/>
-            <a:r>
-              <a:rPr lang="en-IN" dirty="0">
-                <a:solidFill>
-                  <a:schemeClr val="tx1">
-                    <a:lumMod val="65000"/>
-                    <a:lumOff val="35000"/>
-                  </a:schemeClr>
-                </a:solidFill>
-              </a:rPr>
-              <a:t>Linear</a:t>
-            </a:r>
-          </a:p>
-        </p:txBody>
-      </p:sp>
-      <p:sp>
-        <p:nvSpPr>
-          <p:cNvPr id="7" name="Rectangle: Rounded Corners 6">
-            <a:extLst>
-              <a:ext uri="{FF2B5EF4-FFF2-40B4-BE49-F238E27FC236}">
-                <a16:creationId xmlns:a16="http://schemas.microsoft.com/office/drawing/2014/main" id="{A4CBA59F-2C93-220B-C81E-FB92A0C539E1}"/>
-              </a:ext>
-            </a:extLst>
-          </p:cNvPr>
-          <p:cNvSpPr/>
-          <p:nvPr/>
-        </p:nvSpPr>
-        <p:spPr>
-          <a:xfrm>
-            <a:off x="8091208" y="3627344"/>
-            <a:ext cx="1868023" cy="528918"/>
-          </a:xfrm>
-          <a:prstGeom prst="roundRect">
-            <a:avLst/>
-          </a:prstGeom>
-          <a:noFill/>
-        </p:spPr>
-        <p:style>
-          <a:lnRef idx="2">
-            <a:schemeClr val="accent1">
-              <a:shade val="50000"/>
-            </a:schemeClr>
-          </a:lnRef>
-          <a:fillRef idx="1">
-            <a:schemeClr val="accent1"/>
-          </a:fillRef>
-          <a:effectRef idx="0">
-            <a:schemeClr val="accent1"/>
-          </a:effectRef>
-          <a:fontRef idx="minor">
-            <a:schemeClr val="lt1"/>
-          </a:fontRef>
-        </p:style>
-        <p:txBody>
-          <a:bodyPr rtlCol="0" anchor="ctr"/>
-          <a:lstStyle/>
-          <a:p>
-            <a:pPr algn="ctr"/>
-            <a:r>
-              <a:rPr lang="en-IN" dirty="0">
-                <a:solidFill>
-                  <a:schemeClr val="tx1">
-                    <a:lumMod val="65000"/>
-                    <a:lumOff val="35000"/>
-                  </a:schemeClr>
-                </a:solidFill>
-              </a:rPr>
-              <a:t>Non-Linear</a:t>
-            </a:r>
-          </a:p>
-        </p:txBody>
-      </p:sp>
-      <p:cxnSp>
-        <p:nvCxnSpPr>
-          <p:cNvPr id="9" name="Connector: Elbow 8">
-            <a:extLst>
-              <a:ext uri="{FF2B5EF4-FFF2-40B4-BE49-F238E27FC236}">
-                <a16:creationId xmlns:a16="http://schemas.microsoft.com/office/drawing/2014/main" id="{68E60CF7-00A6-A7FE-09A7-82AB392119FD}"/>
-              </a:ext>
-            </a:extLst>
-          </p:cNvPr>
-          <p:cNvCxnSpPr>
-            <a:cxnSpLocks/>
-            <a:stCxn id="5" idx="1"/>
-            <a:endCxn id="6" idx="0"/>
-          </p:cNvCxnSpPr>
-          <p:nvPr/>
-        </p:nvCxnSpPr>
-        <p:spPr>
-          <a:xfrm rot="10800000" flipV="1">
-            <a:off x="3381376" y="2530224"/>
-            <a:ext cx="1275788" cy="1097119"/>
-          </a:xfrm>
-          <a:prstGeom prst="bentConnector2">
-            <a:avLst/>
-          </a:prstGeom>
-          <a:ln w="38100">
-            <a:tailEnd type="triangle"/>
-          </a:ln>
-        </p:spPr>
-        <p:style>
-          <a:lnRef idx="1">
-            <a:schemeClr val="accent1"/>
-          </a:lnRef>
-          <a:fillRef idx="0">
-            <a:schemeClr val="accent1"/>
-          </a:fillRef>
-          <a:effectRef idx="0">
-            <a:schemeClr val="accent1"/>
-          </a:effectRef>
-          <a:fontRef idx="minor">
-            <a:schemeClr val="tx1"/>
-          </a:fontRef>
-        </p:style>
-      </p:cxnSp>
-      <p:cxnSp>
-        <p:nvCxnSpPr>
-          <p:cNvPr id="11" name="Connector: Elbow 10">
-            <a:extLst>
-              <a:ext uri="{FF2B5EF4-FFF2-40B4-BE49-F238E27FC236}">
-                <a16:creationId xmlns:a16="http://schemas.microsoft.com/office/drawing/2014/main" id="{F5494D6E-2B93-878F-9A89-C19181F394C6}"/>
-              </a:ext>
-            </a:extLst>
-          </p:cNvPr>
-          <p:cNvCxnSpPr>
-            <a:cxnSpLocks/>
-            <a:stCxn id="5" idx="3"/>
-            <a:endCxn id="7" idx="0"/>
-          </p:cNvCxnSpPr>
-          <p:nvPr/>
-        </p:nvCxnSpPr>
-        <p:spPr>
-          <a:xfrm>
-            <a:off x="7534835" y="2530225"/>
-            <a:ext cx="1490385" cy="1097119"/>
-          </a:xfrm>
-          <a:prstGeom prst="bentConnector2">
-            <a:avLst/>
-          </a:prstGeom>
-          <a:ln w="38100">
-            <a:tailEnd type="triangle"/>
-          </a:ln>
-        </p:spPr>
-        <p:style>
-          <a:lnRef idx="1">
-            <a:schemeClr val="accent1"/>
-          </a:lnRef>
-          <a:fillRef idx="0">
-            <a:schemeClr val="accent1"/>
-          </a:fillRef>
-          <a:effectRef idx="0">
-            <a:schemeClr val="accent1"/>
-          </a:effectRef>
-          <a:fontRef idx="minor">
-            <a:schemeClr val="tx1"/>
-          </a:fontRef>
-        </p:style>
-      </p:cxnSp>
-      <p:sp>
-        <p:nvSpPr>
-          <p:cNvPr id="18" name="Rectangle: Rounded Corners 17">
-            <a:extLst>
-              <a:ext uri="{FF2B5EF4-FFF2-40B4-BE49-F238E27FC236}">
-                <a16:creationId xmlns:a16="http://schemas.microsoft.com/office/drawing/2014/main" id="{6C35323E-F92B-7995-8EF4-490ADF69E15B}"/>
-              </a:ext>
-            </a:extLst>
-          </p:cNvPr>
-          <p:cNvSpPr/>
-          <p:nvPr/>
-        </p:nvSpPr>
-        <p:spPr>
-          <a:xfrm>
-            <a:off x="692150" y="4604497"/>
-            <a:ext cx="1258421" cy="528918"/>
-          </a:xfrm>
-          <a:prstGeom prst="roundRect">
-            <a:avLst/>
-          </a:prstGeom>
-          <a:noFill/>
-        </p:spPr>
-        <p:style>
-          <a:lnRef idx="2">
-            <a:schemeClr val="accent1">
-              <a:shade val="50000"/>
-            </a:schemeClr>
-          </a:lnRef>
-          <a:fillRef idx="1">
-            <a:schemeClr val="accent1"/>
-          </a:fillRef>
-          <a:effectRef idx="0">
-            <a:schemeClr val="accent1"/>
-          </a:effectRef>
-          <a:fontRef idx="minor">
-            <a:schemeClr val="lt1"/>
-          </a:fontRef>
-        </p:style>
-        <p:txBody>
-          <a:bodyPr rtlCol="0" anchor="ctr"/>
-          <a:lstStyle/>
-          <a:p>
-            <a:pPr algn="ctr"/>
-            <a:r>
-              <a:rPr lang="en-IN" dirty="0">
-                <a:solidFill>
-                  <a:schemeClr val="tx1">
-                    <a:lumMod val="65000"/>
-                    <a:lumOff val="35000"/>
-                  </a:schemeClr>
-                </a:solidFill>
-              </a:rPr>
-              <a:t>Array</a:t>
-            </a:r>
-          </a:p>
-        </p:txBody>
-      </p:sp>
-      <p:sp>
-        <p:nvSpPr>
-          <p:cNvPr id="20" name="Rectangle: Rounded Corners 19">
-            <a:extLst>
-              <a:ext uri="{FF2B5EF4-FFF2-40B4-BE49-F238E27FC236}">
-                <a16:creationId xmlns:a16="http://schemas.microsoft.com/office/drawing/2014/main" id="{D7391724-8195-2924-2FD7-9569E35D1048}"/>
-              </a:ext>
-            </a:extLst>
-          </p:cNvPr>
-          <p:cNvSpPr/>
-          <p:nvPr/>
-        </p:nvSpPr>
-        <p:spPr>
-          <a:xfrm>
-            <a:off x="2122953" y="4604497"/>
-            <a:ext cx="1258421" cy="528918"/>
-          </a:xfrm>
-          <a:prstGeom prst="roundRect">
-            <a:avLst/>
-          </a:prstGeom>
-          <a:noFill/>
-        </p:spPr>
-        <p:style>
-          <a:lnRef idx="2">
-            <a:schemeClr val="accent1">
-              <a:shade val="50000"/>
-            </a:schemeClr>
-          </a:lnRef>
-          <a:fillRef idx="1">
-            <a:schemeClr val="accent1"/>
-          </a:fillRef>
-          <a:effectRef idx="0">
-            <a:schemeClr val="accent1"/>
-          </a:effectRef>
-          <a:fontRef idx="minor">
-            <a:schemeClr val="lt1"/>
-          </a:fontRef>
-        </p:style>
-        <p:txBody>
-          <a:bodyPr rtlCol="0" anchor="ctr"/>
-          <a:lstStyle/>
-          <a:p>
-            <a:pPr algn="ctr"/>
-            <a:r>
-              <a:rPr lang="en-IN" dirty="0">
-                <a:solidFill>
-                  <a:schemeClr val="tx1">
-                    <a:lumMod val="65000"/>
-                    <a:lumOff val="35000"/>
-                  </a:schemeClr>
-                </a:solidFill>
-              </a:rPr>
-              <a:t>Linked List</a:t>
-            </a:r>
-          </a:p>
-        </p:txBody>
-      </p:sp>
-      <p:sp>
-        <p:nvSpPr>
-          <p:cNvPr id="21" name="Rectangle: Rounded Corners 20">
-            <a:extLst>
-              <a:ext uri="{FF2B5EF4-FFF2-40B4-BE49-F238E27FC236}">
-                <a16:creationId xmlns:a16="http://schemas.microsoft.com/office/drawing/2014/main" id="{17DAA3F3-B837-23E1-1AB7-CE9DF26C619F}"/>
-              </a:ext>
-            </a:extLst>
-          </p:cNvPr>
-          <p:cNvSpPr/>
-          <p:nvPr/>
-        </p:nvSpPr>
-        <p:spPr>
-          <a:xfrm>
-            <a:off x="3561789" y="4604497"/>
-            <a:ext cx="1258421" cy="528918"/>
-          </a:xfrm>
-          <a:prstGeom prst="roundRect">
-            <a:avLst/>
-          </a:prstGeom>
-          <a:noFill/>
-        </p:spPr>
-        <p:style>
-          <a:lnRef idx="2">
-            <a:schemeClr val="accent1">
-              <a:shade val="50000"/>
-            </a:schemeClr>
-          </a:lnRef>
-          <a:fillRef idx="1">
-            <a:schemeClr val="accent1"/>
-          </a:fillRef>
-          <a:effectRef idx="0">
-            <a:schemeClr val="accent1"/>
-          </a:effectRef>
-          <a:fontRef idx="minor">
-            <a:schemeClr val="lt1"/>
-          </a:fontRef>
-        </p:style>
-        <p:txBody>
-          <a:bodyPr rtlCol="0" anchor="ctr"/>
-          <a:lstStyle/>
-          <a:p>
-            <a:pPr algn="ctr"/>
-            <a:r>
-              <a:rPr lang="en-IN" dirty="0">
-                <a:solidFill>
-                  <a:schemeClr val="tx1">
-                    <a:lumMod val="65000"/>
-                    <a:lumOff val="35000"/>
-                  </a:schemeClr>
-                </a:solidFill>
-              </a:rPr>
-              <a:t>Stack</a:t>
-            </a:r>
-          </a:p>
-        </p:txBody>
-      </p:sp>
-      <p:sp>
-        <p:nvSpPr>
-          <p:cNvPr id="22" name="Rectangle: Rounded Corners 21">
-            <a:extLst>
-              <a:ext uri="{FF2B5EF4-FFF2-40B4-BE49-F238E27FC236}">
-                <a16:creationId xmlns:a16="http://schemas.microsoft.com/office/drawing/2014/main" id="{C38A8EB2-3AC5-6EFA-026F-4060BEF0F506}"/>
-              </a:ext>
-            </a:extLst>
-          </p:cNvPr>
-          <p:cNvSpPr/>
-          <p:nvPr/>
-        </p:nvSpPr>
-        <p:spPr>
-          <a:xfrm>
-            <a:off x="5000625" y="4604497"/>
-            <a:ext cx="1258421" cy="528918"/>
-          </a:xfrm>
-          <a:prstGeom prst="roundRect">
-            <a:avLst/>
-          </a:prstGeom>
-          <a:noFill/>
-        </p:spPr>
-        <p:style>
-          <a:lnRef idx="2">
-            <a:schemeClr val="accent1">
-              <a:shade val="50000"/>
-            </a:schemeClr>
-          </a:lnRef>
-          <a:fillRef idx="1">
-            <a:schemeClr val="accent1"/>
-          </a:fillRef>
-          <a:effectRef idx="0">
-            <a:schemeClr val="accent1"/>
-          </a:effectRef>
-          <a:fontRef idx="minor">
-            <a:schemeClr val="lt1"/>
-          </a:fontRef>
-        </p:style>
-        <p:txBody>
-          <a:bodyPr rtlCol="0" anchor="ctr"/>
-          <a:lstStyle/>
-          <a:p>
-            <a:pPr algn="ctr"/>
-            <a:r>
-              <a:rPr lang="en-IN" dirty="0">
-                <a:solidFill>
-                  <a:schemeClr val="tx1">
-                    <a:lumMod val="65000"/>
-                    <a:lumOff val="35000"/>
-                  </a:schemeClr>
-                </a:solidFill>
-              </a:rPr>
-              <a:t>Queue</a:t>
-            </a:r>
-          </a:p>
-        </p:txBody>
-      </p:sp>
-      <p:cxnSp>
-        <p:nvCxnSpPr>
-          <p:cNvPr id="27" name="Connector: Elbow 26">
-            <a:extLst>
-              <a:ext uri="{FF2B5EF4-FFF2-40B4-BE49-F238E27FC236}">
-                <a16:creationId xmlns:a16="http://schemas.microsoft.com/office/drawing/2014/main" id="{B95BAC9B-7F7B-D6D0-45E6-FEEF98BD5646}"/>
-              </a:ext>
-            </a:extLst>
-          </p:cNvPr>
-          <p:cNvCxnSpPr>
-            <a:cxnSpLocks/>
-            <a:stCxn id="6" idx="2"/>
-            <a:endCxn id="20" idx="0"/>
-          </p:cNvCxnSpPr>
-          <p:nvPr/>
-        </p:nvCxnSpPr>
-        <p:spPr>
-          <a:xfrm rot="5400000">
-            <a:off x="2842653" y="4065773"/>
-            <a:ext cx="448235" cy="629212"/>
-          </a:xfrm>
-          <a:prstGeom prst="bentConnector3">
-            <a:avLst/>
-          </a:prstGeom>
-          <a:ln>
-            <a:tailEnd type="triangle"/>
-          </a:ln>
-        </p:spPr>
-        <p:style>
-          <a:lnRef idx="1">
-            <a:schemeClr val="accent1"/>
-          </a:lnRef>
-          <a:fillRef idx="0">
-            <a:schemeClr val="accent1"/>
-          </a:fillRef>
-          <a:effectRef idx="0">
-            <a:schemeClr val="accent1"/>
-          </a:effectRef>
-          <a:fontRef idx="minor">
-            <a:schemeClr val="tx1"/>
-          </a:fontRef>
-        </p:style>
-      </p:cxnSp>
-      <p:cxnSp>
-        <p:nvCxnSpPr>
-          <p:cNvPr id="29" name="Connector: Elbow 28">
-            <a:extLst>
-              <a:ext uri="{FF2B5EF4-FFF2-40B4-BE49-F238E27FC236}">
-                <a16:creationId xmlns:a16="http://schemas.microsoft.com/office/drawing/2014/main" id="{2C8E5A15-B178-05C0-7CC4-FA184FE30973}"/>
-              </a:ext>
-            </a:extLst>
-          </p:cNvPr>
-          <p:cNvCxnSpPr>
-            <a:cxnSpLocks/>
-            <a:stCxn id="6" idx="2"/>
-            <a:endCxn id="21" idx="0"/>
-          </p:cNvCxnSpPr>
-          <p:nvPr/>
-        </p:nvCxnSpPr>
-        <p:spPr>
-          <a:xfrm rot="16200000" flipH="1">
-            <a:off x="3562071" y="3975567"/>
-            <a:ext cx="448235" cy="809624"/>
-          </a:xfrm>
-          <a:prstGeom prst="bentConnector3">
-            <a:avLst/>
-          </a:prstGeom>
-          <a:ln>
-            <a:tailEnd type="triangle"/>
-          </a:ln>
-        </p:spPr>
-        <p:style>
-          <a:lnRef idx="1">
-            <a:schemeClr val="accent1"/>
-          </a:lnRef>
-          <a:fillRef idx="0">
-            <a:schemeClr val="accent1"/>
-          </a:fillRef>
-          <a:effectRef idx="0">
-            <a:schemeClr val="accent1"/>
-          </a:effectRef>
-          <a:fontRef idx="minor">
-            <a:schemeClr val="tx1"/>
-          </a:fontRef>
-        </p:style>
-      </p:cxnSp>
-      <p:cxnSp>
-        <p:nvCxnSpPr>
-          <p:cNvPr id="31" name="Connector: Elbow 30">
-            <a:extLst>
-              <a:ext uri="{FF2B5EF4-FFF2-40B4-BE49-F238E27FC236}">
-                <a16:creationId xmlns:a16="http://schemas.microsoft.com/office/drawing/2014/main" id="{DD7C8727-11A9-E6B0-BE7B-6C2F79BA4432}"/>
-              </a:ext>
-            </a:extLst>
-          </p:cNvPr>
-          <p:cNvCxnSpPr>
-            <a:cxnSpLocks/>
-            <a:stCxn id="6" idx="2"/>
-            <a:endCxn id="22" idx="0"/>
-          </p:cNvCxnSpPr>
-          <p:nvPr/>
-        </p:nvCxnSpPr>
-        <p:spPr>
-          <a:xfrm rot="16200000" flipH="1">
-            <a:off x="4281489" y="3256149"/>
-            <a:ext cx="448235" cy="2248460"/>
-          </a:xfrm>
-          <a:prstGeom prst="bentConnector3">
-            <a:avLst/>
-          </a:prstGeom>
-          <a:ln>
-            <a:tailEnd type="triangle"/>
-          </a:ln>
-        </p:spPr>
-        <p:style>
-          <a:lnRef idx="1">
-            <a:schemeClr val="accent1"/>
-          </a:lnRef>
-          <a:fillRef idx="0">
-            <a:schemeClr val="accent1"/>
-          </a:fillRef>
-          <a:effectRef idx="0">
-            <a:schemeClr val="accent1"/>
-          </a:effectRef>
-          <a:fontRef idx="minor">
-            <a:schemeClr val="tx1"/>
-          </a:fontRef>
-        </p:style>
-      </p:cxnSp>
-      <p:cxnSp>
-        <p:nvCxnSpPr>
-          <p:cNvPr id="33" name="Connector: Elbow 32">
-            <a:extLst>
-              <a:ext uri="{FF2B5EF4-FFF2-40B4-BE49-F238E27FC236}">
-                <a16:creationId xmlns:a16="http://schemas.microsoft.com/office/drawing/2014/main" id="{355ED0C1-0193-DC51-CB77-50FDB936EA88}"/>
-              </a:ext>
-            </a:extLst>
-          </p:cNvPr>
-          <p:cNvCxnSpPr>
-            <a:cxnSpLocks/>
-            <a:stCxn id="6" idx="2"/>
-            <a:endCxn id="18" idx="0"/>
-          </p:cNvCxnSpPr>
-          <p:nvPr/>
-        </p:nvCxnSpPr>
-        <p:spPr>
-          <a:xfrm rot="5400000">
-            <a:off x="2127252" y="3350372"/>
-            <a:ext cx="448235" cy="2060015"/>
-          </a:xfrm>
-          <a:prstGeom prst="bentConnector3">
-            <a:avLst/>
-          </a:prstGeom>
-          <a:ln>
-            <a:tailEnd type="triangle"/>
-          </a:ln>
-        </p:spPr>
-        <p:style>
-          <a:lnRef idx="1">
-            <a:schemeClr val="accent1"/>
-          </a:lnRef>
-          <a:fillRef idx="0">
-            <a:schemeClr val="accent1"/>
-          </a:fillRef>
-          <a:effectRef idx="0">
-            <a:schemeClr val="accent1"/>
-          </a:effectRef>
-          <a:fontRef idx="minor">
-            <a:schemeClr val="tx1"/>
-          </a:fontRef>
-        </p:style>
-      </p:cxnSp>
-      <p:sp>
-        <p:nvSpPr>
-          <p:cNvPr id="46" name="Rectangle: Rounded Corners 45">
-            <a:extLst>
-              <a:ext uri="{FF2B5EF4-FFF2-40B4-BE49-F238E27FC236}">
-                <a16:creationId xmlns:a16="http://schemas.microsoft.com/office/drawing/2014/main" id="{E60C114D-DD78-1CCC-6270-5145E5CFD52F}"/>
-              </a:ext>
-            </a:extLst>
-          </p:cNvPr>
-          <p:cNvSpPr/>
-          <p:nvPr/>
-        </p:nvSpPr>
-        <p:spPr>
-          <a:xfrm>
-            <a:off x="7624486" y="4608419"/>
-            <a:ext cx="1258421" cy="528918"/>
-          </a:xfrm>
-          <a:prstGeom prst="roundRect">
-            <a:avLst/>
-          </a:prstGeom>
-          <a:noFill/>
-        </p:spPr>
-        <p:style>
-          <a:lnRef idx="2">
-            <a:schemeClr val="accent1">
-              <a:shade val="50000"/>
-            </a:schemeClr>
-          </a:lnRef>
-          <a:fillRef idx="1">
-            <a:schemeClr val="accent1"/>
-          </a:fillRef>
-          <a:effectRef idx="0">
-            <a:schemeClr val="accent1"/>
-          </a:effectRef>
-          <a:fontRef idx="minor">
-            <a:schemeClr val="lt1"/>
-          </a:fontRef>
-        </p:style>
-        <p:txBody>
-          <a:bodyPr rtlCol="0" anchor="ctr"/>
-          <a:lstStyle/>
-          <a:p>
-            <a:pPr algn="ctr"/>
-            <a:r>
-              <a:rPr lang="en-IN" dirty="0">
-                <a:solidFill>
-                  <a:schemeClr val="tx1">
-                    <a:lumMod val="65000"/>
-                    <a:lumOff val="35000"/>
-                  </a:schemeClr>
-                </a:solidFill>
-              </a:rPr>
-              <a:t>Graph</a:t>
-            </a:r>
-          </a:p>
-        </p:txBody>
-      </p:sp>
-      <p:sp>
-        <p:nvSpPr>
-          <p:cNvPr id="47" name="Rectangle: Rounded Corners 46">
-            <a:extLst>
-              <a:ext uri="{FF2B5EF4-FFF2-40B4-BE49-F238E27FC236}">
-                <a16:creationId xmlns:a16="http://schemas.microsoft.com/office/drawing/2014/main" id="{5AA4430E-8FD9-12DD-53F9-22A60D5F648D}"/>
-              </a:ext>
-            </a:extLst>
-          </p:cNvPr>
-          <p:cNvSpPr/>
-          <p:nvPr/>
-        </p:nvSpPr>
-        <p:spPr>
-          <a:xfrm>
-            <a:off x="9173136" y="4608419"/>
-            <a:ext cx="1258421" cy="528918"/>
-          </a:xfrm>
-          <a:prstGeom prst="roundRect">
-            <a:avLst/>
-          </a:prstGeom>
-          <a:noFill/>
-        </p:spPr>
-        <p:style>
-          <a:lnRef idx="2">
-            <a:schemeClr val="accent1">
-              <a:shade val="50000"/>
-            </a:schemeClr>
-          </a:lnRef>
-          <a:fillRef idx="1">
-            <a:schemeClr val="accent1"/>
-          </a:fillRef>
-          <a:effectRef idx="0">
-            <a:schemeClr val="accent1"/>
-          </a:effectRef>
-          <a:fontRef idx="minor">
-            <a:schemeClr val="lt1"/>
-          </a:fontRef>
-        </p:style>
-        <p:txBody>
-          <a:bodyPr rtlCol="0" anchor="ctr"/>
-          <a:lstStyle/>
-          <a:p>
-            <a:pPr algn="ctr"/>
-            <a:r>
-              <a:rPr lang="en-IN" dirty="0">
-                <a:solidFill>
-                  <a:schemeClr val="tx1">
-                    <a:lumMod val="65000"/>
-                    <a:lumOff val="35000"/>
-                  </a:schemeClr>
-                </a:solidFill>
-              </a:rPr>
-              <a:t>Tree</a:t>
-            </a:r>
-          </a:p>
-        </p:txBody>
-      </p:sp>
-      <p:cxnSp>
-        <p:nvCxnSpPr>
-          <p:cNvPr id="50" name="Connector: Elbow 49">
-            <a:extLst>
-              <a:ext uri="{FF2B5EF4-FFF2-40B4-BE49-F238E27FC236}">
-                <a16:creationId xmlns:a16="http://schemas.microsoft.com/office/drawing/2014/main" id="{7D3C4CC5-BA02-99EE-5FE2-82F68AD5C96B}"/>
-              </a:ext>
-            </a:extLst>
-          </p:cNvPr>
-          <p:cNvCxnSpPr>
-            <a:stCxn id="7" idx="2"/>
-            <a:endCxn id="46" idx="0"/>
-          </p:cNvCxnSpPr>
-          <p:nvPr/>
-        </p:nvCxnSpPr>
-        <p:spPr>
-          <a:xfrm rot="5400000">
-            <a:off x="8413381" y="3996579"/>
-            <a:ext cx="452157" cy="771523"/>
-          </a:xfrm>
-          <a:prstGeom prst="bentConnector3">
-            <a:avLst/>
-          </a:prstGeom>
-          <a:ln>
-            <a:tailEnd type="triangle"/>
-          </a:ln>
-        </p:spPr>
-        <p:style>
-          <a:lnRef idx="1">
-            <a:schemeClr val="accent1"/>
-          </a:lnRef>
-          <a:fillRef idx="0">
-            <a:schemeClr val="accent1"/>
-          </a:fillRef>
-          <a:effectRef idx="0">
-            <a:schemeClr val="accent1"/>
-          </a:effectRef>
-          <a:fontRef idx="minor">
-            <a:schemeClr val="tx1"/>
-          </a:fontRef>
-        </p:style>
-      </p:cxnSp>
-      <p:cxnSp>
-        <p:nvCxnSpPr>
-          <p:cNvPr id="52" name="Connector: Elbow 51">
-            <a:extLst>
-              <a:ext uri="{FF2B5EF4-FFF2-40B4-BE49-F238E27FC236}">
-                <a16:creationId xmlns:a16="http://schemas.microsoft.com/office/drawing/2014/main" id="{290014C4-CC8B-9AC7-8B46-99B5D7E0EAF5}"/>
-              </a:ext>
-            </a:extLst>
-          </p:cNvPr>
-          <p:cNvCxnSpPr>
-            <a:stCxn id="7" idx="2"/>
-            <a:endCxn id="47" idx="0"/>
-          </p:cNvCxnSpPr>
-          <p:nvPr/>
-        </p:nvCxnSpPr>
-        <p:spPr>
-          <a:xfrm rot="16200000" flipH="1">
-            <a:off x="9187705" y="3993776"/>
-            <a:ext cx="452157" cy="777127"/>
-          </a:xfrm>
-          <a:prstGeom prst="bentConnector3">
-            <a:avLst/>
-          </a:prstGeom>
-          <a:ln>
-            <a:tailEnd type="triangle"/>
-          </a:ln>
-        </p:spPr>
-        <p:style>
-          <a:lnRef idx="1">
-            <a:schemeClr val="accent1"/>
-          </a:lnRef>
-          <a:fillRef idx="0">
-            <a:schemeClr val="accent1"/>
-          </a:fillRef>
-          <a:effectRef idx="0">
-            <a:schemeClr val="accent1"/>
-          </a:effectRef>
-          <a:fontRef idx="minor">
-            <a:schemeClr val="tx1"/>
-          </a:fontRef>
-        </p:style>
-      </p:cxnSp>
-    </p:spTree>
-    <p:extLst>
-      <p:ext uri="{BB962C8B-B14F-4D97-AF65-F5344CB8AC3E}">
-        <p14:creationId xmlns:p14="http://schemas.microsoft.com/office/powerpoint/2010/main" val="1027677606"/>
-      </p:ext>
-    </p:extLst>
-  </p:cSld>
-  <p:clrMapOvr>
-    <a:masterClrMapping/>
-  </p:clrMapOvr>
-</p:sld>
-</file>
-
-<file path=ppt/slides/slide4.xml><?xml version="1.0" encoding="utf-8"?>
-<p:sld xmlns:a="http://schemas.openxmlformats.org/drawingml/2006/main" xmlns:r="http://schemas.openxmlformats.org/officeDocument/2006/relationships" xmlns:p="http://schemas.openxmlformats.org/presentationml/2006/main">
-  <p:cSld>
-    <p:spTree>
-      <p:nvGrpSpPr>
-        <p:cNvPr id="1" name=""/>
-        <p:cNvGrpSpPr/>
-        <p:nvPr/>
-      </p:nvGrpSpPr>
-      <p:grpSpPr>
-        <a:xfrm>
-          <a:off x="0" y="0"/>
-          <a:ext cx="0" cy="0"/>
-          <a:chOff x="0" y="0"/>
-          <a:chExt cx="0" cy="0"/>
-        </a:xfrm>
-      </p:grpSpPr>
-      <p:sp>
-        <p:nvSpPr>
-          <p:cNvPr id="2" name="Google Shape;656;p77">
-            <a:extLst>
-              <a:ext uri="{FF2B5EF4-FFF2-40B4-BE49-F238E27FC236}">
-                <a16:creationId xmlns:a16="http://schemas.microsoft.com/office/drawing/2014/main" id="{9CAC2E2A-AC8C-F528-D483-147B5C1915FC}"/>
-              </a:ext>
-            </a:extLst>
-          </p:cNvPr>
-          <p:cNvSpPr txBox="1"/>
-          <p:nvPr/>
-        </p:nvSpPr>
-        <p:spPr>
-          <a:xfrm>
-            <a:off x="692150" y="452918"/>
-            <a:ext cx="10814050" cy="707886"/>
-          </a:xfrm>
-          <a:prstGeom prst="rect">
-            <a:avLst/>
-          </a:prstGeom>
-          <a:noFill/>
-          <a:ln>
-            <a:noFill/>
-          </a:ln>
-        </p:spPr>
-        <p:txBody>
-          <a:bodyPr spcFirstLastPara="1" wrap="square" lIns="91425" tIns="45700" rIns="91425" bIns="45700" anchor="t" anchorCtr="0">
-            <a:noAutofit/>
-          </a:bodyPr>
-          <a:lstStyle/>
-          <a:p>
-            <a:pPr marL="0" marR="0" lvl="0" indent="0" algn="l" rtl="0">
-              <a:spcBef>
-                <a:spcPts val="0"/>
-              </a:spcBef>
-              <a:spcAft>
-                <a:spcPts val="0"/>
-              </a:spcAft>
-              <a:buNone/>
-            </a:pPr>
-            <a:r>
-              <a:rPr lang="en-IN" sz="4000" b="1" dirty="0">
-                <a:solidFill>
-                  <a:schemeClr val="accent1"/>
-                </a:solidFill>
-                <a:latin typeface="Open Sans"/>
-                <a:ea typeface="Open Sans"/>
-                <a:cs typeface="Open Sans"/>
-                <a:sym typeface="Open Sans"/>
-              </a:rPr>
-              <a:t>Analysis of Algorithms</a:t>
-            </a:r>
-            <a:endParaRPr sz="4000" b="1" dirty="0">
-              <a:solidFill>
-                <a:schemeClr val="accent1"/>
-              </a:solidFill>
-              <a:latin typeface="Open Sans"/>
-              <a:ea typeface="Open Sans"/>
-              <a:cs typeface="Open Sans"/>
-              <a:sym typeface="Open Sans"/>
-            </a:endParaRPr>
-          </a:p>
-        </p:txBody>
-      </p:sp>
-      <p:sp>
-        <p:nvSpPr>
-          <p:cNvPr id="3" name="Google Shape;658;p77">
-            <a:extLst>
-              <a:ext uri="{FF2B5EF4-FFF2-40B4-BE49-F238E27FC236}">
-                <a16:creationId xmlns:a16="http://schemas.microsoft.com/office/drawing/2014/main" id="{E4867870-4519-4303-335A-830A2F951781}"/>
-              </a:ext>
-            </a:extLst>
-          </p:cNvPr>
-          <p:cNvSpPr>
-            <a:spLocks/>
-          </p:cNvSpPr>
-          <p:nvPr/>
-        </p:nvSpPr>
-        <p:spPr>
-          <a:xfrm>
-            <a:off x="692150" y="1514376"/>
-            <a:ext cx="10814050" cy="2308284"/>
-          </a:xfrm>
-          <a:prstGeom prst="rect">
-            <a:avLst/>
-          </a:prstGeom>
-          <a:noFill/>
-          <a:ln>
-            <a:noFill/>
-          </a:ln>
-        </p:spPr>
-        <p:txBody>
-          <a:bodyPr spcFirstLastPara="1" wrap="square" lIns="91425" tIns="45700" rIns="91425" bIns="45700" anchor="t" anchorCtr="0">
-            <a:spAutoFit/>
-          </a:bodyPr>
-          <a:lstStyle/>
-          <a:p>
-            <a:pPr marL="285750" indent="-285750">
-              <a:lnSpc>
-                <a:spcPct val="150000"/>
-              </a:lnSpc>
-              <a:buFont typeface="Wingdings" panose="05000000000000000000" pitchFamily="2" charset="2"/>
-              <a:buChar char="§"/>
-            </a:pPr>
-            <a:r>
-              <a:rPr lang="en-GB" sz="1600" dirty="0">
-                <a:effectLst/>
-                <a:latin typeface="Open Sans" panose="020B0606030504020204" pitchFamily="34" charset="0"/>
-                <a:ea typeface="Open Sans" panose="020B0606030504020204" pitchFamily="34" charset="0"/>
-                <a:cs typeface="Open Sans" panose="020B0606030504020204" pitchFamily="34" charset="0"/>
-              </a:rPr>
-              <a:t>An algorithm is a set of instruction to perform a task or to sole a given problem</a:t>
-            </a:r>
-          </a:p>
-          <a:p>
-            <a:pPr marL="285750" indent="-285750">
-              <a:lnSpc>
-                <a:spcPct val="150000"/>
-              </a:lnSpc>
-              <a:buFont typeface="Wingdings" panose="05000000000000000000" pitchFamily="2" charset="2"/>
-              <a:buChar char="§"/>
-            </a:pPr>
-            <a:r>
-              <a:rPr lang="en-GB" sz="1600" dirty="0">
-                <a:latin typeface="Open Sans" panose="020B0606030504020204" pitchFamily="34" charset="0"/>
-                <a:ea typeface="Open Sans" panose="020B0606030504020204" pitchFamily="34" charset="0"/>
-                <a:cs typeface="Open Sans" panose="020B0606030504020204" pitchFamily="34" charset="0"/>
-              </a:rPr>
-              <a:t>There are several different algorithms to solve a given problem</a:t>
-            </a:r>
-          </a:p>
-          <a:p>
-            <a:pPr marL="285750" indent="-285750">
-              <a:lnSpc>
-                <a:spcPct val="150000"/>
-              </a:lnSpc>
-              <a:buFont typeface="Wingdings" panose="05000000000000000000" pitchFamily="2" charset="2"/>
-              <a:buChar char="§"/>
-            </a:pPr>
-            <a:r>
-              <a:rPr lang="en-GB" sz="1600" dirty="0">
-                <a:effectLst/>
-                <a:latin typeface="Open Sans" panose="020B0606030504020204" pitchFamily="34" charset="0"/>
-                <a:ea typeface="Open Sans" panose="020B0606030504020204" pitchFamily="34" charset="0"/>
-                <a:cs typeface="Open Sans" panose="020B0606030504020204" pitchFamily="34" charset="0"/>
-              </a:rPr>
-              <a:t>Analysis of algorithm deals in finding best algorithm which runs fast and takes in less memory</a:t>
-            </a:r>
-          </a:p>
-          <a:p>
-            <a:pPr marL="285750" indent="-285750">
-              <a:lnSpc>
-                <a:spcPct val="150000"/>
-              </a:lnSpc>
-              <a:buFont typeface="Wingdings" panose="05000000000000000000" pitchFamily="2" charset="2"/>
-              <a:buChar char="§"/>
-            </a:pPr>
-            <a:r>
-              <a:rPr lang="en-GB" sz="1600" dirty="0">
-                <a:latin typeface="Open Sans" panose="020B0606030504020204" pitchFamily="34" charset="0"/>
-                <a:ea typeface="Open Sans" panose="020B0606030504020204" pitchFamily="34" charset="0"/>
-                <a:cs typeface="Open Sans" panose="020B0606030504020204" pitchFamily="34" charset="0"/>
-              </a:rPr>
-              <a:t>To determine the efficiently of algorithm we check</a:t>
-            </a:r>
-          </a:p>
-          <a:p>
-            <a:pPr marL="742950" lvl="1" indent="-285750">
-              <a:lnSpc>
-                <a:spcPct val="150000"/>
-              </a:lnSpc>
-              <a:buFont typeface="Wingdings" panose="05000000000000000000" pitchFamily="2" charset="2"/>
-              <a:buChar char="§"/>
-            </a:pPr>
-            <a:r>
-              <a:rPr lang="en-GB" sz="1600" dirty="0">
-                <a:effectLst/>
-                <a:latin typeface="Open Sans" panose="020B0606030504020204" pitchFamily="34" charset="0"/>
-                <a:ea typeface="Open Sans" panose="020B0606030504020204" pitchFamily="34" charset="0"/>
-                <a:cs typeface="Open Sans" panose="020B0606030504020204" pitchFamily="34" charset="0"/>
-              </a:rPr>
-              <a:t>Time complexity </a:t>
-            </a:r>
-          </a:p>
-          <a:p>
-            <a:pPr marL="742950" lvl="1" indent="-285750">
-              <a:lnSpc>
-                <a:spcPct val="150000"/>
-              </a:lnSpc>
-              <a:buFont typeface="Wingdings" panose="05000000000000000000" pitchFamily="2" charset="2"/>
-              <a:buChar char="§"/>
-            </a:pPr>
-            <a:r>
-              <a:rPr lang="en-GB" sz="1600" dirty="0">
-                <a:latin typeface="Open Sans" panose="020B0606030504020204" pitchFamily="34" charset="0"/>
-                <a:ea typeface="Open Sans" panose="020B0606030504020204" pitchFamily="34" charset="0"/>
-                <a:cs typeface="Open Sans" panose="020B0606030504020204" pitchFamily="34" charset="0"/>
-              </a:rPr>
-              <a:t>Space complexity</a:t>
-            </a:r>
-            <a:endParaRPr lang="en-GB" sz="1600" dirty="0">
-              <a:effectLst/>
-              <a:latin typeface="Open Sans" panose="020B0606030504020204" pitchFamily="34" charset="0"/>
-              <a:ea typeface="Open Sans" panose="020B0606030504020204" pitchFamily="34" charset="0"/>
-              <a:cs typeface="Open Sans" panose="020B0606030504020204" pitchFamily="34" charset="0"/>
-            </a:endParaRPr>
-          </a:p>
-        </p:txBody>
-      </p:sp>
-      <p:sp>
-        <p:nvSpPr>
-          <p:cNvPr id="6" name="Rectangle 2">
-            <a:extLst>
-              <a:ext uri="{FF2B5EF4-FFF2-40B4-BE49-F238E27FC236}">
-                <a16:creationId xmlns:a16="http://schemas.microsoft.com/office/drawing/2014/main" id="{8BB21CB5-7280-1CCF-88EF-1CBD9B60050B}"/>
-              </a:ext>
-            </a:extLst>
-          </p:cNvPr>
-          <p:cNvSpPr>
-            <a:spLocks noChangeArrowheads="1"/>
-          </p:cNvSpPr>
-          <p:nvPr/>
-        </p:nvSpPr>
-        <p:spPr bwMode="auto">
-          <a:xfrm>
-            <a:off x="809625" y="4473893"/>
-            <a:ext cx="3314700" cy="830997"/>
-          </a:xfrm>
-          <a:prstGeom prst="rect">
-            <a:avLst/>
-          </a:prstGeom>
-          <a:solidFill>
-            <a:srgbClr val="2B2B2B"/>
-          </a:solidFill>
-          <a:ln>
-            <a:noFill/>
-          </a:ln>
-          <a:effectLst/>
-          <a:extLst>
-            <a:ext uri="{91240B29-F687-4F45-9708-019B960494DF}">
-              <a14:hiddenLine xmlns:a14="http://schemas.microsoft.com/office/drawing/2010/main" w="9525">
-                <a:solidFill>
-                  <a:schemeClr val="tx1"/>
-                </a:solidFill>
-                <a:miter lim="800000"/>
-                <a:headEnd/>
-                <a:tailEnd/>
-              </a14:hiddenLine>
-            </a:ext>
-            <a:ext uri="{AF507438-7753-43E0-B8FC-AC1667EBCBE1}">
-              <a14:hiddenEffects xmlns:a14="http://schemas.microsoft.com/office/drawing/2010/main">
-                <a:effectLst>
-                  <a:outerShdw dist="35921" dir="2700000" algn="ctr" rotWithShape="0">
-                    <a:schemeClr val="bg2"/>
-                  </a:outerShdw>
-                </a:effectLst>
-              </a14:hiddenEffects>
-            </a:ext>
-          </a:extLst>
-        </p:spPr>
-        <p:txBody>
-          <a:bodyPr vert="horz" wrap="square" lIns="91440" tIns="45720" rIns="91440" bIns="45720" numCol="1" anchor="ctr" anchorCtr="0" compatLnSpc="1">
-            <a:prstTxWarp prst="textNoShape">
-              <a:avLst/>
-            </a:prstTxWarp>
-            <a:spAutoFit/>
-          </a:bodyPr>
-          <a:lstStyle/>
-          <a:p>
-            <a:pPr marL="0" marR="0" lvl="0" indent="0" algn="l" defTabSz="914400" rtl="0" eaLnBrk="0" fontAlgn="base" latinLnBrk="0" hangingPunct="0">
-              <a:lnSpc>
-                <a:spcPct val="100000"/>
-              </a:lnSpc>
-              <a:spcBef>
-                <a:spcPct val="0"/>
-              </a:spcBef>
-              <a:spcAft>
-                <a:spcPct val="0"/>
-              </a:spcAft>
-              <a:buClrTx/>
-              <a:buSzTx/>
-              <a:buFontTx/>
-              <a:buNone/>
-              <a:tabLst/>
-            </a:pPr>
-            <a:r>
-              <a:rPr kumimoji="0" lang="en-US" altLang="en-US" sz="1600" b="0" i="0" u="none" strike="noStrike" cap="none" normalizeH="0" baseline="0" dirty="0">
-                <a:ln>
-                  <a:noFill/>
-                </a:ln>
-                <a:solidFill>
-                  <a:srgbClr val="CC7832"/>
-                </a:solidFill>
-                <a:effectLst/>
-                <a:latin typeface="JetBrains Mono"/>
-              </a:rPr>
-              <a:t>public </a:t>
-            </a:r>
-            <a:r>
-              <a:rPr kumimoji="0" lang="en-US" altLang="en-US" sz="1600" b="0" i="0" u="none" strike="noStrike" cap="none" normalizeH="0" baseline="0" dirty="0">
-                <a:ln>
-                  <a:noFill/>
-                </a:ln>
-                <a:solidFill>
-                  <a:srgbClr val="A9B7C6"/>
-                </a:solidFill>
-                <a:effectLst/>
-                <a:latin typeface="JetBrains Mono"/>
-              </a:rPr>
-              <a:t>Integer </a:t>
-            </a:r>
-            <a:r>
-              <a:rPr kumimoji="0" lang="en-US" altLang="en-US" sz="1600" b="0" i="0" u="none" strike="noStrike" cap="none" normalizeH="0" baseline="0" dirty="0" err="1">
-                <a:ln>
-                  <a:noFill/>
-                </a:ln>
-                <a:solidFill>
-                  <a:srgbClr val="FFC66D"/>
-                </a:solidFill>
-                <a:effectLst/>
-                <a:latin typeface="JetBrains Mono"/>
-              </a:rPr>
-              <a:t>findSum</a:t>
-            </a:r>
-            <a:r>
-              <a:rPr kumimoji="0" lang="en-US" altLang="en-US" sz="1600" b="0" i="0" u="none" strike="noStrike" cap="none" normalizeH="0" baseline="0" dirty="0">
-                <a:ln>
-                  <a:noFill/>
-                </a:ln>
-                <a:solidFill>
-                  <a:srgbClr val="A9B7C6"/>
-                </a:solidFill>
-                <a:effectLst/>
-                <a:latin typeface="JetBrains Mono"/>
-              </a:rPr>
-              <a:t>(Integer n) {</a:t>
-            </a:r>
-            <a:br>
-              <a:rPr kumimoji="0" lang="en-US" altLang="en-US" sz="1600" b="0" i="0" u="none" strike="noStrike" cap="none" normalizeH="0" baseline="0" dirty="0">
-                <a:ln>
-                  <a:noFill/>
-                </a:ln>
-                <a:solidFill>
-                  <a:srgbClr val="A9B7C6"/>
-                </a:solidFill>
-                <a:effectLst/>
-                <a:latin typeface="JetBrains Mono"/>
-              </a:rPr>
-            </a:br>
-            <a:r>
-              <a:rPr kumimoji="0" lang="en-US" altLang="en-US" sz="1600" b="0" i="0" u="none" strike="noStrike" cap="none" normalizeH="0" baseline="0" dirty="0">
-                <a:ln>
-                  <a:noFill/>
-                </a:ln>
-                <a:solidFill>
-                  <a:srgbClr val="A9B7C6"/>
-                </a:solidFill>
-                <a:effectLst/>
-                <a:latin typeface="JetBrains Mono"/>
-              </a:rPr>
-              <a:t>    </a:t>
-            </a:r>
-            <a:r>
-              <a:rPr kumimoji="0" lang="en-US" altLang="en-US" sz="1600" b="0" i="0" u="none" strike="noStrike" cap="none" normalizeH="0" baseline="0" dirty="0">
-                <a:ln>
-                  <a:noFill/>
-                </a:ln>
-                <a:solidFill>
-                  <a:srgbClr val="CC7832"/>
-                </a:solidFill>
-                <a:effectLst/>
-                <a:latin typeface="JetBrains Mono"/>
-              </a:rPr>
-              <a:t>return </a:t>
-            </a:r>
-            <a:r>
-              <a:rPr kumimoji="0" lang="en-US" altLang="en-US" sz="1600" b="0" i="0" u="none" strike="noStrike" cap="none" normalizeH="0" baseline="0" dirty="0">
-                <a:ln>
-                  <a:noFill/>
-                </a:ln>
-                <a:solidFill>
-                  <a:srgbClr val="A9B7C6"/>
-                </a:solidFill>
-                <a:effectLst/>
-                <a:latin typeface="JetBrains Mono"/>
-              </a:rPr>
-              <a:t>n * (n + </a:t>
-            </a:r>
-            <a:r>
-              <a:rPr kumimoji="0" lang="en-US" altLang="en-US" sz="1600" b="0" i="0" u="none" strike="noStrike" cap="none" normalizeH="0" baseline="0" dirty="0">
-                <a:ln>
-                  <a:noFill/>
-                </a:ln>
-                <a:solidFill>
-                  <a:srgbClr val="6897BB"/>
-                </a:solidFill>
-                <a:effectLst/>
-                <a:latin typeface="JetBrains Mono"/>
-              </a:rPr>
-              <a:t>1</a:t>
-            </a:r>
-            <a:r>
-              <a:rPr kumimoji="0" lang="en-US" altLang="en-US" sz="1600" b="0" i="0" u="none" strike="noStrike" cap="none" normalizeH="0" baseline="0" dirty="0">
-                <a:ln>
-                  <a:noFill/>
-                </a:ln>
-                <a:solidFill>
-                  <a:srgbClr val="A9B7C6"/>
-                </a:solidFill>
-                <a:effectLst/>
-                <a:latin typeface="JetBrains Mono"/>
-              </a:rPr>
-              <a:t>) / </a:t>
-            </a:r>
-            <a:r>
-              <a:rPr kumimoji="0" lang="en-US" altLang="en-US" sz="1600" b="0" i="0" u="none" strike="noStrike" cap="none" normalizeH="0" baseline="0" dirty="0">
-                <a:ln>
-                  <a:noFill/>
-                </a:ln>
-                <a:solidFill>
-                  <a:srgbClr val="6897BB"/>
-                </a:solidFill>
-                <a:effectLst/>
-                <a:latin typeface="JetBrains Mono"/>
-              </a:rPr>
-              <a:t>2</a:t>
-            </a:r>
-            <a:r>
-              <a:rPr kumimoji="0" lang="en-US" altLang="en-US" sz="1600" b="0" i="0" u="none" strike="noStrike" cap="none" normalizeH="0" baseline="0" dirty="0">
-                <a:ln>
-                  <a:noFill/>
-                </a:ln>
-                <a:solidFill>
-                  <a:srgbClr val="CC7832"/>
-                </a:solidFill>
-                <a:effectLst/>
-                <a:latin typeface="JetBrains Mono"/>
-              </a:rPr>
-              <a:t>;</a:t>
-            </a:r>
-            <a:br>
-              <a:rPr kumimoji="0" lang="en-US" altLang="en-US" sz="1600" b="0" i="0" u="none" strike="noStrike" cap="none" normalizeH="0" baseline="0" dirty="0">
-                <a:ln>
-                  <a:noFill/>
-                </a:ln>
-                <a:solidFill>
-                  <a:srgbClr val="CC7832"/>
-                </a:solidFill>
-                <a:effectLst/>
-                <a:latin typeface="JetBrains Mono"/>
-              </a:rPr>
-            </a:br>
-            <a:r>
-              <a:rPr kumimoji="0" lang="en-US" altLang="en-US" sz="1600" b="0" i="0" u="none" strike="noStrike" cap="none" normalizeH="0" baseline="0" dirty="0">
-                <a:ln>
-                  <a:noFill/>
-                </a:ln>
-                <a:solidFill>
-                  <a:srgbClr val="A9B7C6"/>
-                </a:solidFill>
-                <a:effectLst/>
-                <a:latin typeface="JetBrains Mono"/>
-              </a:rPr>
-              <a:t>}</a:t>
-            </a:r>
-            <a:endParaRPr kumimoji="0" lang="en-US" altLang="en-US" sz="1600" b="0" i="0" u="none" strike="noStrike" cap="none" normalizeH="0" baseline="0" dirty="0">
-              <a:ln>
-                <a:noFill/>
-              </a:ln>
-              <a:solidFill>
-                <a:schemeClr val="tx1"/>
-              </a:solidFill>
-              <a:effectLst/>
-              <a:latin typeface="Arial" panose="020B0604020202020204" pitchFamily="34" charset="0"/>
-            </a:endParaRPr>
-          </a:p>
-        </p:txBody>
-      </p:sp>
-      <p:sp>
-        <p:nvSpPr>
-          <p:cNvPr id="7" name="Rectangle 3">
-            <a:extLst>
-              <a:ext uri="{FF2B5EF4-FFF2-40B4-BE49-F238E27FC236}">
-                <a16:creationId xmlns:a16="http://schemas.microsoft.com/office/drawing/2014/main" id="{09A7414F-43A9-2188-7BEF-23B94D4C10FF}"/>
-              </a:ext>
-            </a:extLst>
-          </p:cNvPr>
-          <p:cNvSpPr>
-            <a:spLocks noChangeArrowheads="1"/>
-          </p:cNvSpPr>
-          <p:nvPr/>
-        </p:nvSpPr>
-        <p:spPr bwMode="auto">
-          <a:xfrm>
-            <a:off x="8503574" y="3981450"/>
-            <a:ext cx="2696059" cy="1815882"/>
-          </a:xfrm>
-          <a:prstGeom prst="rect">
-            <a:avLst/>
-          </a:prstGeom>
-          <a:solidFill>
-            <a:srgbClr val="2B2B2B"/>
-          </a:solidFill>
-          <a:ln>
-            <a:noFill/>
-          </a:ln>
-          <a:effectLst/>
-          <a:extLst>
-            <a:ext uri="{91240B29-F687-4F45-9708-019B960494DF}">
-              <a14:hiddenLine xmlns:a14="http://schemas.microsoft.com/office/drawing/2010/main" w="9525">
-                <a:solidFill>
-                  <a:schemeClr val="tx1"/>
-                </a:solidFill>
-                <a:miter lim="800000"/>
-                <a:headEnd/>
-                <a:tailEnd/>
-              </a14:hiddenLine>
-            </a:ext>
-            <a:ext uri="{AF507438-7753-43E0-B8FC-AC1667EBCBE1}">
-              <a14:hiddenEffects xmlns:a14="http://schemas.microsoft.com/office/drawing/2010/main">
-                <a:effectLst>
-                  <a:outerShdw dist="35921" dir="2700000" algn="ctr" rotWithShape="0">
-                    <a:schemeClr val="bg2"/>
-                  </a:outerShdw>
-                </a:effectLst>
-              </a14:hiddenEffects>
-            </a:ext>
-          </a:extLst>
-        </p:spPr>
-        <p:txBody>
-          <a:bodyPr vert="horz" wrap="none" lIns="91440" tIns="45720" rIns="91440" bIns="45720" numCol="1" anchor="ctr" anchorCtr="0" compatLnSpc="1">
-            <a:prstTxWarp prst="textNoShape">
-              <a:avLst/>
-            </a:prstTxWarp>
-            <a:spAutoFit/>
-          </a:bodyPr>
-          <a:lstStyle/>
-          <a:p>
-            <a:pPr marL="0" marR="0" lvl="0" indent="0" algn="l" defTabSz="914400" rtl="0" eaLnBrk="0" fontAlgn="base" latinLnBrk="0" hangingPunct="0">
-              <a:lnSpc>
-                <a:spcPct val="100000"/>
-              </a:lnSpc>
-              <a:spcBef>
-                <a:spcPct val="0"/>
-              </a:spcBef>
-              <a:spcAft>
-                <a:spcPct val="0"/>
-              </a:spcAft>
-              <a:buClrTx/>
-              <a:buSzTx/>
-              <a:buFontTx/>
-              <a:buNone/>
-              <a:tabLst/>
-            </a:pPr>
-            <a:r>
-              <a:rPr kumimoji="0" lang="en-US" altLang="en-US" sz="1400" b="0" i="0" u="none" strike="noStrike" cap="none" normalizeH="0" baseline="0" dirty="0">
-                <a:ln>
-                  <a:noFill/>
-                </a:ln>
-                <a:solidFill>
-                  <a:srgbClr val="CC7832"/>
-                </a:solidFill>
-                <a:effectLst/>
-                <a:latin typeface="JetBrains Mono"/>
-              </a:rPr>
-              <a:t>public </a:t>
-            </a:r>
-            <a:r>
-              <a:rPr kumimoji="0" lang="en-US" altLang="en-US" sz="1400" b="0" i="0" u="none" strike="noStrike" cap="none" normalizeH="0" baseline="0" dirty="0">
-                <a:ln>
-                  <a:noFill/>
-                </a:ln>
-                <a:solidFill>
-                  <a:srgbClr val="A9B7C6"/>
-                </a:solidFill>
-                <a:effectLst/>
-                <a:latin typeface="JetBrains Mono"/>
-              </a:rPr>
-              <a:t>Integer </a:t>
-            </a:r>
-            <a:r>
-              <a:rPr kumimoji="0" lang="en-US" altLang="en-US" sz="1400" b="0" i="0" u="none" strike="noStrike" cap="none" normalizeH="0" baseline="0" dirty="0" err="1">
-                <a:ln>
-                  <a:noFill/>
-                </a:ln>
-                <a:solidFill>
-                  <a:srgbClr val="FFC66D"/>
-                </a:solidFill>
-                <a:effectLst/>
-                <a:latin typeface="JetBrains Mono"/>
-              </a:rPr>
-              <a:t>findSum</a:t>
-            </a:r>
-            <a:r>
-              <a:rPr kumimoji="0" lang="en-US" altLang="en-US" sz="1400" b="0" i="0" u="none" strike="noStrike" cap="none" normalizeH="0" baseline="0" dirty="0">
-                <a:ln>
-                  <a:noFill/>
-                </a:ln>
-                <a:solidFill>
-                  <a:srgbClr val="A9B7C6"/>
-                </a:solidFill>
-                <a:effectLst/>
-                <a:latin typeface="JetBrains Mono"/>
-              </a:rPr>
-              <a:t>(Integer n) {</a:t>
-            </a:r>
-            <a:br>
-              <a:rPr kumimoji="0" lang="en-US" altLang="en-US" sz="1400" b="0" i="0" u="none" strike="noStrike" cap="none" normalizeH="0" baseline="0" dirty="0">
-                <a:ln>
-                  <a:noFill/>
-                </a:ln>
-                <a:solidFill>
-                  <a:srgbClr val="A9B7C6"/>
-                </a:solidFill>
-                <a:effectLst/>
-                <a:latin typeface="JetBrains Mono"/>
-              </a:rPr>
-            </a:br>
-            <a:r>
-              <a:rPr kumimoji="0" lang="en-US" altLang="en-US" sz="1400" b="0" i="0" u="none" strike="noStrike" cap="none" normalizeH="0" baseline="0" dirty="0">
-                <a:ln>
-                  <a:noFill/>
-                </a:ln>
-                <a:solidFill>
-                  <a:srgbClr val="A9B7C6"/>
-                </a:solidFill>
-                <a:effectLst/>
-                <a:latin typeface="JetBrains Mono"/>
-              </a:rPr>
-              <a:t>    </a:t>
-            </a:r>
-            <a:r>
-              <a:rPr kumimoji="0" lang="en-US" altLang="en-US" sz="1400" b="0" i="0" u="none" strike="noStrike" cap="none" normalizeH="0" baseline="0" dirty="0">
-                <a:ln>
-                  <a:noFill/>
-                </a:ln>
-                <a:solidFill>
-                  <a:srgbClr val="CC7832"/>
-                </a:solidFill>
-                <a:effectLst/>
-                <a:latin typeface="JetBrains Mono"/>
-              </a:rPr>
-              <a:t>int </a:t>
-            </a:r>
-            <a:r>
-              <a:rPr kumimoji="0" lang="en-US" altLang="en-US" sz="1400" b="0" i="0" u="none" strike="noStrike" cap="none" normalizeH="0" baseline="0" dirty="0">
-                <a:ln>
-                  <a:noFill/>
-                </a:ln>
-                <a:solidFill>
-                  <a:srgbClr val="A9B7C6"/>
-                </a:solidFill>
-                <a:effectLst/>
-                <a:latin typeface="JetBrains Mono"/>
-              </a:rPr>
-              <a:t>sum = </a:t>
-            </a:r>
-            <a:r>
-              <a:rPr kumimoji="0" lang="en-US" altLang="en-US" sz="1400" b="0" i="0" u="none" strike="noStrike" cap="none" normalizeH="0" baseline="0" dirty="0">
-                <a:ln>
-                  <a:noFill/>
-                </a:ln>
-                <a:solidFill>
-                  <a:srgbClr val="6897BB"/>
-                </a:solidFill>
-                <a:effectLst/>
-                <a:latin typeface="JetBrains Mono"/>
-              </a:rPr>
-              <a:t>0</a:t>
-            </a:r>
-            <a:r>
-              <a:rPr kumimoji="0" lang="en-US" altLang="en-US" sz="1400" b="0" i="0" u="none" strike="noStrike" cap="none" normalizeH="0" baseline="0" dirty="0">
-                <a:ln>
-                  <a:noFill/>
-                </a:ln>
-                <a:solidFill>
-                  <a:srgbClr val="CC7832"/>
-                </a:solidFill>
-                <a:effectLst/>
-                <a:latin typeface="JetBrains Mono"/>
-              </a:rPr>
-              <a:t>;</a:t>
-            </a:r>
-            <a:br>
-              <a:rPr kumimoji="0" lang="en-US" altLang="en-US" sz="1400" b="0" i="0" u="none" strike="noStrike" cap="none" normalizeH="0" baseline="0" dirty="0">
-                <a:ln>
-                  <a:noFill/>
-                </a:ln>
-                <a:solidFill>
-                  <a:srgbClr val="CC7832"/>
-                </a:solidFill>
-                <a:effectLst/>
-                <a:latin typeface="JetBrains Mono"/>
-              </a:rPr>
-            </a:br>
-            <a:r>
-              <a:rPr kumimoji="0" lang="en-US" altLang="en-US" sz="1400" b="0" i="0" u="none" strike="noStrike" cap="none" normalizeH="0" baseline="0" dirty="0">
-                <a:ln>
-                  <a:noFill/>
-                </a:ln>
-                <a:solidFill>
-                  <a:srgbClr val="CC7832"/>
-                </a:solidFill>
-                <a:effectLst/>
-                <a:latin typeface="JetBrains Mono"/>
-              </a:rPr>
-              <a:t>    for</a:t>
-            </a:r>
-            <a:r>
-              <a:rPr kumimoji="0" lang="en-US" altLang="en-US" sz="1400" b="0" i="0" u="none" strike="noStrike" cap="none" normalizeH="0" baseline="0" dirty="0">
-                <a:ln>
-                  <a:noFill/>
-                </a:ln>
-                <a:solidFill>
-                  <a:srgbClr val="A9B7C6"/>
-                </a:solidFill>
-                <a:effectLst/>
-                <a:latin typeface="JetBrains Mono"/>
-              </a:rPr>
-              <a:t>(</a:t>
-            </a:r>
-            <a:r>
-              <a:rPr kumimoji="0" lang="en-US" altLang="en-US" sz="1400" b="0" i="0" u="none" strike="noStrike" cap="none" normalizeH="0" baseline="0" dirty="0">
-                <a:ln>
-                  <a:noFill/>
-                </a:ln>
-                <a:solidFill>
-                  <a:srgbClr val="CC7832"/>
-                </a:solidFill>
-                <a:effectLst/>
-                <a:latin typeface="JetBrains Mono"/>
-              </a:rPr>
-              <a:t>int </a:t>
-            </a:r>
-            <a:r>
-              <a:rPr kumimoji="0" lang="en-US" altLang="en-US" sz="1400" b="0" i="0" u="none" strike="noStrike" cap="none" normalizeH="0" baseline="0" dirty="0" err="1">
-                <a:ln>
-                  <a:noFill/>
-                </a:ln>
-                <a:solidFill>
-                  <a:srgbClr val="A9B7C6"/>
-                </a:solidFill>
-                <a:effectLst/>
-                <a:latin typeface="JetBrains Mono"/>
-              </a:rPr>
-              <a:t>i</a:t>
-            </a:r>
-            <a:r>
-              <a:rPr kumimoji="0" lang="en-US" altLang="en-US" sz="1400" b="0" i="0" u="none" strike="noStrike" cap="none" normalizeH="0" baseline="0" dirty="0">
-                <a:ln>
-                  <a:noFill/>
-                </a:ln>
-                <a:solidFill>
-                  <a:srgbClr val="A9B7C6"/>
-                </a:solidFill>
-                <a:effectLst/>
-                <a:latin typeface="JetBrains Mono"/>
-              </a:rPr>
-              <a:t> = </a:t>
-            </a:r>
-            <a:r>
-              <a:rPr kumimoji="0" lang="en-US" altLang="en-US" sz="1400" b="0" i="0" u="none" strike="noStrike" cap="none" normalizeH="0" baseline="0" dirty="0">
-                <a:ln>
-                  <a:noFill/>
-                </a:ln>
-                <a:solidFill>
-                  <a:srgbClr val="6897BB"/>
-                </a:solidFill>
-                <a:effectLst/>
-                <a:latin typeface="JetBrains Mono"/>
-              </a:rPr>
-              <a:t>1</a:t>
-            </a:r>
-            <a:r>
-              <a:rPr kumimoji="0" lang="en-US" altLang="en-US" sz="1400" b="0" i="0" u="none" strike="noStrike" cap="none" normalizeH="0" baseline="0" dirty="0">
-                <a:ln>
-                  <a:noFill/>
-                </a:ln>
-                <a:solidFill>
-                  <a:srgbClr val="CC7832"/>
-                </a:solidFill>
-                <a:effectLst/>
-                <a:latin typeface="JetBrains Mono"/>
-              </a:rPr>
-              <a:t>; </a:t>
-            </a:r>
-            <a:r>
-              <a:rPr kumimoji="0" lang="en-US" altLang="en-US" sz="1400" b="0" i="0" u="none" strike="noStrike" cap="none" normalizeH="0" baseline="0" dirty="0" err="1">
-                <a:ln>
-                  <a:noFill/>
-                </a:ln>
-                <a:solidFill>
-                  <a:srgbClr val="A9B7C6"/>
-                </a:solidFill>
-                <a:effectLst/>
-                <a:latin typeface="JetBrains Mono"/>
-              </a:rPr>
-              <a:t>i</a:t>
-            </a:r>
-            <a:r>
-              <a:rPr kumimoji="0" lang="en-US" altLang="en-US" sz="1400" b="0" i="0" u="none" strike="noStrike" cap="none" normalizeH="0" baseline="0" dirty="0">
-                <a:ln>
-                  <a:noFill/>
-                </a:ln>
-                <a:solidFill>
-                  <a:srgbClr val="A9B7C6"/>
-                </a:solidFill>
-                <a:effectLst/>
-                <a:latin typeface="JetBrains Mono"/>
-              </a:rPr>
-              <a:t> &lt;= n</a:t>
-            </a:r>
-            <a:r>
-              <a:rPr kumimoji="0" lang="en-US" altLang="en-US" sz="1400" b="0" i="0" u="none" strike="noStrike" cap="none" normalizeH="0" baseline="0" dirty="0">
-                <a:ln>
-                  <a:noFill/>
-                </a:ln>
-                <a:solidFill>
-                  <a:srgbClr val="CC7832"/>
-                </a:solidFill>
-                <a:effectLst/>
-                <a:latin typeface="JetBrains Mono"/>
-              </a:rPr>
-              <a:t>; </a:t>
-            </a:r>
-            <a:r>
-              <a:rPr kumimoji="0" lang="en-US" altLang="en-US" sz="1400" b="0" i="0" u="none" strike="noStrike" cap="none" normalizeH="0" baseline="0" dirty="0" err="1">
-                <a:ln>
-                  <a:noFill/>
-                </a:ln>
-                <a:solidFill>
-                  <a:srgbClr val="A9B7C6"/>
-                </a:solidFill>
-                <a:effectLst/>
-                <a:latin typeface="JetBrains Mono"/>
-              </a:rPr>
-              <a:t>i</a:t>
-            </a:r>
-            <a:r>
-              <a:rPr kumimoji="0" lang="en-US" altLang="en-US" sz="1400" b="0" i="0" u="none" strike="noStrike" cap="none" normalizeH="0" baseline="0" dirty="0">
-                <a:ln>
-                  <a:noFill/>
-                </a:ln>
-                <a:solidFill>
-                  <a:srgbClr val="A9B7C6"/>
-                </a:solidFill>
-                <a:effectLst/>
-                <a:latin typeface="JetBrains Mono"/>
-              </a:rPr>
-              <a:t>++) {</a:t>
-            </a:r>
-            <a:br>
-              <a:rPr kumimoji="0" lang="en-US" altLang="en-US" sz="1400" b="0" i="0" u="none" strike="noStrike" cap="none" normalizeH="0" baseline="0" dirty="0">
-                <a:ln>
-                  <a:noFill/>
-                </a:ln>
-                <a:solidFill>
-                  <a:srgbClr val="A9B7C6"/>
-                </a:solidFill>
-                <a:effectLst/>
-                <a:latin typeface="JetBrains Mono"/>
-              </a:rPr>
-            </a:br>
-            <a:r>
-              <a:rPr kumimoji="0" lang="en-US" altLang="en-US" sz="1400" b="0" i="0" u="none" strike="noStrike" cap="none" normalizeH="0" baseline="0" dirty="0">
-                <a:ln>
-                  <a:noFill/>
-                </a:ln>
-                <a:solidFill>
-                  <a:srgbClr val="A9B7C6"/>
-                </a:solidFill>
-                <a:effectLst/>
-                <a:latin typeface="JetBrains Mono"/>
-              </a:rPr>
-              <a:t>        sum = sum + </a:t>
-            </a:r>
-            <a:r>
-              <a:rPr kumimoji="0" lang="en-US" altLang="en-US" sz="1400" b="0" i="0" u="none" strike="noStrike" cap="none" normalizeH="0" baseline="0" dirty="0" err="1">
-                <a:ln>
-                  <a:noFill/>
-                </a:ln>
-                <a:solidFill>
-                  <a:srgbClr val="A9B7C6"/>
-                </a:solidFill>
-                <a:effectLst/>
-                <a:latin typeface="JetBrains Mono"/>
-              </a:rPr>
-              <a:t>i</a:t>
-            </a:r>
-            <a:r>
-              <a:rPr kumimoji="0" lang="en-US" altLang="en-US" sz="1400" b="0" i="0" u="none" strike="noStrike" cap="none" normalizeH="0" baseline="0" dirty="0">
-                <a:ln>
-                  <a:noFill/>
-                </a:ln>
-                <a:solidFill>
-                  <a:srgbClr val="CC7832"/>
-                </a:solidFill>
-                <a:effectLst/>
-                <a:latin typeface="JetBrains Mono"/>
-              </a:rPr>
-              <a:t>;</a:t>
-            </a:r>
-            <a:br>
-              <a:rPr kumimoji="0" lang="en-US" altLang="en-US" sz="1400" b="0" i="0" u="none" strike="noStrike" cap="none" normalizeH="0" baseline="0" dirty="0">
-                <a:ln>
-                  <a:noFill/>
-                </a:ln>
-                <a:solidFill>
-                  <a:srgbClr val="CC7832"/>
-                </a:solidFill>
-                <a:effectLst/>
-                <a:latin typeface="JetBrains Mono"/>
-              </a:rPr>
-            </a:br>
-            <a:r>
-              <a:rPr kumimoji="0" lang="en-US" altLang="en-US" sz="1400" b="0" i="0" u="none" strike="noStrike" cap="none" normalizeH="0" baseline="0" dirty="0">
-                <a:ln>
-                  <a:noFill/>
-                </a:ln>
-                <a:solidFill>
-                  <a:srgbClr val="CC7832"/>
-                </a:solidFill>
-                <a:effectLst/>
-                <a:latin typeface="JetBrains Mono"/>
-              </a:rPr>
-              <a:t>    </a:t>
-            </a:r>
-            <a:r>
-              <a:rPr kumimoji="0" lang="en-US" altLang="en-US" sz="1400" b="0" i="0" u="none" strike="noStrike" cap="none" normalizeH="0" baseline="0" dirty="0">
-                <a:ln>
-                  <a:noFill/>
-                </a:ln>
-                <a:solidFill>
-                  <a:srgbClr val="A9B7C6"/>
-                </a:solidFill>
-                <a:effectLst/>
-                <a:latin typeface="JetBrains Mono"/>
-              </a:rPr>
-              <a:t>}</a:t>
-            </a:r>
-            <a:br>
-              <a:rPr kumimoji="0" lang="en-US" altLang="en-US" sz="1400" b="0" i="0" u="none" strike="noStrike" cap="none" normalizeH="0" baseline="0" dirty="0">
-                <a:ln>
-                  <a:noFill/>
-                </a:ln>
-                <a:solidFill>
-                  <a:srgbClr val="A9B7C6"/>
-                </a:solidFill>
-                <a:effectLst/>
-                <a:latin typeface="JetBrains Mono"/>
-              </a:rPr>
-            </a:br>
-            <a:r>
-              <a:rPr kumimoji="0" lang="en-US" altLang="en-US" sz="1400" b="0" i="0" u="none" strike="noStrike" cap="none" normalizeH="0" baseline="0" dirty="0">
-                <a:ln>
-                  <a:noFill/>
-                </a:ln>
-                <a:solidFill>
-                  <a:srgbClr val="A9B7C6"/>
-                </a:solidFill>
-                <a:effectLst/>
-                <a:latin typeface="JetBrains Mono"/>
-              </a:rPr>
-              <a:t>    </a:t>
-            </a:r>
-            <a:r>
-              <a:rPr kumimoji="0" lang="en-US" altLang="en-US" sz="1400" b="0" i="0" u="none" strike="noStrike" cap="none" normalizeH="0" baseline="0" dirty="0">
-                <a:ln>
-                  <a:noFill/>
-                </a:ln>
-                <a:solidFill>
-                  <a:srgbClr val="CC7832"/>
-                </a:solidFill>
-                <a:effectLst/>
-                <a:latin typeface="JetBrains Mono"/>
-              </a:rPr>
-              <a:t>return </a:t>
-            </a:r>
-            <a:r>
-              <a:rPr kumimoji="0" lang="en-US" altLang="en-US" sz="1400" b="0" i="0" u="none" strike="noStrike" cap="none" normalizeH="0" baseline="0" dirty="0">
-                <a:ln>
-                  <a:noFill/>
-                </a:ln>
-                <a:solidFill>
-                  <a:srgbClr val="A9B7C6"/>
-                </a:solidFill>
-                <a:effectLst/>
-                <a:latin typeface="JetBrains Mono"/>
-              </a:rPr>
-              <a:t>sum</a:t>
-            </a:r>
-            <a:r>
-              <a:rPr kumimoji="0" lang="en-US" altLang="en-US" sz="1400" b="0" i="0" u="none" strike="noStrike" cap="none" normalizeH="0" baseline="0" dirty="0">
-                <a:ln>
-                  <a:noFill/>
-                </a:ln>
-                <a:solidFill>
-                  <a:srgbClr val="CC7832"/>
-                </a:solidFill>
-                <a:effectLst/>
-                <a:latin typeface="JetBrains Mono"/>
-              </a:rPr>
-              <a:t>;</a:t>
-            </a:r>
-            <a:br>
-              <a:rPr kumimoji="0" lang="en-US" altLang="en-US" sz="1400" b="0" i="0" u="none" strike="noStrike" cap="none" normalizeH="0" baseline="0" dirty="0">
-                <a:ln>
-                  <a:noFill/>
-                </a:ln>
-                <a:solidFill>
-                  <a:srgbClr val="CC7832"/>
-                </a:solidFill>
-                <a:effectLst/>
-                <a:latin typeface="JetBrains Mono"/>
-              </a:rPr>
-            </a:br>
-            <a:r>
-              <a:rPr kumimoji="0" lang="en-US" altLang="en-US" sz="1400" b="0" i="0" u="none" strike="noStrike" cap="none" normalizeH="0" baseline="0" dirty="0">
-                <a:ln>
-                  <a:noFill/>
-                </a:ln>
-                <a:solidFill>
-                  <a:srgbClr val="A9B7C6"/>
-                </a:solidFill>
-                <a:effectLst/>
-                <a:latin typeface="JetBrains Mono"/>
-              </a:rPr>
-              <a:t>}</a:t>
-            </a:r>
-            <a:br>
-              <a:rPr kumimoji="0" lang="en-US" altLang="en-US" sz="1400" b="0" i="0" u="none" strike="noStrike" cap="none" normalizeH="0" baseline="0" dirty="0">
-                <a:ln>
-                  <a:noFill/>
-                </a:ln>
-                <a:solidFill>
-                  <a:srgbClr val="A9B7C6"/>
-                </a:solidFill>
-                <a:effectLst/>
-                <a:latin typeface="JetBrains Mono"/>
-              </a:rPr>
-            </a:br>
-            <a:endParaRPr kumimoji="0" lang="en-US" altLang="en-US" sz="1400" b="0" i="0" u="none" strike="noStrike" cap="none" normalizeH="0" baseline="0" dirty="0">
-              <a:ln>
-                <a:noFill/>
-              </a:ln>
-              <a:solidFill>
-                <a:schemeClr val="tx1"/>
-              </a:solidFill>
-              <a:effectLst/>
-              <a:latin typeface="Arial" panose="020B0604020202020204" pitchFamily="34" charset="0"/>
-            </a:endParaRPr>
-          </a:p>
-        </p:txBody>
-      </p:sp>
-    </p:spTree>
-    <p:extLst>
-      <p:ext uri="{BB962C8B-B14F-4D97-AF65-F5344CB8AC3E}">
-        <p14:creationId xmlns:p14="http://schemas.microsoft.com/office/powerpoint/2010/main" val="2982328302"/>
-      </p:ext>
-    </p:extLst>
-  </p:cSld>
-  <p:clrMapOvr>
-    <a:masterClrMapping/>
-  </p:clrMapOvr>
-</p:sld>
-</file>
-
-<file path=ppt/slides/slide5.xml><?xml version="1.0" encoding="utf-8"?>
+<file path=ppt/slides/slide10.xml><?xml version="1.0" encoding="utf-8"?>
 <p:sld xmlns:a="http://schemas.openxmlformats.org/drawingml/2006/main" xmlns:r="http://schemas.openxmlformats.org/officeDocument/2006/relationships" xmlns:p="http://schemas.openxmlformats.org/presentationml/2006/main">
   <p:cSld>
     <p:spTree>
@@ -5340,7 +3083,7 @@
                 <a:cs typeface="Open Sans"/>
                 <a:sym typeface="Open Sans"/>
               </a:rPr>
-              <a:t>Time Complexity</a:t>
+              <a:t>Calculating Time Complexity of Constant Algorithm</a:t>
             </a:r>
             <a:endParaRPr sz="4000" b="1" dirty="0">
               <a:solidFill>
@@ -5356,10 +3099,440 @@
       </p:sp>
       <p:sp>
         <p:nvSpPr>
-          <p:cNvPr id="3" name="Google Shape;658;p77">
+          <p:cNvPr id="4" name="Rectangle 1">
             <a:extLst>
               <a:ext uri="{FF2B5EF4-FFF2-40B4-BE49-F238E27FC236}">
-                <a16:creationId xmlns:a16="http://schemas.microsoft.com/office/drawing/2014/main" id="{23F8CA33-974D-A71D-AEB7-0DDBFA222275}"/>
+                <a16:creationId xmlns:a16="http://schemas.microsoft.com/office/drawing/2014/main" id="{19091BAC-0B10-F62F-F64A-E4BFEB08B4C2}"/>
+              </a:ext>
+            </a:extLst>
+          </p:cNvPr>
+          <p:cNvSpPr>
+            <a:spLocks noChangeArrowheads="1"/>
+          </p:cNvSpPr>
+          <p:nvPr/>
+        </p:nvSpPr>
+        <p:spPr bwMode="auto">
+          <a:xfrm>
+            <a:off x="797859" y="2260467"/>
+            <a:ext cx="2328779" cy="830997"/>
+          </a:xfrm>
+          <a:prstGeom prst="rect">
+            <a:avLst/>
+          </a:prstGeom>
+          <a:solidFill>
+            <a:srgbClr val="2B2B2B"/>
+          </a:solidFill>
+          <a:ln>
+            <a:noFill/>
+          </a:ln>
+          <a:effectLst/>
+          <a:extLst>
+            <a:ext uri="{91240B29-F687-4F45-9708-019B960494DF}">
+              <a14:hiddenLine xmlns:a14="http://schemas.microsoft.com/office/drawing/2010/main" w="9525">
+                <a:solidFill>
+                  <a:schemeClr val="tx1"/>
+                </a:solidFill>
+                <a:miter lim="800000"/>
+                <a:headEnd/>
+                <a:tailEnd/>
+              </a14:hiddenLine>
+            </a:ext>
+            <a:ext uri="{AF507438-7753-43E0-B8FC-AC1667EBCBE1}">
+              <a14:hiddenEffects xmlns:a14="http://schemas.microsoft.com/office/drawing/2010/main">
+                <a:effectLst>
+                  <a:outerShdw dist="35921" dir="2700000" algn="ctr" rotWithShape="0">
+                    <a:schemeClr val="bg2"/>
+                  </a:outerShdw>
+                </a:effectLst>
+              </a14:hiddenEffects>
+            </a:ext>
+          </a:extLst>
+        </p:spPr>
+        <p:txBody>
+          <a:bodyPr vert="horz" wrap="none" lIns="91440" tIns="45720" rIns="91440" bIns="45720" numCol="1" anchor="ctr" anchorCtr="0" compatLnSpc="1">
+            <a:prstTxWarp prst="textNoShape">
+              <a:avLst/>
+            </a:prstTxWarp>
+            <a:spAutoFit/>
+          </a:bodyPr>
+          <a:lstStyle/>
+          <a:p>
+            <a:pPr marL="0" marR="0" lvl="0" indent="0" algn="l" defTabSz="914400" rtl="0" eaLnBrk="0" fontAlgn="base" latinLnBrk="0" hangingPunct="0">
+              <a:lnSpc>
+                <a:spcPct val="100000"/>
+              </a:lnSpc>
+              <a:spcBef>
+                <a:spcPct val="0"/>
+              </a:spcBef>
+              <a:spcAft>
+                <a:spcPct val="0"/>
+              </a:spcAft>
+              <a:buClrTx/>
+              <a:buSzTx/>
+              <a:buFontTx/>
+              <a:buNone/>
+              <a:tabLst/>
+            </a:pPr>
+            <a:r>
+              <a:rPr kumimoji="0" lang="en-US" altLang="en-US" sz="1200" b="0" i="0" u="none" strike="noStrike" cap="none" normalizeH="0" baseline="0" dirty="0">
+                <a:ln>
+                  <a:noFill/>
+                </a:ln>
+                <a:solidFill>
+                  <a:srgbClr val="CC7832"/>
+                </a:solidFill>
+                <a:effectLst/>
+                <a:latin typeface="JetBrains Mono"/>
+              </a:rPr>
+              <a:t>public </a:t>
+            </a:r>
+            <a:r>
+              <a:rPr kumimoji="0" lang="en-US" altLang="en-US" sz="1200" b="0" i="0" u="none" strike="noStrike" cap="none" normalizeH="0" baseline="0" dirty="0">
+                <a:ln>
+                  <a:noFill/>
+                </a:ln>
+                <a:solidFill>
+                  <a:srgbClr val="A9B7C6"/>
+                </a:solidFill>
+                <a:effectLst/>
+                <a:latin typeface="JetBrains Mono"/>
+              </a:rPr>
+              <a:t>Integer </a:t>
+            </a:r>
+            <a:r>
+              <a:rPr kumimoji="0" lang="en-US" altLang="en-US" sz="1200" b="0" i="0" u="none" strike="noStrike" cap="none" normalizeH="0" baseline="0" dirty="0" err="1">
+                <a:ln>
+                  <a:noFill/>
+                </a:ln>
+                <a:solidFill>
+                  <a:srgbClr val="FFC66D"/>
+                </a:solidFill>
+                <a:effectLst/>
+                <a:latin typeface="JetBrains Mono"/>
+              </a:rPr>
+              <a:t>findSum</a:t>
+            </a:r>
+            <a:r>
+              <a:rPr kumimoji="0" lang="en-US" altLang="en-US" sz="1200" b="0" i="0" u="none" strike="noStrike" cap="none" normalizeH="0" baseline="0" dirty="0">
+                <a:ln>
+                  <a:noFill/>
+                </a:ln>
+                <a:solidFill>
+                  <a:srgbClr val="A9B7C6"/>
+                </a:solidFill>
+                <a:effectLst/>
+                <a:latin typeface="JetBrains Mono"/>
+              </a:rPr>
+              <a:t>(Integer n) {</a:t>
+            </a:r>
+            <a:br>
+              <a:rPr kumimoji="0" lang="en-US" altLang="en-US" sz="1200" b="0" i="0" u="none" strike="noStrike" cap="none" normalizeH="0" baseline="0" dirty="0">
+                <a:ln>
+                  <a:noFill/>
+                </a:ln>
+                <a:solidFill>
+                  <a:srgbClr val="A9B7C6"/>
+                </a:solidFill>
+                <a:effectLst/>
+                <a:latin typeface="JetBrains Mono"/>
+              </a:rPr>
+            </a:br>
+            <a:r>
+              <a:rPr kumimoji="0" lang="en-US" altLang="en-US" sz="1200" b="0" i="0" u="none" strike="noStrike" cap="none" normalizeH="0" baseline="0" dirty="0">
+                <a:ln>
+                  <a:noFill/>
+                </a:ln>
+                <a:solidFill>
+                  <a:srgbClr val="A9B7C6"/>
+                </a:solidFill>
+                <a:effectLst/>
+                <a:latin typeface="JetBrains Mono"/>
+              </a:rPr>
+              <a:t>    </a:t>
+            </a:r>
+            <a:r>
+              <a:rPr kumimoji="0" lang="en-US" altLang="en-US" sz="1200" b="0" i="0" u="none" strike="noStrike" cap="none" normalizeH="0" baseline="0" dirty="0">
+                <a:ln>
+                  <a:noFill/>
+                </a:ln>
+                <a:solidFill>
+                  <a:srgbClr val="CC7832"/>
+                </a:solidFill>
+                <a:effectLst/>
+                <a:latin typeface="JetBrains Mono"/>
+              </a:rPr>
+              <a:t>return </a:t>
+            </a:r>
+            <a:r>
+              <a:rPr kumimoji="0" lang="en-US" altLang="en-US" sz="1200" b="0" i="0" u="none" strike="noStrike" cap="none" normalizeH="0" baseline="0" dirty="0">
+                <a:ln>
+                  <a:noFill/>
+                </a:ln>
+                <a:solidFill>
+                  <a:srgbClr val="A9B7C6"/>
+                </a:solidFill>
+                <a:effectLst/>
+                <a:latin typeface="JetBrains Mono"/>
+              </a:rPr>
+              <a:t>n * (n + </a:t>
+            </a:r>
+            <a:r>
+              <a:rPr kumimoji="0" lang="en-US" altLang="en-US" sz="1200" b="0" i="0" u="none" strike="noStrike" cap="none" normalizeH="0" baseline="0" dirty="0">
+                <a:ln>
+                  <a:noFill/>
+                </a:ln>
+                <a:solidFill>
+                  <a:srgbClr val="6897BB"/>
+                </a:solidFill>
+                <a:effectLst/>
+                <a:latin typeface="JetBrains Mono"/>
+              </a:rPr>
+              <a:t>1</a:t>
+            </a:r>
+            <a:r>
+              <a:rPr kumimoji="0" lang="en-US" altLang="en-US" sz="1200" b="0" i="0" u="none" strike="noStrike" cap="none" normalizeH="0" baseline="0" dirty="0">
+                <a:ln>
+                  <a:noFill/>
+                </a:ln>
+                <a:solidFill>
+                  <a:srgbClr val="A9B7C6"/>
+                </a:solidFill>
+                <a:effectLst/>
+                <a:latin typeface="JetBrains Mono"/>
+              </a:rPr>
+              <a:t>) / </a:t>
+            </a:r>
+            <a:r>
+              <a:rPr kumimoji="0" lang="en-US" altLang="en-US" sz="1200" b="0" i="0" u="none" strike="noStrike" cap="none" normalizeH="0" baseline="0" dirty="0">
+                <a:ln>
+                  <a:noFill/>
+                </a:ln>
+                <a:solidFill>
+                  <a:srgbClr val="6897BB"/>
+                </a:solidFill>
+                <a:effectLst/>
+                <a:latin typeface="JetBrains Mono"/>
+              </a:rPr>
+              <a:t>2</a:t>
+            </a:r>
+            <a:r>
+              <a:rPr kumimoji="0" lang="en-US" altLang="en-US" sz="1200" b="0" i="0" u="none" strike="noStrike" cap="none" normalizeH="0" baseline="0" dirty="0">
+                <a:ln>
+                  <a:noFill/>
+                </a:ln>
+                <a:solidFill>
+                  <a:srgbClr val="CC7832"/>
+                </a:solidFill>
+                <a:effectLst/>
+                <a:latin typeface="JetBrains Mono"/>
+              </a:rPr>
+              <a:t>;</a:t>
+            </a:r>
+            <a:br>
+              <a:rPr kumimoji="0" lang="en-US" altLang="en-US" sz="1200" b="0" i="0" u="none" strike="noStrike" cap="none" normalizeH="0" baseline="0" dirty="0">
+                <a:ln>
+                  <a:noFill/>
+                </a:ln>
+                <a:solidFill>
+                  <a:srgbClr val="CC7832"/>
+                </a:solidFill>
+                <a:effectLst/>
+                <a:latin typeface="JetBrains Mono"/>
+              </a:rPr>
+            </a:br>
+            <a:r>
+              <a:rPr kumimoji="0" lang="en-US" altLang="en-US" sz="1200" b="0" i="0" u="none" strike="noStrike" cap="none" normalizeH="0" baseline="0" dirty="0">
+                <a:ln>
+                  <a:noFill/>
+                </a:ln>
+                <a:solidFill>
+                  <a:srgbClr val="A9B7C6"/>
+                </a:solidFill>
+                <a:effectLst/>
+                <a:latin typeface="JetBrains Mono"/>
+              </a:rPr>
+              <a:t>}</a:t>
+            </a:r>
+            <a:br>
+              <a:rPr kumimoji="0" lang="en-US" altLang="en-US" sz="1200" b="0" i="0" u="none" strike="noStrike" cap="none" normalizeH="0" baseline="0" dirty="0">
+                <a:ln>
+                  <a:noFill/>
+                </a:ln>
+                <a:solidFill>
+                  <a:srgbClr val="A9B7C6"/>
+                </a:solidFill>
+                <a:effectLst/>
+                <a:latin typeface="JetBrains Mono"/>
+              </a:rPr>
+            </a:br>
+            <a:endParaRPr kumimoji="0" lang="en-US" altLang="en-US" sz="1200" b="0" i="0" u="none" strike="noStrike" cap="none" normalizeH="0" baseline="0" dirty="0">
+              <a:ln>
+                <a:noFill/>
+              </a:ln>
+              <a:solidFill>
+                <a:schemeClr val="tx1"/>
+              </a:solidFill>
+              <a:effectLst/>
+              <a:latin typeface="Arial" panose="020B0604020202020204" pitchFamily="34" charset="0"/>
+            </a:endParaRPr>
+          </a:p>
+        </p:txBody>
+      </p:sp>
+      <p:graphicFrame>
+        <p:nvGraphicFramePr>
+          <p:cNvPr id="5" name="Table 5">
+            <a:extLst>
+              <a:ext uri="{FF2B5EF4-FFF2-40B4-BE49-F238E27FC236}">
+                <a16:creationId xmlns:a16="http://schemas.microsoft.com/office/drawing/2014/main" id="{1C2D419E-0544-F3FF-0135-D4886FBFDF64}"/>
+              </a:ext>
+            </a:extLst>
+          </p:cNvPr>
+          <p:cNvGraphicFramePr>
+            <a:graphicFrameLocks noGrp="1"/>
+          </p:cNvGraphicFramePr>
+          <p:nvPr>
+            <p:extLst>
+              <p:ext uri="{D42A27DB-BD31-4B8C-83A1-F6EECF244321}">
+                <p14:modId xmlns:p14="http://schemas.microsoft.com/office/powerpoint/2010/main" val="1636134467"/>
+              </p:ext>
+            </p:extLst>
+          </p:nvPr>
+        </p:nvGraphicFramePr>
+        <p:xfrm>
+          <a:off x="5396753" y="2260467"/>
+          <a:ext cx="6349998" cy="741680"/>
+        </p:xfrm>
+        <a:graphic>
+          <a:graphicData uri="http://schemas.openxmlformats.org/drawingml/2006/table">
+            <a:tbl>
+              <a:tblPr firstRow="1" bandRow="1">
+                <a:tableStyleId>{5C22544A-7EE6-4342-B048-85BDC9FD1C3A}</a:tableStyleId>
+              </a:tblPr>
+              <a:tblGrid>
+                <a:gridCol w="2116666">
+                  <a:extLst>
+                    <a:ext uri="{9D8B030D-6E8A-4147-A177-3AD203B41FA5}">
+                      <a16:colId xmlns:a16="http://schemas.microsoft.com/office/drawing/2014/main" val="3406641235"/>
+                    </a:ext>
+                  </a:extLst>
+                </a:gridCol>
+                <a:gridCol w="2116666">
+                  <a:extLst>
+                    <a:ext uri="{9D8B030D-6E8A-4147-A177-3AD203B41FA5}">
+                      <a16:colId xmlns:a16="http://schemas.microsoft.com/office/drawing/2014/main" val="3104847971"/>
+                    </a:ext>
+                  </a:extLst>
+                </a:gridCol>
+                <a:gridCol w="2116666">
+                  <a:extLst>
+                    <a:ext uri="{9D8B030D-6E8A-4147-A177-3AD203B41FA5}">
+                      <a16:colId xmlns:a16="http://schemas.microsoft.com/office/drawing/2014/main" val="834797408"/>
+                    </a:ext>
+                  </a:extLst>
+                </a:gridCol>
+              </a:tblGrid>
+              <a:tr h="370840">
+                <a:tc>
+                  <a:txBody>
+                    <a:bodyPr/>
+                    <a:lstStyle/>
+                    <a:p>
+                      <a:r>
+                        <a:rPr lang="en-IN" dirty="0"/>
+                        <a:t>Line no.</a:t>
+                      </a:r>
+                    </a:p>
+                  </a:txBody>
+                  <a:tcPr/>
+                </a:tc>
+                <a:tc>
+                  <a:txBody>
+                    <a:bodyPr/>
+                    <a:lstStyle/>
+                    <a:p>
+                      <a:r>
+                        <a:rPr lang="en-IN" dirty="0"/>
+                        <a:t>Operations</a:t>
+                      </a:r>
+                    </a:p>
+                  </a:txBody>
+                  <a:tcPr/>
+                </a:tc>
+                <a:tc>
+                  <a:txBody>
+                    <a:bodyPr/>
+                    <a:lstStyle/>
+                    <a:p>
+                      <a:r>
+                        <a:rPr lang="en-IN" dirty="0"/>
+                        <a:t>Unit time</a:t>
+                      </a:r>
+                    </a:p>
+                  </a:txBody>
+                  <a:tcPr/>
+                </a:tc>
+                <a:extLst>
+                  <a:ext uri="{0D108BD9-81ED-4DB2-BD59-A6C34878D82A}">
+                    <a16:rowId xmlns:a16="http://schemas.microsoft.com/office/drawing/2014/main" val="1854290797"/>
+                  </a:ext>
+                </a:extLst>
+              </a:tr>
+              <a:tr h="370840">
+                <a:tc>
+                  <a:txBody>
+                    <a:bodyPr/>
+                    <a:lstStyle/>
+                    <a:p>
+                      <a:r>
+                        <a:rPr lang="en-IN" dirty="0"/>
+                        <a:t>2</a:t>
+                      </a:r>
+                    </a:p>
+                  </a:txBody>
+                  <a:tcPr/>
+                </a:tc>
+                <a:tc>
+                  <a:txBody>
+                    <a:bodyPr/>
+                    <a:lstStyle/>
+                    <a:p>
+                      <a:r>
+                        <a:rPr lang="en-IN" dirty="0"/>
+                        <a:t>1+1+1+1+1+1</a:t>
+                      </a:r>
+                    </a:p>
+                  </a:txBody>
+                  <a:tcPr/>
+                </a:tc>
+                <a:tc>
+                  <a:txBody>
+                    <a:bodyPr/>
+                    <a:lstStyle/>
+                    <a:p>
+                      <a:r>
+                        <a:rPr lang="en-IN" dirty="0"/>
+                        <a:t>6</a:t>
+                      </a:r>
+                    </a:p>
+                  </a:txBody>
+                  <a:tcPr/>
+                </a:tc>
+                <a:extLst>
+                  <a:ext uri="{0D108BD9-81ED-4DB2-BD59-A6C34878D82A}">
+                    <a16:rowId xmlns:a16="http://schemas.microsoft.com/office/drawing/2014/main" val="2968455845"/>
+                  </a:ext>
+                </a:extLst>
+              </a:tr>
+            </a:tbl>
+          </a:graphicData>
+        </a:graphic>
+      </p:graphicFrame>
+      <p:sp>
+        <p:nvSpPr>
+          <p:cNvPr id="6" name="Google Shape;658;p77">
+            <a:extLst>
+              <a:ext uri="{FF2B5EF4-FFF2-40B4-BE49-F238E27FC236}">
+                <a16:creationId xmlns:a16="http://schemas.microsoft.com/office/drawing/2014/main" id="{E573696D-49DF-50BB-EEFA-21FA2631044C}"/>
               </a:ext>
             </a:extLst>
           </p:cNvPr>
@@ -5370,8 +3543,8 @@
         </p:nvSpPr>
         <p:spPr>
           <a:xfrm>
-            <a:off x="692150" y="1514376"/>
-            <a:ext cx="10814050" cy="830956"/>
+            <a:off x="688975" y="3429000"/>
+            <a:ext cx="4707778" cy="1754286"/>
           </a:xfrm>
           <a:prstGeom prst="rect">
             <a:avLst/>
@@ -5395,13 +3568,12 @@
               <a:buChar char="§"/>
             </a:pPr>
             <a:r>
-              <a:rPr lang="en-GB" sz="1600" dirty="0">
-                <a:effectLst/>
+              <a:rPr lang="en-IN" sz="1200" dirty="0">
                 <a:latin typeface="Open Sans" panose="020B0606030504020204" pitchFamily="34" charset="0"/>
                 <a:ea typeface="Open Sans" panose="020B0606030504020204" pitchFamily="34" charset="0"/>
                 <a:cs typeface="Open Sans" panose="020B0606030504020204" pitchFamily="34" charset="0"/>
               </a:rPr>
-              <a:t>The amount of time taken by algorithm to run</a:t>
+              <a:t>Accessing value n</a:t>
             </a:r>
           </a:p>
           <a:p>
@@ -5413,26 +3585,167 @@
               <a:buChar char="§"/>
             </a:pPr>
             <a:r>
-              <a:rPr lang="en-GB" sz="1600" dirty="0">
+              <a:rPr lang="en-IN" sz="1200" dirty="0">
                 <a:latin typeface="Open Sans" panose="020B0606030504020204" pitchFamily="34" charset="0"/>
                 <a:ea typeface="Open Sans" panose="020B0606030504020204" pitchFamily="34" charset="0"/>
                 <a:cs typeface="Open Sans" panose="020B0606030504020204" pitchFamily="34" charset="0"/>
               </a:rPr>
-              <a:t>The input processes by an algorithm helps in determining the time complexity </a:t>
-            </a:r>
-            <a:endParaRPr lang="en-GB" sz="1600" dirty="0">
-              <a:effectLst/>
-              <a:latin typeface="Open Sans" panose="020B0606030504020204" pitchFamily="34" charset="0"/>
-              <a:ea typeface="Open Sans" panose="020B0606030504020204" pitchFamily="34" charset="0"/>
-              <a:cs typeface="Open Sans" panose="020B0606030504020204" pitchFamily="34" charset="0"/>
-            </a:endParaRPr>
+              <a:t>N+1</a:t>
+            </a:r>
+          </a:p>
+          <a:p>
+            <a:pPr marL="285750" indent="-285750">
+              <a:lnSpc>
+                <a:spcPct val="150000"/>
+              </a:lnSpc>
+              <a:buFont typeface="Wingdings" panose="05000000000000000000" pitchFamily="2" charset="2"/>
+              <a:buChar char="§"/>
+            </a:pPr>
+            <a:r>
+              <a:rPr lang="en-IN" sz="1200" dirty="0">
+                <a:latin typeface="Open Sans" panose="020B0606030504020204" pitchFamily="34" charset="0"/>
+                <a:ea typeface="Open Sans" panose="020B0606030504020204" pitchFamily="34" charset="0"/>
+                <a:cs typeface="Open Sans" panose="020B0606030504020204" pitchFamily="34" charset="0"/>
+              </a:rPr>
+              <a:t>(N+1)/2</a:t>
+            </a:r>
+          </a:p>
+          <a:p>
+            <a:pPr marL="285750" indent="-285750">
+              <a:lnSpc>
+                <a:spcPct val="150000"/>
+              </a:lnSpc>
+              <a:buFont typeface="Wingdings" panose="05000000000000000000" pitchFamily="2" charset="2"/>
+              <a:buChar char="§"/>
+            </a:pPr>
+            <a:r>
+              <a:rPr lang="en-IN" sz="1200" dirty="0">
+                <a:latin typeface="Open Sans" panose="020B0606030504020204" pitchFamily="34" charset="0"/>
+                <a:ea typeface="Open Sans" panose="020B0606030504020204" pitchFamily="34" charset="0"/>
+                <a:cs typeface="Open Sans" panose="020B0606030504020204" pitchFamily="34" charset="0"/>
+              </a:rPr>
+              <a:t>Accessing value n</a:t>
+            </a:r>
+          </a:p>
+          <a:p>
+            <a:pPr marL="285750" indent="-285750">
+              <a:lnSpc>
+                <a:spcPct val="150000"/>
+              </a:lnSpc>
+              <a:buFont typeface="Wingdings" panose="05000000000000000000" pitchFamily="2" charset="2"/>
+              <a:buChar char="§"/>
+            </a:pPr>
+            <a:r>
+              <a:rPr lang="en-IN" sz="1200" dirty="0">
+                <a:latin typeface="Open Sans" panose="020B0606030504020204" pitchFamily="34" charset="0"/>
+                <a:ea typeface="Open Sans" panose="020B0606030504020204" pitchFamily="34" charset="0"/>
+                <a:cs typeface="Open Sans" panose="020B0606030504020204" pitchFamily="34" charset="0"/>
+              </a:rPr>
+              <a:t>N * value of (n+1)/2;</a:t>
+            </a:r>
+          </a:p>
+          <a:p>
+            <a:pPr marL="285750" indent="-285750">
+              <a:lnSpc>
+                <a:spcPct val="150000"/>
+              </a:lnSpc>
+              <a:buFont typeface="Wingdings" panose="05000000000000000000" pitchFamily="2" charset="2"/>
+              <a:buChar char="§"/>
+            </a:pPr>
+            <a:r>
+              <a:rPr lang="en-IN" sz="1200" dirty="0">
+                <a:latin typeface="Open Sans" panose="020B0606030504020204" pitchFamily="34" charset="0"/>
+                <a:ea typeface="Open Sans" panose="020B0606030504020204" pitchFamily="34" charset="0"/>
+                <a:cs typeface="Open Sans" panose="020B0606030504020204" pitchFamily="34" charset="0"/>
+              </a:rPr>
+              <a:t>Return </a:t>
+            </a:r>
           </a:p>
         </p:txBody>
       </p:sp>
+      <p:sp>
+        <p:nvSpPr>
+          <p:cNvPr id="7" name="Google Shape;658;p77">
+            <a:extLst>
+              <a:ext uri="{FF2B5EF4-FFF2-40B4-BE49-F238E27FC236}">
+                <a16:creationId xmlns:a16="http://schemas.microsoft.com/office/drawing/2014/main" id="{110BD95E-159C-FB79-495D-C2A2FDFB752D}"/>
+              </a:ext>
+            </a:extLst>
+          </p:cNvPr>
+          <p:cNvSpPr>
+            <a:spLocks/>
+          </p:cNvSpPr>
+          <p:nvPr/>
+        </p:nvSpPr>
+        <p:spPr>
+          <a:xfrm>
+            <a:off x="5396753" y="3429000"/>
+            <a:ext cx="4707778" cy="461624"/>
+          </a:xfrm>
+          <a:prstGeom prst="rect">
+            <a:avLst/>
+          </a:prstGeom>
+          <a:noFill/>
+          <a:ln>
+            <a:noFill/>
+          </a:ln>
+        </p:spPr>
+        <p:txBody>
+          <a:bodyPr spcFirstLastPara="1" wrap="square" lIns="91425" tIns="45700" rIns="91425" bIns="45700" anchor="t" anchorCtr="0">
+            <a:spAutoFit/>
+          </a:bodyPr>
+          <a:lstStyle/>
+          <a:p>
+            <a:pPr>
+              <a:lnSpc>
+                <a:spcPct val="150000"/>
+              </a:lnSpc>
+            </a:pPr>
+            <a:r>
+              <a:rPr lang="en-IN" sz="1600" dirty="0">
+                <a:latin typeface="Open Sans" panose="020B0606030504020204" pitchFamily="34" charset="0"/>
+                <a:ea typeface="Open Sans" panose="020B0606030504020204" pitchFamily="34" charset="0"/>
+                <a:cs typeface="Open Sans" panose="020B0606030504020204" pitchFamily="34" charset="0"/>
+              </a:rPr>
+              <a:t>Time Complexity = O(1)</a:t>
+            </a:r>
+          </a:p>
+        </p:txBody>
+      </p:sp>
+      <p:pic>
+        <p:nvPicPr>
+          <p:cNvPr id="9" name="Picture 8">
+            <a:extLst>
+              <a:ext uri="{FF2B5EF4-FFF2-40B4-BE49-F238E27FC236}">
+                <a16:creationId xmlns:a16="http://schemas.microsoft.com/office/drawing/2014/main" id="{ACD83CC1-FAE7-3798-E5AE-C0A3C27ADC02}"/>
+              </a:ext>
+            </a:extLst>
+          </p:cNvPr>
+          <p:cNvPicPr>
+            <a:picLocks noChangeAspect="1"/>
+          </p:cNvPicPr>
+          <p:nvPr/>
+        </p:nvPicPr>
+        <p:blipFill>
+          <a:blip r:embed="rId2"/>
+          <a:stretch>
+            <a:fillRect/>
+          </a:stretch>
+        </p:blipFill>
+        <p:spPr>
+          <a:xfrm>
+            <a:off x="8812642" y="3558246"/>
+            <a:ext cx="2934109" cy="2610214"/>
+          </a:xfrm>
+          <a:prstGeom prst="rect">
+            <a:avLst/>
+          </a:prstGeom>
+        </p:spPr>
+      </p:pic>
     </p:spTree>
     <p:extLst>
       <p:ext uri="{BB962C8B-B14F-4D97-AF65-F5344CB8AC3E}">
-        <p14:creationId xmlns:p14="http://schemas.microsoft.com/office/powerpoint/2010/main" val="4206544092"/>
+        <p14:creationId xmlns:p14="http://schemas.microsoft.com/office/powerpoint/2010/main" val="1713397683"/>
       </p:ext>
     </p:extLst>
   </p:cSld>
@@ -5442,7 +3755,7 @@
 </p:sld>
 </file>
 
-<file path=ppt/slides/slide6.xml><?xml version="1.0" encoding="utf-8"?>
+<file path=ppt/slides/slide11.xml><?xml version="1.0" encoding="utf-8"?>
 <p:sld xmlns:a="http://schemas.openxmlformats.org/drawingml/2006/main" xmlns:r="http://schemas.openxmlformats.org/officeDocument/2006/relationships" xmlns:p="http://schemas.openxmlformats.org/presentationml/2006/main">
   <p:cSld>
     <p:spTree>
@@ -5509,7 +3822,7 @@
                 <a:cs typeface="Open Sans"/>
                 <a:sym typeface="Open Sans"/>
               </a:rPr>
-              <a:t>Space Complexity</a:t>
+              <a:t>Calculating Time Complexity of Linear Algorithm</a:t>
             </a:r>
             <a:endParaRPr sz="4000" b="1" dirty="0">
               <a:solidFill>
@@ -5523,12 +3836,299 @@
           </a:p>
         </p:txBody>
       </p:sp>
+      <p:graphicFrame>
+        <p:nvGraphicFramePr>
+          <p:cNvPr id="5" name="Table 5">
+            <a:extLst>
+              <a:ext uri="{FF2B5EF4-FFF2-40B4-BE49-F238E27FC236}">
+                <a16:creationId xmlns:a16="http://schemas.microsoft.com/office/drawing/2014/main" id="{1C2D419E-0544-F3FF-0135-D4886FBFDF64}"/>
+              </a:ext>
+            </a:extLst>
+          </p:cNvPr>
+          <p:cNvGraphicFramePr>
+            <a:graphicFrameLocks noGrp="1"/>
+          </p:cNvGraphicFramePr>
+          <p:nvPr>
+            <p:extLst>
+              <p:ext uri="{D42A27DB-BD31-4B8C-83A1-F6EECF244321}">
+                <p14:modId xmlns:p14="http://schemas.microsoft.com/office/powerpoint/2010/main" val="4074311944"/>
+              </p:ext>
+            </p:extLst>
+          </p:nvPr>
+        </p:nvGraphicFramePr>
+        <p:xfrm>
+          <a:off x="5396753" y="1561937"/>
+          <a:ext cx="6349998" cy="1854200"/>
+        </p:xfrm>
+        <a:graphic>
+          <a:graphicData uri="http://schemas.openxmlformats.org/drawingml/2006/table">
+            <a:tbl>
+              <a:tblPr firstRow="1" bandRow="1">
+                <a:tableStyleId>{5C22544A-7EE6-4342-B048-85BDC9FD1C3A}</a:tableStyleId>
+              </a:tblPr>
+              <a:tblGrid>
+                <a:gridCol w="2116666">
+                  <a:extLst>
+                    <a:ext uri="{9D8B030D-6E8A-4147-A177-3AD203B41FA5}">
+                      <a16:colId xmlns:a16="http://schemas.microsoft.com/office/drawing/2014/main" val="3406641235"/>
+                    </a:ext>
+                  </a:extLst>
+                </a:gridCol>
+                <a:gridCol w="2116666">
+                  <a:extLst>
+                    <a:ext uri="{9D8B030D-6E8A-4147-A177-3AD203B41FA5}">
+                      <a16:colId xmlns:a16="http://schemas.microsoft.com/office/drawing/2014/main" val="3104847971"/>
+                    </a:ext>
+                  </a:extLst>
+                </a:gridCol>
+                <a:gridCol w="2116666">
+                  <a:extLst>
+                    <a:ext uri="{9D8B030D-6E8A-4147-A177-3AD203B41FA5}">
+                      <a16:colId xmlns:a16="http://schemas.microsoft.com/office/drawing/2014/main" val="834797408"/>
+                    </a:ext>
+                  </a:extLst>
+                </a:gridCol>
+              </a:tblGrid>
+              <a:tr h="370840">
+                <a:tc>
+                  <a:txBody>
+                    <a:bodyPr/>
+                    <a:lstStyle/>
+                    <a:p>
+                      <a:r>
+                        <a:rPr lang="en-IN" dirty="0"/>
+                        <a:t>Line no.</a:t>
+                      </a:r>
+                    </a:p>
+                  </a:txBody>
+                  <a:tcPr/>
+                </a:tc>
+                <a:tc>
+                  <a:txBody>
+                    <a:bodyPr/>
+                    <a:lstStyle/>
+                    <a:p>
+                      <a:r>
+                        <a:rPr lang="en-IN" dirty="0"/>
+                        <a:t>Operations</a:t>
+                      </a:r>
+                    </a:p>
+                  </a:txBody>
+                  <a:tcPr/>
+                </a:tc>
+                <a:tc>
+                  <a:txBody>
+                    <a:bodyPr/>
+                    <a:lstStyle/>
+                    <a:p>
+                      <a:r>
+                        <a:rPr lang="en-IN" dirty="0"/>
+                        <a:t>Unit time</a:t>
+                      </a:r>
+                    </a:p>
+                  </a:txBody>
+                  <a:tcPr/>
+                </a:tc>
+                <a:extLst>
+                  <a:ext uri="{0D108BD9-81ED-4DB2-BD59-A6C34878D82A}">
+                    <a16:rowId xmlns:a16="http://schemas.microsoft.com/office/drawing/2014/main" val="1854290797"/>
+                  </a:ext>
+                </a:extLst>
+              </a:tr>
+              <a:tr h="370840">
+                <a:tc>
+                  <a:txBody>
+                    <a:bodyPr/>
+                    <a:lstStyle/>
+                    <a:p>
+                      <a:r>
+                        <a:rPr lang="en-IN" dirty="0"/>
+                        <a:t>2</a:t>
+                      </a:r>
+                    </a:p>
+                  </a:txBody>
+                  <a:tcPr/>
+                </a:tc>
+                <a:tc>
+                  <a:txBody>
+                    <a:bodyPr/>
+                    <a:lstStyle/>
+                    <a:p>
+                      <a:r>
+                        <a:rPr lang="en-IN" dirty="0"/>
+                        <a:t>1</a:t>
+                      </a:r>
+                    </a:p>
+                  </a:txBody>
+                  <a:tcPr/>
+                </a:tc>
+                <a:tc>
+                  <a:txBody>
+                    <a:bodyPr/>
+                    <a:lstStyle/>
+                    <a:p>
+                      <a:r>
+                        <a:rPr lang="en-IN" dirty="0"/>
+                        <a:t>1</a:t>
+                      </a:r>
+                    </a:p>
+                  </a:txBody>
+                  <a:tcPr/>
+                </a:tc>
+                <a:extLst>
+                  <a:ext uri="{0D108BD9-81ED-4DB2-BD59-A6C34878D82A}">
+                    <a16:rowId xmlns:a16="http://schemas.microsoft.com/office/drawing/2014/main" val="2968455845"/>
+                  </a:ext>
+                </a:extLst>
+              </a:tr>
+              <a:tr h="370840">
+                <a:tc>
+                  <a:txBody>
+                    <a:bodyPr/>
+                    <a:lstStyle/>
+                    <a:p>
+                      <a:r>
+                        <a:rPr lang="en-IN" dirty="0"/>
+                        <a:t>3</a:t>
+                      </a:r>
+                    </a:p>
+                  </a:txBody>
+                  <a:tcPr/>
+                </a:tc>
+                <a:tc>
+                  <a:txBody>
+                    <a:bodyPr/>
+                    <a:lstStyle/>
+                    <a:p>
+                      <a:r>
+                        <a:rPr lang="en-IN" dirty="0"/>
+                        <a:t>1 + 3(n+1) + 3n</a:t>
+                      </a:r>
+                    </a:p>
+                  </a:txBody>
+                  <a:tcPr/>
+                </a:tc>
+                <a:tc>
+                  <a:txBody>
+                    <a:bodyPr/>
+                    <a:lstStyle/>
+                    <a:p>
+                      <a:r>
+                        <a:rPr lang="en-IN" dirty="0"/>
+                        <a:t>6n + 4</a:t>
+                      </a:r>
+                    </a:p>
+                  </a:txBody>
+                  <a:tcPr/>
+                </a:tc>
+                <a:extLst>
+                  <a:ext uri="{0D108BD9-81ED-4DB2-BD59-A6C34878D82A}">
+                    <a16:rowId xmlns:a16="http://schemas.microsoft.com/office/drawing/2014/main" val="3538805589"/>
+                  </a:ext>
+                </a:extLst>
+              </a:tr>
+              <a:tr h="370840">
+                <a:tc>
+                  <a:txBody>
+                    <a:bodyPr/>
+                    <a:lstStyle/>
+                    <a:p>
+                      <a:r>
+                        <a:rPr lang="en-IN" dirty="0"/>
+                        <a:t>4</a:t>
+                      </a:r>
+                    </a:p>
+                  </a:txBody>
+                  <a:tcPr/>
+                </a:tc>
+                <a:tc>
+                  <a:txBody>
+                    <a:bodyPr/>
+                    <a:lstStyle/>
+                    <a:p>
+                      <a:r>
+                        <a:rPr lang="en-IN" dirty="0"/>
+                        <a:t>4(1 + 1 + 1 + 1)</a:t>
+                      </a:r>
+                    </a:p>
+                  </a:txBody>
+                  <a:tcPr/>
+                </a:tc>
+                <a:tc>
+                  <a:txBody>
+                    <a:bodyPr/>
+                    <a:lstStyle/>
+                    <a:p>
+                      <a:r>
+                        <a:rPr lang="en-IN" dirty="0"/>
+                        <a:t>4n</a:t>
+                      </a:r>
+                    </a:p>
+                  </a:txBody>
+                  <a:tcPr/>
+                </a:tc>
+                <a:extLst>
+                  <a:ext uri="{0D108BD9-81ED-4DB2-BD59-A6C34878D82A}">
+                    <a16:rowId xmlns:a16="http://schemas.microsoft.com/office/drawing/2014/main" val="1723983461"/>
+                  </a:ext>
+                </a:extLst>
+              </a:tr>
+              <a:tr h="370840">
+                <a:tc>
+                  <a:txBody>
+                    <a:bodyPr/>
+                    <a:lstStyle/>
+                    <a:p>
+                      <a:r>
+                        <a:rPr lang="en-IN" dirty="0"/>
+                        <a:t>5</a:t>
+                      </a:r>
+                    </a:p>
+                  </a:txBody>
+                  <a:tcPr/>
+                </a:tc>
+                <a:tc>
+                  <a:txBody>
+                    <a:bodyPr/>
+                    <a:lstStyle/>
+                    <a:p>
+                      <a:r>
+                        <a:rPr lang="en-IN" dirty="0"/>
+                        <a:t>1 + 1</a:t>
+                      </a:r>
+                    </a:p>
+                  </a:txBody>
+                  <a:tcPr/>
+                </a:tc>
+                <a:tc>
+                  <a:txBody>
+                    <a:bodyPr/>
+                    <a:lstStyle/>
+                    <a:p>
+                      <a:r>
+                        <a:rPr lang="en-IN" dirty="0"/>
+                        <a:t>2</a:t>
+                      </a:r>
+                    </a:p>
+                  </a:txBody>
+                  <a:tcPr/>
+                </a:tc>
+                <a:extLst>
+                  <a:ext uri="{0D108BD9-81ED-4DB2-BD59-A6C34878D82A}">
+                    <a16:rowId xmlns:a16="http://schemas.microsoft.com/office/drawing/2014/main" val="955662466"/>
+                  </a:ext>
+                </a:extLst>
+              </a:tr>
+            </a:tbl>
+          </a:graphicData>
+        </a:graphic>
+      </p:graphicFrame>
       <p:sp>
         <p:nvSpPr>
-          <p:cNvPr id="3" name="Google Shape;658;p77">
+          <p:cNvPr id="6" name="Google Shape;658;p77">
             <a:extLst>
               <a:ext uri="{FF2B5EF4-FFF2-40B4-BE49-F238E27FC236}">
-                <a16:creationId xmlns:a16="http://schemas.microsoft.com/office/drawing/2014/main" id="{23F8CA33-974D-A71D-AEB7-0DDBFA222275}"/>
+                <a16:creationId xmlns:a16="http://schemas.microsoft.com/office/drawing/2014/main" id="{E573696D-49DF-50BB-EEFA-21FA2631044C}"/>
               </a:ext>
             </a:extLst>
           </p:cNvPr>
@@ -5539,8 +4139,8 @@
         </p:nvSpPr>
         <p:spPr>
           <a:xfrm>
-            <a:off x="692150" y="1514376"/>
-            <a:ext cx="10814050" cy="830956"/>
+            <a:off x="688975" y="3890624"/>
+            <a:ext cx="4707778" cy="923289"/>
           </a:xfrm>
           <a:prstGeom prst="rect">
             <a:avLst/>
@@ -5564,13 +4164,12 @@
               <a:buChar char="§"/>
             </a:pPr>
             <a:r>
-              <a:rPr lang="en-GB" sz="1600" dirty="0">
-                <a:effectLst/>
+              <a:rPr lang="en-IN" sz="1200" dirty="0">
                 <a:latin typeface="Open Sans" panose="020B0606030504020204" pitchFamily="34" charset="0"/>
                 <a:ea typeface="Open Sans" panose="020B0606030504020204" pitchFamily="34" charset="0"/>
                 <a:cs typeface="Open Sans" panose="020B0606030504020204" pitchFamily="34" charset="0"/>
               </a:rPr>
-              <a:t>The amount of memory or space taken by the algorithm to run</a:t>
+              <a:t>T = 1  + 6n + 4 + 4n + 2</a:t>
             </a:r>
           </a:p>
           <a:p>
@@ -5582,26 +4181,716 @@
               <a:buChar char="§"/>
             </a:pPr>
             <a:r>
-              <a:rPr lang="en-GB" sz="1600" dirty="0">
+              <a:rPr lang="en-IN" sz="1200" dirty="0">
                 <a:latin typeface="Open Sans" panose="020B0606030504020204" pitchFamily="34" charset="0"/>
                 <a:ea typeface="Open Sans" panose="020B0606030504020204" pitchFamily="34" charset="0"/>
                 <a:cs typeface="Open Sans" panose="020B0606030504020204" pitchFamily="34" charset="0"/>
               </a:rPr>
-              <a:t>The memory required to process the input by an algorithm helps in determining the space complexity </a:t>
-            </a:r>
-            <a:endParaRPr lang="en-GB" sz="1600" dirty="0">
-              <a:effectLst/>
-              <a:latin typeface="Open Sans" panose="020B0606030504020204" pitchFamily="34" charset="0"/>
-              <a:ea typeface="Open Sans" panose="020B0606030504020204" pitchFamily="34" charset="0"/>
-              <a:cs typeface="Open Sans" panose="020B0606030504020204" pitchFamily="34" charset="0"/>
-            </a:endParaRPr>
+              <a:t>T = </a:t>
+            </a:r>
+            <a:r>
+              <a:rPr lang="en-IN" sz="1200" strike="sngStrike" dirty="0">
+                <a:latin typeface="Open Sans" panose="020B0606030504020204" pitchFamily="34" charset="0"/>
+                <a:ea typeface="Open Sans" panose="020B0606030504020204" pitchFamily="34" charset="0"/>
+                <a:cs typeface="Open Sans" panose="020B0606030504020204" pitchFamily="34" charset="0"/>
+              </a:rPr>
+              <a:t>10</a:t>
+            </a:r>
+            <a:r>
+              <a:rPr lang="en-IN" sz="1200" dirty="0">
+                <a:latin typeface="Open Sans" panose="020B0606030504020204" pitchFamily="34" charset="0"/>
+                <a:ea typeface="Open Sans" panose="020B0606030504020204" pitchFamily="34" charset="0"/>
+                <a:cs typeface="Open Sans" panose="020B0606030504020204" pitchFamily="34" charset="0"/>
+              </a:rPr>
+              <a:t>n + </a:t>
+            </a:r>
+            <a:r>
+              <a:rPr lang="en-IN" sz="1200" strike="sngStrike" dirty="0">
+                <a:latin typeface="Open Sans" panose="020B0606030504020204" pitchFamily="34" charset="0"/>
+                <a:ea typeface="Open Sans" panose="020B0606030504020204" pitchFamily="34" charset="0"/>
+                <a:cs typeface="Open Sans" panose="020B0606030504020204" pitchFamily="34" charset="0"/>
+              </a:rPr>
+              <a:t>7</a:t>
+            </a:r>
+          </a:p>
+          <a:p>
+            <a:pPr marL="285750" indent="-285750">
+              <a:lnSpc>
+                <a:spcPct val="150000"/>
+              </a:lnSpc>
+              <a:buFont typeface="Wingdings" panose="05000000000000000000" pitchFamily="2" charset="2"/>
+              <a:buChar char="§"/>
+            </a:pPr>
+            <a:r>
+              <a:rPr lang="en-IN" sz="1200" dirty="0">
+                <a:latin typeface="Open Sans" panose="020B0606030504020204" pitchFamily="34" charset="0"/>
+                <a:ea typeface="Open Sans" panose="020B0606030504020204" pitchFamily="34" charset="0"/>
+                <a:cs typeface="Open Sans" panose="020B0606030504020204" pitchFamily="34" charset="0"/>
+              </a:rPr>
+              <a:t>T = n</a:t>
+            </a:r>
           </a:p>
         </p:txBody>
       </p:sp>
+      <p:sp>
+        <p:nvSpPr>
+          <p:cNvPr id="7" name="Google Shape;658;p77">
+            <a:extLst>
+              <a:ext uri="{FF2B5EF4-FFF2-40B4-BE49-F238E27FC236}">
+                <a16:creationId xmlns:a16="http://schemas.microsoft.com/office/drawing/2014/main" id="{110BD95E-159C-FB79-495D-C2A2FDFB752D}"/>
+              </a:ext>
+            </a:extLst>
+          </p:cNvPr>
+          <p:cNvSpPr>
+            <a:spLocks/>
+          </p:cNvSpPr>
+          <p:nvPr/>
+        </p:nvSpPr>
+        <p:spPr>
+          <a:xfrm>
+            <a:off x="5396753" y="4056529"/>
+            <a:ext cx="4707778" cy="461624"/>
+          </a:xfrm>
+          <a:prstGeom prst="rect">
+            <a:avLst/>
+          </a:prstGeom>
+          <a:noFill/>
+          <a:ln>
+            <a:noFill/>
+          </a:ln>
+        </p:spPr>
+        <p:txBody>
+          <a:bodyPr spcFirstLastPara="1" wrap="square" lIns="91425" tIns="45700" rIns="91425" bIns="45700" anchor="t" anchorCtr="0">
+            <a:spAutoFit/>
+          </a:bodyPr>
+          <a:lstStyle/>
+          <a:p>
+            <a:pPr>
+              <a:lnSpc>
+                <a:spcPct val="150000"/>
+              </a:lnSpc>
+            </a:pPr>
+            <a:r>
+              <a:rPr lang="en-IN" sz="1600" dirty="0">
+                <a:latin typeface="Open Sans" panose="020B0606030504020204" pitchFamily="34" charset="0"/>
+                <a:ea typeface="Open Sans" panose="020B0606030504020204" pitchFamily="34" charset="0"/>
+                <a:cs typeface="Open Sans" panose="020B0606030504020204" pitchFamily="34" charset="0"/>
+              </a:rPr>
+              <a:t>Time Complexity = O(n)</a:t>
+            </a:r>
+          </a:p>
+        </p:txBody>
+      </p:sp>
+      <p:sp>
+        <p:nvSpPr>
+          <p:cNvPr id="3" name="Rectangle 1">
+            <a:extLst>
+              <a:ext uri="{FF2B5EF4-FFF2-40B4-BE49-F238E27FC236}">
+                <a16:creationId xmlns:a16="http://schemas.microsoft.com/office/drawing/2014/main" id="{A922F7E1-9137-EC4C-7AD7-6BC42829659E}"/>
+              </a:ext>
+            </a:extLst>
+          </p:cNvPr>
+          <p:cNvSpPr>
+            <a:spLocks noChangeArrowheads="1"/>
+          </p:cNvSpPr>
+          <p:nvPr/>
+        </p:nvSpPr>
+        <p:spPr bwMode="auto">
+          <a:xfrm>
+            <a:off x="779929" y="1846477"/>
+            <a:ext cx="2485873" cy="1569660"/>
+          </a:xfrm>
+          <a:prstGeom prst="rect">
+            <a:avLst/>
+          </a:prstGeom>
+          <a:solidFill>
+            <a:srgbClr val="2B2B2B"/>
+          </a:solidFill>
+          <a:ln>
+            <a:noFill/>
+          </a:ln>
+          <a:effectLst/>
+          <a:extLst>
+            <a:ext uri="{91240B29-F687-4F45-9708-019B960494DF}">
+              <a14:hiddenLine xmlns:a14="http://schemas.microsoft.com/office/drawing/2010/main" w="9525">
+                <a:solidFill>
+                  <a:schemeClr val="tx1"/>
+                </a:solidFill>
+                <a:miter lim="800000"/>
+                <a:headEnd/>
+                <a:tailEnd/>
+              </a14:hiddenLine>
+            </a:ext>
+            <a:ext uri="{AF507438-7753-43E0-B8FC-AC1667EBCBE1}">
+              <a14:hiddenEffects xmlns:a14="http://schemas.microsoft.com/office/drawing/2010/main">
+                <a:effectLst>
+                  <a:outerShdw dist="35921" dir="2700000" algn="ctr" rotWithShape="0">
+                    <a:schemeClr val="bg2"/>
+                  </a:outerShdw>
+                </a:effectLst>
+              </a14:hiddenEffects>
+            </a:ext>
+          </a:extLst>
+        </p:spPr>
+        <p:txBody>
+          <a:bodyPr vert="horz" wrap="none" lIns="91440" tIns="45720" rIns="91440" bIns="45720" numCol="1" anchor="ctr" anchorCtr="0" compatLnSpc="1">
+            <a:prstTxWarp prst="textNoShape">
+              <a:avLst/>
+            </a:prstTxWarp>
+            <a:spAutoFit/>
+          </a:bodyPr>
+          <a:lstStyle/>
+          <a:p>
+            <a:pPr marL="0" marR="0" lvl="0" indent="0" algn="l" defTabSz="914400" rtl="0" eaLnBrk="0" fontAlgn="base" latinLnBrk="0" hangingPunct="0">
+              <a:lnSpc>
+                <a:spcPct val="100000"/>
+              </a:lnSpc>
+              <a:spcBef>
+                <a:spcPct val="0"/>
+              </a:spcBef>
+              <a:spcAft>
+                <a:spcPct val="0"/>
+              </a:spcAft>
+              <a:buClrTx/>
+              <a:buSzTx/>
+              <a:buFontTx/>
+              <a:buNone/>
+              <a:tabLst/>
+            </a:pPr>
+            <a:br>
+              <a:rPr kumimoji="0" lang="en-US" altLang="en-US" sz="1200" b="0" i="0" u="none" strike="noStrike" cap="none" normalizeH="0" baseline="0" dirty="0">
+                <a:ln>
+                  <a:noFill/>
+                </a:ln>
+                <a:solidFill>
+                  <a:srgbClr val="A9B7C6"/>
+                </a:solidFill>
+                <a:effectLst/>
+                <a:latin typeface="JetBrains Mono"/>
+              </a:rPr>
+            </a:br>
+            <a:r>
+              <a:rPr kumimoji="0" lang="en-US" altLang="en-US" sz="1200" b="0" i="0" u="none" strike="noStrike" cap="none" normalizeH="0" baseline="0" dirty="0">
+                <a:ln>
+                  <a:noFill/>
+                </a:ln>
+                <a:solidFill>
+                  <a:srgbClr val="CC7832"/>
+                </a:solidFill>
+                <a:effectLst/>
+                <a:latin typeface="JetBrains Mono"/>
+              </a:rPr>
+              <a:t>public </a:t>
+            </a:r>
+            <a:r>
+              <a:rPr kumimoji="0" lang="en-US" altLang="en-US" sz="1200" b="0" i="0" u="none" strike="noStrike" cap="none" normalizeH="0" baseline="0" dirty="0">
+                <a:ln>
+                  <a:noFill/>
+                </a:ln>
+                <a:solidFill>
+                  <a:srgbClr val="A9B7C6"/>
+                </a:solidFill>
+                <a:effectLst/>
+                <a:latin typeface="JetBrains Mono"/>
+              </a:rPr>
+              <a:t>Integer </a:t>
+            </a:r>
+            <a:r>
+              <a:rPr kumimoji="0" lang="en-US" altLang="en-US" sz="1200" b="0" i="0" u="none" strike="noStrike" cap="none" normalizeH="0" baseline="0" dirty="0">
+                <a:ln>
+                  <a:noFill/>
+                </a:ln>
+                <a:solidFill>
+                  <a:srgbClr val="FFC66D"/>
+                </a:solidFill>
+                <a:effectLst/>
+                <a:latin typeface="JetBrains Mono"/>
+              </a:rPr>
+              <a:t>findSum02</a:t>
+            </a:r>
+            <a:r>
+              <a:rPr kumimoji="0" lang="en-US" altLang="en-US" sz="1200" b="0" i="0" u="none" strike="noStrike" cap="none" normalizeH="0" baseline="0" dirty="0">
+                <a:ln>
+                  <a:noFill/>
+                </a:ln>
+                <a:solidFill>
+                  <a:srgbClr val="A9B7C6"/>
+                </a:solidFill>
+                <a:effectLst/>
+                <a:latin typeface="JetBrains Mono"/>
+              </a:rPr>
+              <a:t>(Integer n) {</a:t>
+            </a:r>
+            <a:br>
+              <a:rPr kumimoji="0" lang="en-US" altLang="en-US" sz="1200" b="0" i="0" u="none" strike="noStrike" cap="none" normalizeH="0" baseline="0" dirty="0">
+                <a:ln>
+                  <a:noFill/>
+                </a:ln>
+                <a:solidFill>
+                  <a:srgbClr val="A9B7C6"/>
+                </a:solidFill>
+                <a:effectLst/>
+                <a:latin typeface="JetBrains Mono"/>
+              </a:rPr>
+            </a:br>
+            <a:r>
+              <a:rPr kumimoji="0" lang="en-US" altLang="en-US" sz="1200" b="0" i="0" u="none" strike="noStrike" cap="none" normalizeH="0" baseline="0" dirty="0">
+                <a:ln>
+                  <a:noFill/>
+                </a:ln>
+                <a:solidFill>
+                  <a:srgbClr val="A9B7C6"/>
+                </a:solidFill>
+                <a:effectLst/>
+                <a:latin typeface="JetBrains Mono"/>
+              </a:rPr>
+              <a:t>    </a:t>
+            </a:r>
+            <a:r>
+              <a:rPr kumimoji="0" lang="en-US" altLang="en-US" sz="1200" b="0" i="0" u="none" strike="noStrike" cap="none" normalizeH="0" baseline="0" dirty="0">
+                <a:ln>
+                  <a:noFill/>
+                </a:ln>
+                <a:solidFill>
+                  <a:srgbClr val="CC7832"/>
+                </a:solidFill>
+                <a:effectLst/>
+                <a:latin typeface="JetBrains Mono"/>
+              </a:rPr>
+              <a:t>int </a:t>
+            </a:r>
+            <a:r>
+              <a:rPr kumimoji="0" lang="en-US" altLang="en-US" sz="1200" b="0" i="0" u="none" strike="noStrike" cap="none" normalizeH="0" baseline="0" dirty="0">
+                <a:ln>
+                  <a:noFill/>
+                </a:ln>
+                <a:solidFill>
+                  <a:srgbClr val="A9B7C6"/>
+                </a:solidFill>
+                <a:effectLst/>
+                <a:latin typeface="JetBrains Mono"/>
+              </a:rPr>
+              <a:t>sum = </a:t>
+            </a:r>
+            <a:r>
+              <a:rPr kumimoji="0" lang="en-US" altLang="en-US" sz="1200" b="0" i="0" u="none" strike="noStrike" cap="none" normalizeH="0" baseline="0" dirty="0">
+                <a:ln>
+                  <a:noFill/>
+                </a:ln>
+                <a:solidFill>
+                  <a:srgbClr val="6897BB"/>
+                </a:solidFill>
+                <a:effectLst/>
+                <a:latin typeface="JetBrains Mono"/>
+              </a:rPr>
+              <a:t>0</a:t>
+            </a:r>
+            <a:r>
+              <a:rPr kumimoji="0" lang="en-US" altLang="en-US" sz="1200" b="0" i="0" u="none" strike="noStrike" cap="none" normalizeH="0" baseline="0" dirty="0">
+                <a:ln>
+                  <a:noFill/>
+                </a:ln>
+                <a:solidFill>
+                  <a:srgbClr val="CC7832"/>
+                </a:solidFill>
+                <a:effectLst/>
+                <a:latin typeface="JetBrains Mono"/>
+              </a:rPr>
+              <a:t>;</a:t>
+            </a:r>
+            <a:br>
+              <a:rPr kumimoji="0" lang="en-US" altLang="en-US" sz="1200" b="0" i="0" u="none" strike="noStrike" cap="none" normalizeH="0" baseline="0" dirty="0">
+                <a:ln>
+                  <a:noFill/>
+                </a:ln>
+                <a:solidFill>
+                  <a:srgbClr val="CC7832"/>
+                </a:solidFill>
+                <a:effectLst/>
+                <a:latin typeface="JetBrains Mono"/>
+              </a:rPr>
+            </a:br>
+            <a:r>
+              <a:rPr kumimoji="0" lang="en-US" altLang="en-US" sz="1200" b="0" i="0" u="none" strike="noStrike" cap="none" normalizeH="0" baseline="0" dirty="0">
+                <a:ln>
+                  <a:noFill/>
+                </a:ln>
+                <a:solidFill>
+                  <a:srgbClr val="CC7832"/>
+                </a:solidFill>
+                <a:effectLst/>
+                <a:latin typeface="JetBrains Mono"/>
+              </a:rPr>
+              <a:t>    for</a:t>
+            </a:r>
+            <a:r>
+              <a:rPr kumimoji="0" lang="en-US" altLang="en-US" sz="1200" b="0" i="0" u="none" strike="noStrike" cap="none" normalizeH="0" baseline="0" dirty="0">
+                <a:ln>
+                  <a:noFill/>
+                </a:ln>
+                <a:solidFill>
+                  <a:srgbClr val="A9B7C6"/>
+                </a:solidFill>
+                <a:effectLst/>
+                <a:latin typeface="JetBrains Mono"/>
+              </a:rPr>
+              <a:t>(</a:t>
+            </a:r>
+            <a:r>
+              <a:rPr kumimoji="0" lang="en-US" altLang="en-US" sz="1200" b="0" i="0" u="none" strike="noStrike" cap="none" normalizeH="0" baseline="0" dirty="0">
+                <a:ln>
+                  <a:noFill/>
+                </a:ln>
+                <a:solidFill>
+                  <a:srgbClr val="CC7832"/>
+                </a:solidFill>
+                <a:effectLst/>
+                <a:latin typeface="JetBrains Mono"/>
+              </a:rPr>
+              <a:t>int </a:t>
+            </a:r>
+            <a:r>
+              <a:rPr kumimoji="0" lang="en-US" altLang="en-US" sz="1200" b="0" i="0" u="none" strike="noStrike" cap="none" normalizeH="0" baseline="0" dirty="0" err="1">
+                <a:ln>
+                  <a:noFill/>
+                </a:ln>
+                <a:solidFill>
+                  <a:srgbClr val="A9B7C6"/>
+                </a:solidFill>
+                <a:effectLst/>
+                <a:latin typeface="JetBrains Mono"/>
+              </a:rPr>
+              <a:t>i</a:t>
+            </a:r>
+            <a:r>
+              <a:rPr kumimoji="0" lang="en-US" altLang="en-US" sz="1200" b="0" i="0" u="none" strike="noStrike" cap="none" normalizeH="0" baseline="0" dirty="0">
+                <a:ln>
+                  <a:noFill/>
+                </a:ln>
+                <a:solidFill>
+                  <a:srgbClr val="A9B7C6"/>
+                </a:solidFill>
+                <a:effectLst/>
+                <a:latin typeface="JetBrains Mono"/>
+              </a:rPr>
+              <a:t> = </a:t>
+            </a:r>
+            <a:r>
+              <a:rPr kumimoji="0" lang="en-US" altLang="en-US" sz="1200" b="0" i="0" u="none" strike="noStrike" cap="none" normalizeH="0" baseline="0" dirty="0">
+                <a:ln>
+                  <a:noFill/>
+                </a:ln>
+                <a:solidFill>
+                  <a:srgbClr val="6897BB"/>
+                </a:solidFill>
+                <a:effectLst/>
+                <a:latin typeface="JetBrains Mono"/>
+              </a:rPr>
+              <a:t>1</a:t>
+            </a:r>
+            <a:r>
+              <a:rPr kumimoji="0" lang="en-US" altLang="en-US" sz="1200" b="0" i="0" u="none" strike="noStrike" cap="none" normalizeH="0" baseline="0" dirty="0">
+                <a:ln>
+                  <a:noFill/>
+                </a:ln>
+                <a:solidFill>
+                  <a:srgbClr val="CC7832"/>
+                </a:solidFill>
+                <a:effectLst/>
+                <a:latin typeface="JetBrains Mono"/>
+              </a:rPr>
+              <a:t>; </a:t>
+            </a:r>
+            <a:r>
+              <a:rPr kumimoji="0" lang="en-US" altLang="en-US" sz="1200" b="0" i="0" u="none" strike="noStrike" cap="none" normalizeH="0" baseline="0" dirty="0" err="1">
+                <a:ln>
+                  <a:noFill/>
+                </a:ln>
+                <a:solidFill>
+                  <a:srgbClr val="A9B7C6"/>
+                </a:solidFill>
+                <a:effectLst/>
+                <a:latin typeface="JetBrains Mono"/>
+              </a:rPr>
+              <a:t>i</a:t>
+            </a:r>
+            <a:r>
+              <a:rPr kumimoji="0" lang="en-US" altLang="en-US" sz="1200" b="0" i="0" u="none" strike="noStrike" cap="none" normalizeH="0" baseline="0" dirty="0">
+                <a:ln>
+                  <a:noFill/>
+                </a:ln>
+                <a:solidFill>
+                  <a:srgbClr val="A9B7C6"/>
+                </a:solidFill>
+                <a:effectLst/>
+                <a:latin typeface="JetBrains Mono"/>
+              </a:rPr>
+              <a:t> &lt;= n</a:t>
+            </a:r>
+            <a:r>
+              <a:rPr kumimoji="0" lang="en-US" altLang="en-US" sz="1200" b="0" i="0" u="none" strike="noStrike" cap="none" normalizeH="0" baseline="0" dirty="0">
+                <a:ln>
+                  <a:noFill/>
+                </a:ln>
+                <a:solidFill>
+                  <a:srgbClr val="CC7832"/>
+                </a:solidFill>
+                <a:effectLst/>
+                <a:latin typeface="JetBrains Mono"/>
+              </a:rPr>
+              <a:t>; </a:t>
+            </a:r>
+            <a:r>
+              <a:rPr kumimoji="0" lang="en-US" altLang="en-US" sz="1200" b="0" i="0" u="none" strike="noStrike" cap="none" normalizeH="0" baseline="0" dirty="0" err="1">
+                <a:ln>
+                  <a:noFill/>
+                </a:ln>
+                <a:solidFill>
+                  <a:srgbClr val="A9B7C6"/>
+                </a:solidFill>
+                <a:effectLst/>
+                <a:latin typeface="JetBrains Mono"/>
+              </a:rPr>
+              <a:t>i</a:t>
+            </a:r>
+            <a:r>
+              <a:rPr kumimoji="0" lang="en-US" altLang="en-US" sz="1200" b="0" i="0" u="none" strike="noStrike" cap="none" normalizeH="0" baseline="0" dirty="0">
+                <a:ln>
+                  <a:noFill/>
+                </a:ln>
+                <a:solidFill>
+                  <a:srgbClr val="A9B7C6"/>
+                </a:solidFill>
+                <a:effectLst/>
+                <a:latin typeface="JetBrains Mono"/>
+              </a:rPr>
+              <a:t>++) {</a:t>
+            </a:r>
+            <a:br>
+              <a:rPr kumimoji="0" lang="en-US" altLang="en-US" sz="1200" b="0" i="0" u="none" strike="noStrike" cap="none" normalizeH="0" baseline="0" dirty="0">
+                <a:ln>
+                  <a:noFill/>
+                </a:ln>
+                <a:solidFill>
+                  <a:srgbClr val="A9B7C6"/>
+                </a:solidFill>
+                <a:effectLst/>
+                <a:latin typeface="JetBrains Mono"/>
+              </a:rPr>
+            </a:br>
+            <a:r>
+              <a:rPr kumimoji="0" lang="en-US" altLang="en-US" sz="1200" b="0" i="0" u="none" strike="noStrike" cap="none" normalizeH="0" baseline="0" dirty="0">
+                <a:ln>
+                  <a:noFill/>
+                </a:ln>
+                <a:solidFill>
+                  <a:srgbClr val="A9B7C6"/>
+                </a:solidFill>
+                <a:effectLst/>
+                <a:latin typeface="JetBrains Mono"/>
+              </a:rPr>
+              <a:t>        sum = sum + </a:t>
+            </a:r>
+            <a:r>
+              <a:rPr kumimoji="0" lang="en-US" altLang="en-US" sz="1200" b="0" i="0" u="none" strike="noStrike" cap="none" normalizeH="0" baseline="0" dirty="0" err="1">
+                <a:ln>
+                  <a:noFill/>
+                </a:ln>
+                <a:solidFill>
+                  <a:srgbClr val="A9B7C6"/>
+                </a:solidFill>
+                <a:effectLst/>
+                <a:latin typeface="JetBrains Mono"/>
+              </a:rPr>
+              <a:t>i</a:t>
+            </a:r>
+            <a:r>
+              <a:rPr kumimoji="0" lang="en-US" altLang="en-US" sz="1200" b="0" i="0" u="none" strike="noStrike" cap="none" normalizeH="0" baseline="0" dirty="0">
+                <a:ln>
+                  <a:noFill/>
+                </a:ln>
+                <a:solidFill>
+                  <a:srgbClr val="CC7832"/>
+                </a:solidFill>
+                <a:effectLst/>
+                <a:latin typeface="JetBrains Mono"/>
+              </a:rPr>
+              <a:t>;</a:t>
+            </a:r>
+            <a:br>
+              <a:rPr kumimoji="0" lang="en-US" altLang="en-US" sz="1200" b="0" i="0" u="none" strike="noStrike" cap="none" normalizeH="0" baseline="0" dirty="0">
+                <a:ln>
+                  <a:noFill/>
+                </a:ln>
+                <a:solidFill>
+                  <a:srgbClr val="CC7832"/>
+                </a:solidFill>
+                <a:effectLst/>
+                <a:latin typeface="JetBrains Mono"/>
+              </a:rPr>
+            </a:br>
+            <a:r>
+              <a:rPr kumimoji="0" lang="en-US" altLang="en-US" sz="1200" b="0" i="0" u="none" strike="noStrike" cap="none" normalizeH="0" baseline="0" dirty="0">
+                <a:ln>
+                  <a:noFill/>
+                </a:ln>
+                <a:solidFill>
+                  <a:srgbClr val="CC7832"/>
+                </a:solidFill>
+                <a:effectLst/>
+                <a:latin typeface="JetBrains Mono"/>
+              </a:rPr>
+              <a:t>    </a:t>
+            </a:r>
+            <a:r>
+              <a:rPr kumimoji="0" lang="en-US" altLang="en-US" sz="1200" b="0" i="0" u="none" strike="noStrike" cap="none" normalizeH="0" baseline="0" dirty="0">
+                <a:ln>
+                  <a:noFill/>
+                </a:ln>
+                <a:solidFill>
+                  <a:srgbClr val="A9B7C6"/>
+                </a:solidFill>
+                <a:effectLst/>
+                <a:latin typeface="JetBrains Mono"/>
+              </a:rPr>
+              <a:t>}</a:t>
+            </a:r>
+            <a:br>
+              <a:rPr kumimoji="0" lang="en-US" altLang="en-US" sz="1200" b="0" i="0" u="none" strike="noStrike" cap="none" normalizeH="0" baseline="0" dirty="0">
+                <a:ln>
+                  <a:noFill/>
+                </a:ln>
+                <a:solidFill>
+                  <a:srgbClr val="A9B7C6"/>
+                </a:solidFill>
+                <a:effectLst/>
+                <a:latin typeface="JetBrains Mono"/>
+              </a:rPr>
+            </a:br>
+            <a:r>
+              <a:rPr kumimoji="0" lang="en-US" altLang="en-US" sz="1200" b="0" i="0" u="none" strike="noStrike" cap="none" normalizeH="0" baseline="0" dirty="0">
+                <a:ln>
+                  <a:noFill/>
+                </a:ln>
+                <a:solidFill>
+                  <a:srgbClr val="A9B7C6"/>
+                </a:solidFill>
+                <a:effectLst/>
+                <a:latin typeface="JetBrains Mono"/>
+              </a:rPr>
+              <a:t>    </a:t>
+            </a:r>
+            <a:r>
+              <a:rPr kumimoji="0" lang="en-US" altLang="en-US" sz="1200" b="0" i="0" u="none" strike="noStrike" cap="none" normalizeH="0" baseline="0" dirty="0">
+                <a:ln>
+                  <a:noFill/>
+                </a:ln>
+                <a:solidFill>
+                  <a:srgbClr val="CC7832"/>
+                </a:solidFill>
+                <a:effectLst/>
+                <a:latin typeface="JetBrains Mono"/>
+              </a:rPr>
+              <a:t>return </a:t>
+            </a:r>
+            <a:r>
+              <a:rPr kumimoji="0" lang="en-US" altLang="en-US" sz="1200" b="0" i="0" u="none" strike="noStrike" cap="none" normalizeH="0" baseline="0" dirty="0">
+                <a:ln>
+                  <a:noFill/>
+                </a:ln>
+                <a:solidFill>
+                  <a:srgbClr val="A9B7C6"/>
+                </a:solidFill>
+                <a:effectLst/>
+                <a:latin typeface="JetBrains Mono"/>
+              </a:rPr>
+              <a:t>sum</a:t>
+            </a:r>
+            <a:r>
+              <a:rPr kumimoji="0" lang="en-US" altLang="en-US" sz="1200" b="0" i="0" u="none" strike="noStrike" cap="none" normalizeH="0" baseline="0" dirty="0">
+                <a:ln>
+                  <a:noFill/>
+                </a:ln>
+                <a:solidFill>
+                  <a:srgbClr val="CC7832"/>
+                </a:solidFill>
+                <a:effectLst/>
+                <a:latin typeface="JetBrains Mono"/>
+              </a:rPr>
+              <a:t>;</a:t>
+            </a:r>
+            <a:br>
+              <a:rPr kumimoji="0" lang="en-US" altLang="en-US" sz="1200" b="0" i="0" u="none" strike="noStrike" cap="none" normalizeH="0" baseline="0" dirty="0">
+                <a:ln>
+                  <a:noFill/>
+                </a:ln>
+                <a:solidFill>
+                  <a:srgbClr val="CC7832"/>
+                </a:solidFill>
+                <a:effectLst/>
+                <a:latin typeface="JetBrains Mono"/>
+              </a:rPr>
+            </a:br>
+            <a:r>
+              <a:rPr kumimoji="0" lang="en-US" altLang="en-US" sz="1200" b="0" i="0" u="none" strike="noStrike" cap="none" normalizeH="0" baseline="0" dirty="0">
+                <a:ln>
+                  <a:noFill/>
+                </a:ln>
+                <a:solidFill>
+                  <a:srgbClr val="A9B7C6"/>
+                </a:solidFill>
+                <a:effectLst/>
+                <a:latin typeface="JetBrains Mono"/>
+              </a:rPr>
+              <a:t>}</a:t>
+            </a:r>
+            <a:endParaRPr kumimoji="0" lang="en-US" altLang="en-US" sz="1200" b="0" i="0" u="none" strike="noStrike" cap="none" normalizeH="0" baseline="0" dirty="0">
+              <a:ln>
+                <a:noFill/>
+              </a:ln>
+              <a:solidFill>
+                <a:schemeClr val="tx1"/>
+              </a:solidFill>
+              <a:effectLst/>
+              <a:latin typeface="Arial" panose="020B0604020202020204" pitchFamily="34" charset="0"/>
+            </a:endParaRPr>
+          </a:p>
+        </p:txBody>
+      </p:sp>
+      <p:pic>
+        <p:nvPicPr>
+          <p:cNvPr id="9" name="Picture 8">
+            <a:extLst>
+              <a:ext uri="{FF2B5EF4-FFF2-40B4-BE49-F238E27FC236}">
+                <a16:creationId xmlns:a16="http://schemas.microsoft.com/office/drawing/2014/main" id="{4D251059-C88B-2858-3D7D-C74670A41A63}"/>
+              </a:ext>
+            </a:extLst>
+          </p:cNvPr>
+          <p:cNvPicPr>
+            <a:picLocks noChangeAspect="1"/>
+          </p:cNvPicPr>
+          <p:nvPr/>
+        </p:nvPicPr>
+        <p:blipFill>
+          <a:blip r:embed="rId2"/>
+          <a:stretch>
+            <a:fillRect/>
+          </a:stretch>
+        </p:blipFill>
+        <p:spPr>
+          <a:xfrm>
+            <a:off x="8810285" y="3890624"/>
+            <a:ext cx="2953162" cy="2591162"/>
+          </a:xfrm>
+          <a:prstGeom prst="rect">
+            <a:avLst/>
+          </a:prstGeom>
+        </p:spPr>
+      </p:pic>
     </p:spTree>
     <p:extLst>
       <p:ext uri="{BB962C8B-B14F-4D97-AF65-F5344CB8AC3E}">
-        <p14:creationId xmlns:p14="http://schemas.microsoft.com/office/powerpoint/2010/main" val="722511487"/>
+        <p14:creationId xmlns:p14="http://schemas.microsoft.com/office/powerpoint/2010/main" val="1637394576"/>
       </p:ext>
     </p:extLst>
   </p:cSld>
@@ -5611,7 +4900,7 @@
 </p:sld>
 </file>
 
-<file path=ppt/slides/slide7.xml><?xml version="1.0" encoding="utf-8"?>
+<file path=ppt/slides/slide12.xml><?xml version="1.0" encoding="utf-8"?>
 <p:sld xmlns:a="http://schemas.openxmlformats.org/drawingml/2006/main" xmlns:r="http://schemas.openxmlformats.org/officeDocument/2006/relationships" xmlns:p="http://schemas.openxmlformats.org/presentationml/2006/main">
   <p:cSld>
     <p:spTree>
@@ -5678,7 +4967,7 @@
                 <a:cs typeface="Open Sans"/>
                 <a:sym typeface="Open Sans"/>
               </a:rPr>
-              <a:t>Asymptotic Analysis</a:t>
+              <a:t>Calculating Time Complexity of Polynomial Algorithm</a:t>
             </a:r>
             <a:endParaRPr sz="4000" b="1" dirty="0">
               <a:solidFill>
@@ -5694,10 +4983,10 @@
       </p:sp>
       <p:sp>
         <p:nvSpPr>
-          <p:cNvPr id="3" name="Google Shape;658;p77">
+          <p:cNvPr id="7" name="Google Shape;658;p77">
             <a:extLst>
               <a:ext uri="{FF2B5EF4-FFF2-40B4-BE49-F238E27FC236}">
-                <a16:creationId xmlns:a16="http://schemas.microsoft.com/office/drawing/2014/main" id="{23F8CA33-974D-A71D-AEB7-0DDBFA222275}"/>
+                <a16:creationId xmlns:a16="http://schemas.microsoft.com/office/drawing/2014/main" id="{110BD95E-159C-FB79-495D-C2A2FDFB752D}"/>
               </a:ext>
             </a:extLst>
           </p:cNvPr>
@@ -5708,8 +4997,8 @@
         </p:nvSpPr>
         <p:spPr>
           <a:xfrm>
-            <a:off x="692150" y="1514376"/>
-            <a:ext cx="10814050" cy="2677616"/>
+            <a:off x="1094349" y="4835983"/>
+            <a:ext cx="4707778" cy="461624"/>
           </a:xfrm>
           <a:prstGeom prst="rect">
             <a:avLst/>
@@ -5731,72 +5020,273 @@
               </a:lnSpc>
             </a:pPr>
             <a:r>
-              <a:rPr lang="en-GB" sz="1600" dirty="0">
-                <a:effectLst/>
+              <a:rPr lang="en-IN" sz="1600" dirty="0">
                 <a:latin typeface="Open Sans" panose="020B0606030504020204" pitchFamily="34" charset="0"/>
                 <a:ea typeface="Open Sans" panose="020B0606030504020204" pitchFamily="34" charset="0"/>
                 <a:cs typeface="Open Sans" panose="020B0606030504020204" pitchFamily="34" charset="0"/>
               </a:rPr>
-              <a:t>Asymptotic analysis of an algorithm refers to defining the mathematical foundation of its run-time performance. Using the asymptotic analysis, we can very well conclude the best case, average case and worst case scenario of an algorithm.</a:t>
-            </a:r>
-          </a:p>
+              <a:t>Time Complexity = O(n</a:t>
+            </a:r>
+            <a:r>
+              <a:rPr lang="en-IN" sz="1600" baseline="30000" dirty="0">
+                <a:latin typeface="Open Sans" panose="020B0606030504020204" pitchFamily="34" charset="0"/>
+                <a:ea typeface="Open Sans" panose="020B0606030504020204" pitchFamily="34" charset="0"/>
+                <a:cs typeface="Open Sans" panose="020B0606030504020204" pitchFamily="34" charset="0"/>
+              </a:rPr>
+              <a:t>2</a:t>
+            </a:r>
+            <a:r>
+              <a:rPr lang="en-IN" sz="1600" dirty="0">
+                <a:latin typeface="Open Sans" panose="020B0606030504020204" pitchFamily="34" charset="0"/>
+                <a:ea typeface="Open Sans" panose="020B0606030504020204" pitchFamily="34" charset="0"/>
+                <a:cs typeface="Open Sans" panose="020B0606030504020204" pitchFamily="34" charset="0"/>
+              </a:rPr>
+              <a:t>)</a:t>
+            </a:r>
+          </a:p>
+        </p:txBody>
+      </p:sp>
+      <p:sp>
+        <p:nvSpPr>
+          <p:cNvPr id="6" name="Google Shape;658;p77">
+            <a:extLst>
+              <a:ext uri="{FF2B5EF4-FFF2-40B4-BE49-F238E27FC236}">
+                <a16:creationId xmlns:a16="http://schemas.microsoft.com/office/drawing/2014/main" id="{E573696D-49DF-50BB-EEFA-21FA2631044C}"/>
+              </a:ext>
+            </a:extLst>
+          </p:cNvPr>
+          <p:cNvSpPr>
+            <a:spLocks/>
+          </p:cNvSpPr>
+          <p:nvPr/>
+        </p:nvSpPr>
+        <p:spPr>
+          <a:xfrm>
+            <a:off x="773468" y="4487822"/>
+            <a:ext cx="4707778" cy="369291"/>
+          </a:xfrm>
+          <a:prstGeom prst="rect">
+            <a:avLst/>
+          </a:prstGeom>
+          <a:noFill/>
+          <a:ln>
+            <a:noFill/>
+          </a:ln>
+        </p:spPr>
+        <p:txBody>
+          <a:bodyPr spcFirstLastPara="1" wrap="square" lIns="91425" tIns="45700" rIns="91425" bIns="45700" anchor="t" anchorCtr="0">
+            <a:spAutoFit/>
+          </a:bodyPr>
+          <a:lstStyle/>
+          <a:p>
+            <a:pPr marL="285750" indent="-285750">
+              <a:lnSpc>
+                <a:spcPct val="150000"/>
+              </a:lnSpc>
+              <a:buFont typeface="Wingdings" panose="05000000000000000000" pitchFamily="2" charset="2"/>
+              <a:buChar char="§"/>
+            </a:pPr>
+            <a:r>
+              <a:rPr lang="en-IN" sz="1200" dirty="0">
+                <a:latin typeface="Open Sans" panose="020B0606030504020204" pitchFamily="34" charset="0"/>
+                <a:ea typeface="Open Sans" panose="020B0606030504020204" pitchFamily="34" charset="0"/>
+                <a:cs typeface="Open Sans" panose="020B0606030504020204" pitchFamily="34" charset="0"/>
+              </a:rPr>
+              <a:t>T = 6n + 4 + 6</a:t>
+            </a:r>
+            <a:r>
+              <a:rPr lang="en-IN" sz="1200" baseline="30000" dirty="0">
+                <a:latin typeface="Open Sans" panose="020B0606030504020204" pitchFamily="34" charset="0"/>
+                <a:ea typeface="Open Sans" panose="020B0606030504020204" pitchFamily="34" charset="0"/>
+                <a:cs typeface="Open Sans" panose="020B0606030504020204" pitchFamily="34" charset="0"/>
+              </a:rPr>
+              <a:t>2 </a:t>
+            </a:r>
+            <a:r>
+              <a:rPr lang="en-IN" sz="1200" dirty="0">
+                <a:latin typeface="Open Sans" panose="020B0606030504020204" pitchFamily="34" charset="0"/>
+                <a:ea typeface="Open Sans" panose="020B0606030504020204" pitchFamily="34" charset="0"/>
+                <a:cs typeface="Open Sans" panose="020B0606030504020204" pitchFamily="34" charset="0"/>
+              </a:rPr>
+              <a:t>+ 4n + 3n</a:t>
+            </a:r>
+            <a:r>
+              <a:rPr lang="en-IN" sz="1200" baseline="30000" dirty="0">
+                <a:latin typeface="Open Sans" panose="020B0606030504020204" pitchFamily="34" charset="0"/>
+                <a:ea typeface="Open Sans" panose="020B0606030504020204" pitchFamily="34" charset="0"/>
+                <a:cs typeface="Open Sans" panose="020B0606030504020204" pitchFamily="34" charset="0"/>
+              </a:rPr>
+              <a:t>2 </a:t>
+            </a:r>
+            <a:r>
+              <a:rPr lang="en-IN" sz="1200" dirty="0">
+                <a:latin typeface="Open Sans" panose="020B0606030504020204" pitchFamily="34" charset="0"/>
+                <a:ea typeface="Open Sans" panose="020B0606030504020204" pitchFamily="34" charset="0"/>
+                <a:cs typeface="Open Sans" panose="020B0606030504020204" pitchFamily="34" charset="0"/>
+              </a:rPr>
+              <a:t>+ n + 1</a:t>
+            </a:r>
+            <a:endParaRPr lang="en-IN" sz="1200" baseline="30000" dirty="0">
+              <a:latin typeface="Open Sans" panose="020B0606030504020204" pitchFamily="34" charset="0"/>
+              <a:ea typeface="Open Sans" panose="020B0606030504020204" pitchFamily="34" charset="0"/>
+              <a:cs typeface="Open Sans" panose="020B0606030504020204" pitchFamily="34" charset="0"/>
+            </a:endParaRPr>
+          </a:p>
+        </p:txBody>
+      </p:sp>
+      <p:pic>
+        <p:nvPicPr>
+          <p:cNvPr id="8" name="Picture 7">
+            <a:extLst>
+              <a:ext uri="{FF2B5EF4-FFF2-40B4-BE49-F238E27FC236}">
+                <a16:creationId xmlns:a16="http://schemas.microsoft.com/office/drawing/2014/main" id="{E166E209-EEBD-C32A-672B-2A64B1E2B0E3}"/>
+              </a:ext>
+            </a:extLst>
+          </p:cNvPr>
+          <p:cNvPicPr>
+            <a:picLocks noChangeAspect="1"/>
+          </p:cNvPicPr>
+          <p:nvPr/>
+        </p:nvPicPr>
+        <p:blipFill>
+          <a:blip r:embed="rId2"/>
+          <a:stretch>
+            <a:fillRect/>
+          </a:stretch>
+        </p:blipFill>
+        <p:spPr>
+          <a:xfrm>
+            <a:off x="773468" y="1832131"/>
+            <a:ext cx="4551567" cy="2446009"/>
+          </a:xfrm>
+          <a:prstGeom prst="rect">
+            <a:avLst/>
+          </a:prstGeom>
+        </p:spPr>
+      </p:pic>
+      <p:pic>
+        <p:nvPicPr>
+          <p:cNvPr id="11" name="Picture 10">
+            <a:extLst>
+              <a:ext uri="{FF2B5EF4-FFF2-40B4-BE49-F238E27FC236}">
+                <a16:creationId xmlns:a16="http://schemas.microsoft.com/office/drawing/2014/main" id="{A2A630DB-D139-CF0E-4DF0-2632718CBD69}"/>
+              </a:ext>
+            </a:extLst>
+          </p:cNvPr>
+          <p:cNvPicPr>
+            <a:picLocks noChangeAspect="1"/>
+          </p:cNvPicPr>
+          <p:nvPr/>
+        </p:nvPicPr>
+        <p:blipFill>
+          <a:blip r:embed="rId3"/>
+          <a:stretch>
+            <a:fillRect/>
+          </a:stretch>
+        </p:blipFill>
+        <p:spPr>
+          <a:xfrm>
+            <a:off x="6997747" y="1832131"/>
+            <a:ext cx="4099904" cy="2237376"/>
+          </a:xfrm>
+          <a:prstGeom prst="rect">
+            <a:avLst/>
+          </a:prstGeom>
+        </p:spPr>
+      </p:pic>
+      <p:pic>
+        <p:nvPicPr>
+          <p:cNvPr id="13" name="Picture 12">
+            <a:extLst>
+              <a:ext uri="{FF2B5EF4-FFF2-40B4-BE49-F238E27FC236}">
+                <a16:creationId xmlns:a16="http://schemas.microsoft.com/office/drawing/2014/main" id="{9FFEDD49-A811-FAB4-0F86-A9A715068D54}"/>
+              </a:ext>
+            </a:extLst>
+          </p:cNvPr>
+          <p:cNvPicPr>
+            <a:picLocks noChangeAspect="1"/>
+          </p:cNvPicPr>
+          <p:nvPr/>
+        </p:nvPicPr>
+        <p:blipFill>
+          <a:blip r:embed="rId4"/>
+          <a:stretch>
+            <a:fillRect/>
+          </a:stretch>
+        </p:blipFill>
+        <p:spPr>
+          <a:xfrm>
+            <a:off x="8812974" y="4287341"/>
+            <a:ext cx="2284677" cy="2026493"/>
+          </a:xfrm>
+          <a:prstGeom prst="rect">
+            <a:avLst/>
+          </a:prstGeom>
+        </p:spPr>
+      </p:pic>
+      <p:sp>
+        <p:nvSpPr>
+          <p:cNvPr id="16" name="Google Shape;658;p77">
+            <a:extLst>
+              <a:ext uri="{FF2B5EF4-FFF2-40B4-BE49-F238E27FC236}">
+                <a16:creationId xmlns:a16="http://schemas.microsoft.com/office/drawing/2014/main" id="{5BDF1D61-6A86-D5E6-0248-40986B07CD99}"/>
+              </a:ext>
+            </a:extLst>
+          </p:cNvPr>
+          <p:cNvSpPr>
+            <a:spLocks/>
+          </p:cNvSpPr>
+          <p:nvPr/>
+        </p:nvSpPr>
+        <p:spPr>
+          <a:xfrm>
+            <a:off x="773468" y="5512760"/>
+            <a:ext cx="7707144" cy="646290"/>
+          </a:xfrm>
+          <a:prstGeom prst="rect">
+            <a:avLst/>
+          </a:prstGeom>
+          <a:noFill/>
+          <a:ln>
+            <a:noFill/>
+          </a:ln>
+        </p:spPr>
+        <p:txBody>
+          <a:bodyPr spcFirstLastPara="1" wrap="square" lIns="91425" tIns="45700" rIns="91425" bIns="45700" anchor="t" anchorCtr="0">
+            <a:spAutoFit/>
+          </a:bodyPr>
+          <a:lstStyle/>
           <a:p>
             <a:pPr>
               <a:lnSpc>
                 <a:spcPct val="150000"/>
               </a:lnSpc>
             </a:pPr>
-            <a:endParaRPr lang="en-GB" sz="1600" dirty="0">
-              <a:latin typeface="Open Sans" panose="020B0606030504020204" pitchFamily="34" charset="0"/>
-              <a:ea typeface="Open Sans" panose="020B0606030504020204" pitchFamily="34" charset="0"/>
-              <a:cs typeface="Open Sans" panose="020B0606030504020204" pitchFamily="34" charset="0"/>
-            </a:endParaRPr>
-          </a:p>
-          <a:p>
-            <a:pPr>
-              <a:lnSpc>
-                <a:spcPct val="150000"/>
-              </a:lnSpc>
-            </a:pPr>
-            <a:r>
-              <a:rPr lang="en-GB" sz="1600" dirty="0">
-                <a:effectLst/>
+            <a:r>
+              <a:rPr lang="en-IN" sz="1200" dirty="0">
                 <a:latin typeface="Open Sans" panose="020B0606030504020204" pitchFamily="34" charset="0"/>
                 <a:ea typeface="Open Sans" panose="020B0606030504020204" pitchFamily="34" charset="0"/>
                 <a:cs typeface="Open Sans" panose="020B0606030504020204" pitchFamily="34" charset="0"/>
               </a:rPr>
-              <a:t>Using asymptotic analysis we don’t measure actual running time of algorithm.</a:t>
-            </a:r>
-          </a:p>
-          <a:p>
-            <a:pPr>
-              <a:lnSpc>
-                <a:spcPct val="150000"/>
-              </a:lnSpc>
-            </a:pPr>
-            <a:endParaRPr lang="en-GB" sz="1600" dirty="0">
-              <a:effectLst/>
-              <a:latin typeface="Open Sans" panose="020B0606030504020204" pitchFamily="34" charset="0"/>
-              <a:ea typeface="Open Sans" panose="020B0606030504020204" pitchFamily="34" charset="0"/>
-              <a:cs typeface="Open Sans" panose="020B0606030504020204" pitchFamily="34" charset="0"/>
-            </a:endParaRPr>
-          </a:p>
-          <a:p>
-            <a:pPr>
-              <a:lnSpc>
-                <a:spcPct val="150000"/>
-              </a:lnSpc>
-            </a:pPr>
-            <a:r>
-              <a:rPr lang="en-GB" sz="1600" dirty="0">
+              <a:t>If there are 3 nested for loop time complexity will be O(n</a:t>
+            </a:r>
+            <a:r>
+              <a:rPr lang="en-IN" sz="1200" baseline="30000" dirty="0">
                 <a:latin typeface="Open Sans" panose="020B0606030504020204" pitchFamily="34" charset="0"/>
                 <a:ea typeface="Open Sans" panose="020B0606030504020204" pitchFamily="34" charset="0"/>
                 <a:cs typeface="Open Sans" panose="020B0606030504020204" pitchFamily="34" charset="0"/>
               </a:rPr>
-              <a:t>It helps in determining how time and space taken by algorithm increases with input size</a:t>
-            </a:r>
-            <a:endParaRPr lang="en-GB" sz="1600" dirty="0">
-              <a:effectLst/>
+              <a:t>3</a:t>
+            </a:r>
+            <a:r>
+              <a:rPr lang="en-IN" sz="1200" dirty="0">
+                <a:latin typeface="Open Sans" panose="020B0606030504020204" pitchFamily="34" charset="0"/>
+                <a:ea typeface="Open Sans" panose="020B0606030504020204" pitchFamily="34" charset="0"/>
+                <a:cs typeface="Open Sans" panose="020B0606030504020204" pitchFamily="34" charset="0"/>
+              </a:rPr>
+              <a:t>), so which means the order of n will increase as you add nested loops </a:t>
+            </a:r>
+            <a:endParaRPr lang="en-IN" sz="1200" baseline="30000" dirty="0">
               <a:latin typeface="Open Sans" panose="020B0606030504020204" pitchFamily="34" charset="0"/>
               <a:ea typeface="Open Sans" panose="020B0606030504020204" pitchFamily="34" charset="0"/>
               <a:cs typeface="Open Sans" panose="020B0606030504020204" pitchFamily="34" charset="0"/>
@@ -5807,7 +5297,7 @@
     </p:spTree>
     <p:extLst>
       <p:ext uri="{BB962C8B-B14F-4D97-AF65-F5344CB8AC3E}">
-        <p14:creationId xmlns:p14="http://schemas.microsoft.com/office/powerpoint/2010/main" val="4285535687"/>
+        <p14:creationId xmlns:p14="http://schemas.microsoft.com/office/powerpoint/2010/main" val="2457799843"/>
       </p:ext>
     </p:extLst>
   </p:cSld>
@@ -5817,7 +5307,7 @@
 </p:sld>
 </file>
 
-<file path=ppt/slides/slide8.xml><?xml version="1.0" encoding="utf-8"?>
+<file path=ppt/slides/slide13.xml><?xml version="1.0" encoding="utf-8"?>
 <p:sld xmlns:a="http://schemas.openxmlformats.org/drawingml/2006/main" xmlns:r="http://schemas.openxmlformats.org/officeDocument/2006/relationships" xmlns:p="http://schemas.openxmlformats.org/presentationml/2006/main">
   <p:cSld>
     <p:spTree>
@@ -5884,7 +5374,7 @@
                 <a:cs typeface="Open Sans"/>
                 <a:sym typeface="Open Sans"/>
               </a:rPr>
-              <a:t>Asymptotic Notations</a:t>
+              <a:t>How to measure the code using Big O</a:t>
             </a:r>
             <a:endParaRPr sz="4000" b="1" dirty="0">
               <a:solidFill>
@@ -5898,12 +5388,444 @@
           </a:p>
         </p:txBody>
       </p:sp>
+      <p:graphicFrame>
+        <p:nvGraphicFramePr>
+          <p:cNvPr id="3" name="Table 3">
+            <a:extLst>
+              <a:ext uri="{FF2B5EF4-FFF2-40B4-BE49-F238E27FC236}">
+                <a16:creationId xmlns:a16="http://schemas.microsoft.com/office/drawing/2014/main" id="{F5B78073-2A47-3BBC-3B9D-CC185A540C83}"/>
+              </a:ext>
+            </a:extLst>
+          </p:cNvPr>
+          <p:cNvGraphicFramePr>
+            <a:graphicFrameLocks noGrp="1"/>
+          </p:cNvGraphicFramePr>
+          <p:nvPr>
+            <p:extLst>
+              <p:ext uri="{D42A27DB-BD31-4B8C-83A1-F6EECF244321}">
+                <p14:modId xmlns:p14="http://schemas.microsoft.com/office/powerpoint/2010/main" val="221270231"/>
+              </p:ext>
+            </p:extLst>
+          </p:nvPr>
+        </p:nvGraphicFramePr>
+        <p:xfrm>
+          <a:off x="692150" y="1876114"/>
+          <a:ext cx="10814049" cy="2494280"/>
+        </p:xfrm>
+        <a:graphic>
+          <a:graphicData uri="http://schemas.openxmlformats.org/drawingml/2006/table">
+            <a:tbl>
+              <a:tblPr firstRow="1" bandRow="1">
+                <a:tableStyleId>{5C22544A-7EE6-4342-B048-85BDC9FD1C3A}</a:tableStyleId>
+              </a:tblPr>
+              <a:tblGrid>
+                <a:gridCol w="867709">
+                  <a:extLst>
+                    <a:ext uri="{9D8B030D-6E8A-4147-A177-3AD203B41FA5}">
+                      <a16:colId xmlns:a16="http://schemas.microsoft.com/office/drawing/2014/main" val="183320486"/>
+                    </a:ext>
+                  </a:extLst>
+                </a:gridCol>
+                <a:gridCol w="7745506">
+                  <a:extLst>
+                    <a:ext uri="{9D8B030D-6E8A-4147-A177-3AD203B41FA5}">
+                      <a16:colId xmlns:a16="http://schemas.microsoft.com/office/drawing/2014/main" val="1721476332"/>
+                    </a:ext>
+                  </a:extLst>
+                </a:gridCol>
+                <a:gridCol w="2200834">
+                  <a:extLst>
+                    <a:ext uri="{9D8B030D-6E8A-4147-A177-3AD203B41FA5}">
+                      <a16:colId xmlns:a16="http://schemas.microsoft.com/office/drawing/2014/main" val="124559898"/>
+                    </a:ext>
+                  </a:extLst>
+                </a:gridCol>
+              </a:tblGrid>
+              <a:tr h="370840">
+                <a:tc>
+                  <a:txBody>
+                    <a:bodyPr/>
+                    <a:lstStyle/>
+                    <a:p>
+                      <a:r>
+                        <a:rPr lang="en-IN" dirty="0"/>
+                        <a:t>No</a:t>
+                      </a:r>
+                    </a:p>
+                  </a:txBody>
+                  <a:tcPr/>
+                </a:tc>
+                <a:tc>
+                  <a:txBody>
+                    <a:bodyPr/>
+                    <a:lstStyle/>
+                    <a:p>
+                      <a:r>
+                        <a:rPr lang="en-IN" dirty="0"/>
+                        <a:t>Description</a:t>
+                      </a:r>
+                    </a:p>
+                  </a:txBody>
+                  <a:tcPr/>
+                </a:tc>
+                <a:tc>
+                  <a:txBody>
+                    <a:bodyPr/>
+                    <a:lstStyle/>
+                    <a:p>
+                      <a:r>
+                        <a:rPr lang="en-IN" dirty="0"/>
+                        <a:t>Complexity</a:t>
+                      </a:r>
+                    </a:p>
+                  </a:txBody>
+                  <a:tcPr/>
+                </a:tc>
+                <a:extLst>
+                  <a:ext uri="{0D108BD9-81ED-4DB2-BD59-A6C34878D82A}">
+                    <a16:rowId xmlns:a16="http://schemas.microsoft.com/office/drawing/2014/main" val="1439397071"/>
+                  </a:ext>
+                </a:extLst>
+              </a:tr>
+              <a:tr h="370840">
+                <a:tc>
+                  <a:txBody>
+                    <a:bodyPr/>
+                    <a:lstStyle/>
+                    <a:p>
+                      <a:r>
+                        <a:rPr lang="en-IN" dirty="0"/>
+                        <a:t>Rule 1</a:t>
+                      </a:r>
+                    </a:p>
+                  </a:txBody>
+                  <a:tcPr/>
+                </a:tc>
+                <a:tc>
+                  <a:txBody>
+                    <a:bodyPr/>
+                    <a:lstStyle/>
+                    <a:p>
+                      <a:r>
+                        <a:rPr lang="en-IN" dirty="0"/>
+                        <a:t>Any assignment statement and if statements that are executed once regardless of the size of the problem</a:t>
+                      </a:r>
+                    </a:p>
+                  </a:txBody>
+                  <a:tcPr/>
+                </a:tc>
+                <a:tc>
+                  <a:txBody>
+                    <a:bodyPr/>
+                    <a:lstStyle/>
+                    <a:p>
+                      <a:r>
+                        <a:rPr lang="en-IN" dirty="0"/>
+                        <a:t>O(1)</a:t>
+                      </a:r>
+                    </a:p>
+                  </a:txBody>
+                  <a:tcPr/>
+                </a:tc>
+                <a:extLst>
+                  <a:ext uri="{0D108BD9-81ED-4DB2-BD59-A6C34878D82A}">
+                    <a16:rowId xmlns:a16="http://schemas.microsoft.com/office/drawing/2014/main" val="4118921217"/>
+                  </a:ext>
+                </a:extLst>
+              </a:tr>
+              <a:tr h="370840">
+                <a:tc>
+                  <a:txBody>
+                    <a:bodyPr/>
+                    <a:lstStyle/>
+                    <a:p>
+                      <a:r>
+                        <a:rPr lang="en-IN" dirty="0"/>
+                        <a:t>Rule 2</a:t>
+                      </a:r>
+                    </a:p>
+                  </a:txBody>
+                  <a:tcPr/>
+                </a:tc>
+                <a:tc>
+                  <a:txBody>
+                    <a:bodyPr/>
+                    <a:lstStyle/>
+                    <a:p>
+                      <a:r>
+                        <a:rPr lang="en-IN" dirty="0"/>
+                        <a:t>A simple “for” loop from 0 to n (with no internal loops)</a:t>
+                      </a:r>
+                    </a:p>
+                  </a:txBody>
+                  <a:tcPr/>
+                </a:tc>
+                <a:tc>
+                  <a:txBody>
+                    <a:bodyPr/>
+                    <a:lstStyle/>
+                    <a:p>
+                      <a:r>
+                        <a:rPr lang="en-IN" dirty="0"/>
+                        <a:t>O(n)</a:t>
+                      </a:r>
+                    </a:p>
+                  </a:txBody>
+                  <a:tcPr/>
+                </a:tc>
+                <a:extLst>
+                  <a:ext uri="{0D108BD9-81ED-4DB2-BD59-A6C34878D82A}">
+                    <a16:rowId xmlns:a16="http://schemas.microsoft.com/office/drawing/2014/main" val="2807799783"/>
+                  </a:ext>
+                </a:extLst>
+              </a:tr>
+              <a:tr h="370840">
+                <a:tc>
+                  <a:txBody>
+                    <a:bodyPr/>
+                    <a:lstStyle/>
+                    <a:p>
+                      <a:r>
+                        <a:rPr lang="en-IN" dirty="0"/>
+                        <a:t>Rule 3</a:t>
+                      </a:r>
+                    </a:p>
+                  </a:txBody>
+                  <a:tcPr/>
+                </a:tc>
+                <a:tc>
+                  <a:txBody>
+                    <a:bodyPr/>
+                    <a:lstStyle/>
+                    <a:p>
+                      <a:r>
+                        <a:rPr lang="en-IN" dirty="0"/>
+                        <a:t>A nested loop of the same type takes quadratic time complexity</a:t>
+                      </a:r>
+                    </a:p>
+                  </a:txBody>
+                  <a:tcPr/>
+                </a:tc>
+                <a:tc>
+                  <a:txBody>
+                    <a:bodyPr/>
+                    <a:lstStyle/>
+                    <a:p>
+                      <a:r>
+                        <a:rPr lang="en-IN" dirty="0"/>
+                        <a:t>O(n</a:t>
+                      </a:r>
+                      <a:r>
+                        <a:rPr lang="en-IN" baseline="30000" dirty="0"/>
+                        <a:t>2</a:t>
+                      </a:r>
+                      <a:r>
+                        <a:rPr lang="en-IN" dirty="0"/>
+                        <a:t>)</a:t>
+                      </a:r>
+                    </a:p>
+                  </a:txBody>
+                  <a:tcPr/>
+                </a:tc>
+                <a:extLst>
+                  <a:ext uri="{0D108BD9-81ED-4DB2-BD59-A6C34878D82A}">
+                    <a16:rowId xmlns:a16="http://schemas.microsoft.com/office/drawing/2014/main" val="1289167844"/>
+                  </a:ext>
+                </a:extLst>
+              </a:tr>
+              <a:tr h="370840">
+                <a:tc>
+                  <a:txBody>
+                    <a:bodyPr/>
+                    <a:lstStyle/>
+                    <a:p>
+                      <a:r>
+                        <a:rPr lang="en-IN" dirty="0"/>
+                        <a:t>Rule 4</a:t>
+                      </a:r>
+                    </a:p>
+                  </a:txBody>
+                  <a:tcPr/>
+                </a:tc>
+                <a:tc>
+                  <a:txBody>
+                    <a:bodyPr/>
+                    <a:lstStyle/>
+                    <a:p>
+                      <a:r>
+                        <a:rPr lang="en-IN" dirty="0"/>
+                        <a:t>A loop in which the controlling parameter is divided by two at each step</a:t>
+                      </a:r>
+                    </a:p>
+                  </a:txBody>
+                  <a:tcPr/>
+                </a:tc>
+                <a:tc>
+                  <a:txBody>
+                    <a:bodyPr/>
+                    <a:lstStyle/>
+                    <a:p>
+                      <a:r>
+                        <a:rPr lang="en-IN" dirty="0"/>
+                        <a:t>O(log n)</a:t>
+                      </a:r>
+                    </a:p>
+                  </a:txBody>
+                  <a:tcPr/>
+                </a:tc>
+                <a:extLst>
+                  <a:ext uri="{0D108BD9-81ED-4DB2-BD59-A6C34878D82A}">
+                    <a16:rowId xmlns:a16="http://schemas.microsoft.com/office/drawing/2014/main" val="2763044297"/>
+                  </a:ext>
+                </a:extLst>
+              </a:tr>
+              <a:tr h="370840">
+                <a:tc>
+                  <a:txBody>
+                    <a:bodyPr/>
+                    <a:lstStyle/>
+                    <a:p>
+                      <a:r>
+                        <a:rPr lang="en-IN" dirty="0"/>
+                        <a:t>Rule 5</a:t>
+                      </a:r>
+                    </a:p>
+                  </a:txBody>
+                  <a:tcPr/>
+                </a:tc>
+                <a:tc>
+                  <a:txBody>
+                    <a:bodyPr/>
+                    <a:lstStyle/>
+                    <a:p>
+                      <a:r>
+                        <a:rPr lang="en-IN" dirty="0"/>
+                        <a:t>When dealing with multiple statement just add them up</a:t>
+                      </a:r>
+                    </a:p>
+                  </a:txBody>
+                  <a:tcPr/>
+                </a:tc>
+                <a:tc>
+                  <a:txBody>
+                    <a:bodyPr/>
+                    <a:lstStyle/>
+                    <a:p>
+                      <a:endParaRPr lang="en-IN" dirty="0"/>
+                    </a:p>
+                  </a:txBody>
+                  <a:tcPr/>
+                </a:tc>
+                <a:extLst>
+                  <a:ext uri="{0D108BD9-81ED-4DB2-BD59-A6C34878D82A}">
+                    <a16:rowId xmlns:a16="http://schemas.microsoft.com/office/drawing/2014/main" val="1734609023"/>
+                  </a:ext>
+                </a:extLst>
+              </a:tr>
+            </a:tbl>
+          </a:graphicData>
+        </a:graphic>
+      </p:graphicFrame>
+    </p:spTree>
+    <p:extLst>
+      <p:ext uri="{BB962C8B-B14F-4D97-AF65-F5344CB8AC3E}">
+        <p14:creationId xmlns:p14="http://schemas.microsoft.com/office/powerpoint/2010/main" val="3421138693"/>
+      </p:ext>
+    </p:extLst>
+  </p:cSld>
+  <p:clrMapOvr>
+    <a:masterClrMapping/>
+  </p:clrMapOvr>
+</p:sld>
+</file>
+
+<file path=ppt/slides/slide14.xml><?xml version="1.0" encoding="utf-8"?>
+<p:sld xmlns:a="http://schemas.openxmlformats.org/drawingml/2006/main" xmlns:r="http://schemas.openxmlformats.org/officeDocument/2006/relationships" xmlns:p="http://schemas.openxmlformats.org/presentationml/2006/main">
+  <p:cSld>
+    <p:spTree>
+      <p:nvGrpSpPr>
+        <p:cNvPr id="1" name=""/>
+        <p:cNvGrpSpPr/>
+        <p:nvPr/>
+      </p:nvGrpSpPr>
+      <p:grpSpPr>
+        <a:xfrm>
+          <a:off x="0" y="0"/>
+          <a:ext cx="0" cy="0"/>
+          <a:chOff x="0" y="0"/>
+          <a:chExt cx="0" cy="0"/>
+        </a:xfrm>
+      </p:grpSpPr>
+      <p:sp>
+        <p:nvSpPr>
+          <p:cNvPr id="2" name="Google Shape;656;p77">
+            <a:extLst>
+              <a:ext uri="{FF2B5EF4-FFF2-40B4-BE49-F238E27FC236}">
+                <a16:creationId xmlns:a16="http://schemas.microsoft.com/office/drawing/2014/main" id="{AFA70A70-8598-E7D5-5735-0226644C3173}"/>
+              </a:ext>
+            </a:extLst>
+          </p:cNvPr>
+          <p:cNvSpPr txBox="1"/>
+          <p:nvPr/>
+        </p:nvSpPr>
+        <p:spPr>
+          <a:xfrm>
+            <a:off x="692150" y="452918"/>
+            <a:ext cx="10814050" cy="707886"/>
+          </a:xfrm>
+          <a:prstGeom prst="rect">
+            <a:avLst/>
+          </a:prstGeom>
+          <a:noFill/>
+          <a:ln>
+            <a:noFill/>
+          </a:ln>
+        </p:spPr>
+        <p:txBody>
+          <a:bodyPr spcFirstLastPara="1" wrap="square" lIns="91425" tIns="45700" rIns="91425" bIns="45700" anchor="t" anchorCtr="0">
+            <a:noAutofit/>
+          </a:bodyPr>
+          <a:lstStyle/>
+          <a:p>
+            <a:pPr marL="0" marR="0" lvl="0" indent="0" algn="l" rtl="0">
+              <a:spcBef>
+                <a:spcPts val="0"/>
+              </a:spcBef>
+              <a:spcAft>
+                <a:spcPts val="0"/>
+              </a:spcAft>
+              <a:buNone/>
+            </a:pPr>
+            <a:r>
+              <a:rPr lang="en-IN" sz="4000" b="1" dirty="0">
+                <a:solidFill>
+                  <a:schemeClr val="accent1"/>
+                </a:solidFill>
+                <a:latin typeface="Open Sans"/>
+                <a:ea typeface="Open Sans"/>
+                <a:cs typeface="Open Sans"/>
+                <a:sym typeface="Open Sans"/>
+              </a:rPr>
+              <a:t>Array List</a:t>
+            </a:r>
+            <a:endParaRPr sz="4000" b="1" dirty="0">
+              <a:solidFill>
+                <a:schemeClr val="accent1"/>
+              </a:solidFill>
+              <a:latin typeface="Open Sans"/>
+              <a:ea typeface="Open Sans"/>
+              <a:cs typeface="Open Sans"/>
+              <a:sym typeface="Open Sans"/>
+            </a:endParaRPr>
+          </a:p>
+        </p:txBody>
+      </p:sp>
       <p:sp>
         <p:nvSpPr>
           <p:cNvPr id="3" name="Google Shape;658;p77">
             <a:extLst>
               <a:ext uri="{FF2B5EF4-FFF2-40B4-BE49-F238E27FC236}">
-                <a16:creationId xmlns:a16="http://schemas.microsoft.com/office/drawing/2014/main" id="{23F8CA33-974D-A71D-AEB7-0DDBFA222275}"/>
+                <a16:creationId xmlns:a16="http://schemas.microsoft.com/office/drawing/2014/main" id="{72ACF331-B4E1-37FF-1D9D-34F263F6F157}"/>
               </a:ext>
             </a:extLst>
           </p:cNvPr>
@@ -5915,7 +5837,7 @@
         <p:spPr>
           <a:xfrm>
             <a:off x="692150" y="1514376"/>
-            <a:ext cx="10814050" cy="3046948"/>
+            <a:ext cx="10814050" cy="2585283"/>
           </a:xfrm>
           <a:prstGeom prst="rect">
             <a:avLst/>
@@ -5931,50 +5853,6 @@
           </a:bodyPr>
           <a:lstStyle/>
           <a:p>
-            <a:pPr>
-              <a:lnSpc>
-                <a:spcPct val="150000"/>
-              </a:lnSpc>
-            </a:pPr>
-            <a:r>
-              <a:rPr lang="en-GB" sz="1600" dirty="0">
-                <a:effectLst/>
-                <a:latin typeface="Open Sans" panose="020B0606030504020204" pitchFamily="34" charset="0"/>
-                <a:ea typeface="Open Sans" panose="020B0606030504020204" pitchFamily="34" charset="0"/>
-                <a:cs typeface="Open Sans" panose="020B0606030504020204" pitchFamily="34" charset="0"/>
-              </a:rPr>
-              <a:t>Asymptotic notations are the mathematical tools used to describe the running time of an algorithm in terms of input size .</a:t>
-            </a:r>
-          </a:p>
-          <a:p>
-            <a:pPr>
-              <a:lnSpc>
-                <a:spcPct val="150000"/>
-              </a:lnSpc>
-            </a:pPr>
-            <a:endParaRPr lang="en-GB" sz="1600" dirty="0">
-              <a:latin typeface="Open Sans" panose="020B0606030504020204" pitchFamily="34" charset="0"/>
-              <a:ea typeface="Open Sans" panose="020B0606030504020204" pitchFamily="34" charset="0"/>
-              <a:cs typeface="Open Sans" panose="020B0606030504020204" pitchFamily="34" charset="0"/>
-            </a:endParaRPr>
-          </a:p>
-          <a:p>
-            <a:pPr>
-              <a:lnSpc>
-                <a:spcPct val="150000"/>
-              </a:lnSpc>
-            </a:pPr>
-            <a:r>
-              <a:rPr lang="en-GB" sz="1600" dirty="0">
-                <a:effectLst/>
-                <a:latin typeface="Open Sans" panose="020B0606030504020204" pitchFamily="34" charset="0"/>
-                <a:ea typeface="Open Sans" panose="020B0606030504020204" pitchFamily="34" charset="0"/>
-                <a:cs typeface="Open Sans" panose="020B0606030504020204" pitchFamily="34" charset="0"/>
-              </a:rPr>
-              <a:t>Asymptotic notations help us in determining </a:t>
-            </a:r>
-          </a:p>
-          <a:p>
             <a:pPr marL="285750" indent="-285750">
               <a:lnSpc>
                 <a:spcPct val="150000"/>
@@ -5983,44 +5861,12 @@
               <a:buChar char="§"/>
             </a:pPr>
             <a:r>
-              <a:rPr lang="en-GB" sz="1600" dirty="0">
+              <a:rPr lang="en-IN" sz="1200" dirty="0">
                 <a:latin typeface="Open Sans" panose="020B0606030504020204" pitchFamily="34" charset="0"/>
                 <a:ea typeface="Open Sans" panose="020B0606030504020204" pitchFamily="34" charset="0"/>
                 <a:cs typeface="Open Sans" panose="020B0606030504020204" pitchFamily="34" charset="0"/>
               </a:rPr>
-              <a:t>Best case – Omega </a:t>
-            </a:r>
-            <a:r>
-              <a:rPr lang="el-GR" sz="1600" dirty="0">
-                <a:latin typeface="Open Sans" panose="020B0606030504020204" pitchFamily="34" charset="0"/>
-                <a:ea typeface="Open Sans" panose="020B0606030504020204" pitchFamily="34" charset="0"/>
-                <a:cs typeface="Open Sans" panose="020B0606030504020204" pitchFamily="34" charset="0"/>
-              </a:rPr>
-              <a:t>Ω</a:t>
-            </a:r>
-            <a:r>
-              <a:rPr lang="en-GB" sz="1600" dirty="0">
-                <a:latin typeface="Open Sans" panose="020B0606030504020204" pitchFamily="34" charset="0"/>
-                <a:ea typeface="Open Sans" panose="020B0606030504020204" pitchFamily="34" charset="0"/>
-                <a:cs typeface="Open Sans" panose="020B0606030504020204" pitchFamily="34" charset="0"/>
-              </a:rPr>
-              <a:t>, lower bound of algorithm’s running time, </a:t>
-            </a:r>
-            <a:r>
-              <a:rPr lang="en-GB" sz="1600" dirty="0" err="1">
-                <a:latin typeface="Open Sans" panose="020B0606030504020204" pitchFamily="34" charset="0"/>
-                <a:ea typeface="Open Sans" panose="020B0606030504020204" pitchFamily="34" charset="0"/>
-                <a:cs typeface="Open Sans" panose="020B0606030504020204" pitchFamily="34" charset="0"/>
-              </a:rPr>
-              <a:t>i.e</a:t>
-            </a:r>
-            <a:r>
-              <a:rPr lang="en-GB" sz="1600" dirty="0">
-                <a:latin typeface="Open Sans" panose="020B0606030504020204" pitchFamily="34" charset="0"/>
-                <a:ea typeface="Open Sans" panose="020B0606030504020204" pitchFamily="34" charset="0"/>
-                <a:cs typeface="Open Sans" panose="020B0606030504020204" pitchFamily="34" charset="0"/>
-              </a:rPr>
-              <a:t> best amount of time an algorithm can take to complete</a:t>
+              <a:t>ArrayList uses array is a dynamic resizable data structure that is part of Java collection framework, it can grow and shrink in size as the element is added and removed</a:t>
             </a:r>
           </a:p>
           <a:p>
@@ -6032,26 +5878,13 @@
               <a:buChar char="§"/>
             </a:pPr>
             <a:r>
-              <a:rPr lang="en-GB" sz="1600" dirty="0">
+              <a:rPr lang="en-IN" sz="1200" dirty="0">
                 <a:latin typeface="Open Sans" panose="020B0606030504020204" pitchFamily="34" charset="0"/>
                 <a:ea typeface="Open Sans" panose="020B0606030504020204" pitchFamily="34" charset="0"/>
                 <a:cs typeface="Open Sans" panose="020B0606030504020204" pitchFamily="34" charset="0"/>
               </a:rPr>
-              <a:t>Average case – </a:t>
-            </a:r>
-            <a:r>
-              <a:rPr lang="en-GB" sz="1600">
-                <a:latin typeface="Open Sans" panose="020B0606030504020204" pitchFamily="34" charset="0"/>
-                <a:ea typeface="Open Sans" panose="020B0606030504020204" pitchFamily="34" charset="0"/>
-                <a:cs typeface="Open Sans" panose="020B0606030504020204" pitchFamily="34" charset="0"/>
-              </a:rPr>
-              <a:t>Big O, </a:t>
-            </a:r>
-            <a:endParaRPr lang="en-GB" sz="1600" dirty="0">
-              <a:latin typeface="Open Sans" panose="020B0606030504020204" pitchFamily="34" charset="0"/>
-              <a:ea typeface="Open Sans" panose="020B0606030504020204" pitchFamily="34" charset="0"/>
-              <a:cs typeface="Open Sans" panose="020B0606030504020204" pitchFamily="34" charset="0"/>
-            </a:endParaRPr>
+              <a:t>ArrayList internally uses an array to store its elements</a:t>
+            </a:r>
           </a:p>
           <a:p>
             <a:pPr marL="285750" indent="-285750">
@@ -6061,23 +5894,89 @@
               <a:buFont typeface="Wingdings" panose="05000000000000000000" pitchFamily="2" charset="2"/>
               <a:buChar char="§"/>
             </a:pPr>
-            <a:r>
-              <a:rPr lang="en-GB" sz="1600" dirty="0">
+            <a:endParaRPr lang="en-IN" sz="1200" dirty="0">
+              <a:latin typeface="Open Sans" panose="020B0606030504020204" pitchFamily="34" charset="0"/>
+              <a:ea typeface="Open Sans" panose="020B0606030504020204" pitchFamily="34" charset="0"/>
+              <a:cs typeface="Open Sans" panose="020B0606030504020204" pitchFamily="34" charset="0"/>
+            </a:endParaRPr>
+          </a:p>
+          <a:p>
+            <a:pPr marL="285750" indent="-285750">
+              <a:lnSpc>
+                <a:spcPct val="150000"/>
+              </a:lnSpc>
+              <a:buFont typeface="Wingdings" panose="05000000000000000000" pitchFamily="2" charset="2"/>
+              <a:buChar char="§"/>
+            </a:pPr>
+            <a:r>
+              <a:rPr lang="en-IN" sz="1200" dirty="0">
                 <a:latin typeface="Open Sans" panose="020B0606030504020204" pitchFamily="34" charset="0"/>
                 <a:ea typeface="Open Sans" panose="020B0606030504020204" pitchFamily="34" charset="0"/>
                 <a:cs typeface="Open Sans" panose="020B0606030504020204" pitchFamily="34" charset="0"/>
               </a:rPr>
-              <a:t>Worst case – Theta </a:t>
-            </a:r>
-            <a:r>
-              <a:rPr lang="el-GR" sz="1600" dirty="0">
+              <a:t>Difference between Array and ArrayList</a:t>
+            </a:r>
+          </a:p>
+          <a:p>
+            <a:pPr marL="742950" lvl="1" indent="-285750">
+              <a:lnSpc>
+                <a:spcPct val="150000"/>
+              </a:lnSpc>
+              <a:buFont typeface="Wingdings" panose="05000000000000000000" pitchFamily="2" charset="2"/>
+              <a:buChar char="§"/>
+            </a:pPr>
+            <a:r>
+              <a:rPr lang="en-IN" sz="1200" dirty="0">
                 <a:latin typeface="Open Sans" panose="020B0606030504020204" pitchFamily="34" charset="0"/>
                 <a:ea typeface="Open Sans" panose="020B0606030504020204" pitchFamily="34" charset="0"/>
                 <a:cs typeface="Open Sans" panose="020B0606030504020204" pitchFamily="34" charset="0"/>
               </a:rPr>
-              <a:t>Θ</a:t>
-            </a:r>
-            <a:endParaRPr lang="en-GB" sz="1600" dirty="0">
+              <a:t>Arrays are of fixed size whereas ArrayList is dynamic </a:t>
+            </a:r>
+          </a:p>
+          <a:p>
+            <a:pPr marL="742950" lvl="1" indent="-285750">
+              <a:lnSpc>
+                <a:spcPct val="150000"/>
+              </a:lnSpc>
+              <a:buFont typeface="Wingdings" panose="05000000000000000000" pitchFamily="2" charset="2"/>
+              <a:buChar char="§"/>
+            </a:pPr>
+            <a:r>
+              <a:rPr lang="en-IN" sz="1200" dirty="0">
+                <a:latin typeface="Open Sans" panose="020B0606030504020204" pitchFamily="34" charset="0"/>
+                <a:ea typeface="Open Sans" panose="020B0606030504020204" pitchFamily="34" charset="0"/>
+                <a:cs typeface="Open Sans" panose="020B0606030504020204" pitchFamily="34" charset="0"/>
+              </a:rPr>
+              <a:t>Type safe - In case of Array we must specify the type in case of ArrayList its not mandatory to specify the type</a:t>
+            </a:r>
+          </a:p>
+          <a:p>
+            <a:pPr marL="742950" lvl="1" indent="-285750">
+              <a:lnSpc>
+                <a:spcPct val="150000"/>
+              </a:lnSpc>
+              <a:buFont typeface="Wingdings" panose="05000000000000000000" pitchFamily="2" charset="2"/>
+              <a:buChar char="§"/>
+            </a:pPr>
+            <a:r>
+              <a:rPr lang="en-IN" sz="1200" dirty="0">
+                <a:latin typeface="Open Sans" panose="020B0606030504020204" pitchFamily="34" charset="0"/>
+                <a:ea typeface="Open Sans" panose="020B0606030504020204" pitchFamily="34" charset="0"/>
+                <a:cs typeface="Open Sans" panose="020B0606030504020204" pitchFamily="34" charset="0"/>
+              </a:rPr>
+              <a:t>Performance - ArrayList are slower than Arrays due to overhead of resizing and additional methods </a:t>
+            </a:r>
+          </a:p>
+          <a:p>
+            <a:pPr marL="742950" lvl="1" indent="-285750">
+              <a:lnSpc>
+                <a:spcPct val="150000"/>
+              </a:lnSpc>
+              <a:buFont typeface="Wingdings" panose="05000000000000000000" pitchFamily="2" charset="2"/>
+              <a:buChar char="§"/>
+            </a:pPr>
+            <a:endParaRPr lang="en-IN" sz="1200" dirty="0">
               <a:latin typeface="Open Sans" panose="020B0606030504020204" pitchFamily="34" charset="0"/>
               <a:ea typeface="Open Sans" panose="020B0606030504020204" pitchFamily="34" charset="0"/>
               <a:cs typeface="Open Sans" panose="020B0606030504020204" pitchFamily="34" charset="0"/>
@@ -6088,7 +5987,7 @@
     </p:spTree>
     <p:extLst>
       <p:ext uri="{BB962C8B-B14F-4D97-AF65-F5344CB8AC3E}">
-        <p14:creationId xmlns:p14="http://schemas.microsoft.com/office/powerpoint/2010/main" val="2213658506"/>
+        <p14:creationId xmlns:p14="http://schemas.microsoft.com/office/powerpoint/2010/main" val="1071935459"/>
       </p:ext>
     </p:extLst>
   </p:cSld>
@@ -6098,7 +5997,101 @@
 </p:sld>
 </file>
 
-<file path=ppt/slides/slide9.xml><?xml version="1.0" encoding="utf-8"?>
+<file path=ppt/slides/slide15.xml><?xml version="1.0" encoding="utf-8"?>
+<p:sld xmlns:a="http://schemas.openxmlformats.org/drawingml/2006/main" xmlns:r="http://schemas.openxmlformats.org/officeDocument/2006/relationships" xmlns:p="http://schemas.openxmlformats.org/presentationml/2006/main">
+  <p:cSld>
+    <p:spTree>
+      <p:nvGrpSpPr>
+        <p:cNvPr id="1" name=""/>
+        <p:cNvGrpSpPr/>
+        <p:nvPr/>
+      </p:nvGrpSpPr>
+      <p:grpSpPr>
+        <a:xfrm>
+          <a:off x="0" y="0"/>
+          <a:ext cx="0" cy="0"/>
+          <a:chOff x="0" y="0"/>
+          <a:chExt cx="0" cy="0"/>
+        </a:xfrm>
+      </p:grpSpPr>
+      <p:sp>
+        <p:nvSpPr>
+          <p:cNvPr id="2" name="Google Shape;656;p77">
+            <a:extLst>
+              <a:ext uri="{FF2B5EF4-FFF2-40B4-BE49-F238E27FC236}">
+                <a16:creationId xmlns:a16="http://schemas.microsoft.com/office/drawing/2014/main" id="{AFA70A70-8598-E7D5-5735-0226644C3173}"/>
+              </a:ext>
+            </a:extLst>
+          </p:cNvPr>
+          <p:cNvSpPr txBox="1"/>
+          <p:nvPr/>
+        </p:nvSpPr>
+        <p:spPr>
+          <a:xfrm>
+            <a:off x="692150" y="452918"/>
+            <a:ext cx="10814050" cy="707886"/>
+          </a:xfrm>
+          <a:prstGeom prst="rect">
+            <a:avLst/>
+          </a:prstGeom>
+          <a:noFill/>
+          <a:ln>
+            <a:noFill/>
+          </a:ln>
+        </p:spPr>
+        <p:txBody>
+          <a:bodyPr spcFirstLastPara="1" wrap="square" lIns="91425" tIns="45700" rIns="91425" bIns="45700" anchor="t" anchorCtr="0">
+            <a:noAutofit/>
+          </a:bodyPr>
+          <a:lstStyle/>
+          <a:p>
+            <a:pPr marL="0" marR="0" lvl="0" indent="0" algn="l" rtl="0">
+              <a:spcBef>
+                <a:spcPts val="0"/>
+              </a:spcBef>
+              <a:spcAft>
+                <a:spcPts val="0"/>
+              </a:spcAft>
+              <a:buNone/>
+            </a:pPr>
+            <a:r>
+              <a:rPr lang="en-IN" sz="4000" b="1" dirty="0">
+                <a:solidFill>
+                  <a:schemeClr val="accent1"/>
+                </a:solidFill>
+                <a:latin typeface="Open Sans"/>
+                <a:ea typeface="Open Sans"/>
+                <a:cs typeface="Open Sans"/>
+                <a:sym typeface="Open Sans"/>
+              </a:rPr>
+              <a:t>Singly Linked List</a:t>
+            </a:r>
+            <a:endParaRPr sz="4000" b="1" dirty="0">
+              <a:solidFill>
+                <a:schemeClr val="accent1"/>
+              </a:solidFill>
+              <a:latin typeface="Open Sans"/>
+              <a:ea typeface="Open Sans"/>
+              <a:cs typeface="Open Sans"/>
+              <a:sym typeface="Open Sans"/>
+            </a:endParaRPr>
+          </a:p>
+        </p:txBody>
+      </p:sp>
+    </p:spTree>
+    <p:extLst>
+      <p:ext uri="{BB962C8B-B14F-4D97-AF65-F5344CB8AC3E}">
+        <p14:creationId xmlns:p14="http://schemas.microsoft.com/office/powerpoint/2010/main" val="1803934696"/>
+      </p:ext>
+    </p:extLst>
+  </p:cSld>
+  <p:clrMapOvr>
+    <a:masterClrMapping/>
+  </p:clrMapOvr>
+</p:sld>
+</file>
+
+<file path=ppt/slides/slide16.xml><?xml version="1.0" encoding="utf-8"?>
 <p:sld xmlns:a="http://schemas.openxmlformats.org/drawingml/2006/main" xmlns:r="http://schemas.openxmlformats.org/officeDocument/2006/relationships" xmlns:p="http://schemas.openxmlformats.org/presentationml/2006/main">
   <p:cSld>
     <p:spTree>
@@ -7185,6 +7178,3489 @@
       <p:bldP spid="10" grpId="0" build="p"/>
     </p:bldLst>
   </p:timing>
+</p:sld>
+</file>
+
+<file path=ppt/slides/slide2.xml><?xml version="1.0" encoding="utf-8"?>
+<p:sld xmlns:a="http://schemas.openxmlformats.org/drawingml/2006/main" xmlns:r="http://schemas.openxmlformats.org/officeDocument/2006/relationships" xmlns:p="http://schemas.openxmlformats.org/presentationml/2006/main">
+  <p:cSld>
+    <p:spTree>
+      <p:nvGrpSpPr>
+        <p:cNvPr id="1" name=""/>
+        <p:cNvGrpSpPr/>
+        <p:nvPr/>
+      </p:nvGrpSpPr>
+      <p:grpSpPr>
+        <a:xfrm>
+          <a:off x="0" y="0"/>
+          <a:ext cx="0" cy="0"/>
+          <a:chOff x="0" y="0"/>
+          <a:chExt cx="0" cy="0"/>
+        </a:xfrm>
+      </p:grpSpPr>
+      <p:sp>
+        <p:nvSpPr>
+          <p:cNvPr id="2" name="Google Shape;655;p77">
+            <a:extLst>
+              <a:ext uri="{FF2B5EF4-FFF2-40B4-BE49-F238E27FC236}">
+                <a16:creationId xmlns:a16="http://schemas.microsoft.com/office/drawing/2014/main" id="{BBD053BA-FCF4-CDE8-331E-7B3E0B744895}"/>
+              </a:ext>
+            </a:extLst>
+          </p:cNvPr>
+          <p:cNvSpPr txBox="1"/>
+          <p:nvPr/>
+        </p:nvSpPr>
+        <p:spPr>
+          <a:xfrm>
+            <a:off x="658904" y="723992"/>
+            <a:ext cx="4101353" cy="6632585"/>
+          </a:xfrm>
+          <a:prstGeom prst="rect">
+            <a:avLst/>
+          </a:prstGeom>
+          <a:noFill/>
+          <a:ln>
+            <a:noFill/>
+          </a:ln>
+        </p:spPr>
+        <p:txBody>
+          <a:bodyPr spcFirstLastPara="1" wrap="square" lIns="91425" tIns="45700" rIns="91425" bIns="45700" anchor="t" anchorCtr="0">
+            <a:noAutofit/>
+          </a:bodyPr>
+          <a:lstStyle/>
+          <a:p>
+            <a:pPr marL="0" marR="0" lvl="0" indent="0" algn="l" rtl="0">
+              <a:lnSpc>
+                <a:spcPct val="80000"/>
+              </a:lnSpc>
+              <a:spcBef>
+                <a:spcPts val="0"/>
+              </a:spcBef>
+              <a:spcAft>
+                <a:spcPts val="0"/>
+              </a:spcAft>
+              <a:buNone/>
+            </a:pPr>
+            <a:r>
+              <a:rPr lang="en-US" sz="50000" dirty="0">
+                <a:latin typeface="Montserrat"/>
+                <a:ea typeface="Montserrat"/>
+                <a:cs typeface="Montserrat"/>
+                <a:sym typeface="Montserrat"/>
+              </a:rPr>
+              <a:t>I</a:t>
+            </a:r>
+            <a:endParaRPr sz="50000" dirty="0">
+              <a:latin typeface="Montserrat"/>
+              <a:ea typeface="Montserrat"/>
+              <a:cs typeface="Montserrat"/>
+              <a:sym typeface="Montserrat"/>
+            </a:endParaRPr>
+          </a:p>
+        </p:txBody>
+      </p:sp>
+      <p:sp>
+        <p:nvSpPr>
+          <p:cNvPr id="3" name="Google Shape;656;p77">
+            <a:extLst>
+              <a:ext uri="{FF2B5EF4-FFF2-40B4-BE49-F238E27FC236}">
+                <a16:creationId xmlns:a16="http://schemas.microsoft.com/office/drawing/2014/main" id="{EF319ABE-531D-94ED-DC1E-B49F14E9F701}"/>
+              </a:ext>
+            </a:extLst>
+          </p:cNvPr>
+          <p:cNvSpPr txBox="1"/>
+          <p:nvPr/>
+        </p:nvSpPr>
+        <p:spPr>
+          <a:xfrm>
+            <a:off x="4513562" y="880019"/>
+            <a:ext cx="7019534" cy="707886"/>
+          </a:xfrm>
+          <a:prstGeom prst="rect">
+            <a:avLst/>
+          </a:prstGeom>
+          <a:noFill/>
+          <a:ln>
+            <a:noFill/>
+          </a:ln>
+        </p:spPr>
+        <p:txBody>
+          <a:bodyPr spcFirstLastPara="1" wrap="square" lIns="91425" tIns="45700" rIns="91425" bIns="45700" anchor="t" anchorCtr="0">
+            <a:noAutofit/>
+          </a:bodyPr>
+          <a:lstStyle/>
+          <a:p>
+            <a:pPr marL="0" marR="0" lvl="0" indent="0" algn="l" rtl="0">
+              <a:spcBef>
+                <a:spcPts val="0"/>
+              </a:spcBef>
+              <a:spcAft>
+                <a:spcPts val="0"/>
+              </a:spcAft>
+              <a:buNone/>
+            </a:pPr>
+            <a:r>
+              <a:rPr lang="en-US" sz="4000" b="1" dirty="0">
+                <a:solidFill>
+                  <a:schemeClr val="accent1"/>
+                </a:solidFill>
+                <a:latin typeface="Open Sans"/>
+                <a:ea typeface="Open Sans"/>
+                <a:cs typeface="Open Sans"/>
+                <a:sym typeface="Open Sans"/>
+              </a:rPr>
+              <a:t>Data Structures &amp; Algorithms</a:t>
+            </a:r>
+            <a:endParaRPr sz="4000" b="1" dirty="0">
+              <a:solidFill>
+                <a:schemeClr val="accent1"/>
+              </a:solidFill>
+              <a:latin typeface="Open Sans"/>
+              <a:ea typeface="Open Sans"/>
+              <a:cs typeface="Open Sans"/>
+              <a:sym typeface="Open Sans"/>
+            </a:endParaRPr>
+          </a:p>
+        </p:txBody>
+      </p:sp>
+      <p:sp>
+        <p:nvSpPr>
+          <p:cNvPr id="4" name="Google Shape;658;p77">
+            <a:extLst>
+              <a:ext uri="{FF2B5EF4-FFF2-40B4-BE49-F238E27FC236}">
+                <a16:creationId xmlns:a16="http://schemas.microsoft.com/office/drawing/2014/main" id="{B43BA858-D315-C772-0593-9F49DD93E8D8}"/>
+              </a:ext>
+            </a:extLst>
+          </p:cNvPr>
+          <p:cNvSpPr>
+            <a:spLocks/>
+          </p:cNvSpPr>
+          <p:nvPr/>
+        </p:nvSpPr>
+        <p:spPr>
+          <a:xfrm>
+            <a:off x="4513562" y="2247801"/>
+            <a:ext cx="7019534" cy="2308284"/>
+          </a:xfrm>
+          <a:prstGeom prst="rect">
+            <a:avLst/>
+          </a:prstGeom>
+          <a:noFill/>
+          <a:ln>
+            <a:noFill/>
+          </a:ln>
+        </p:spPr>
+        <p:txBody>
+          <a:bodyPr spcFirstLastPara="1" wrap="square" lIns="91425" tIns="45700" rIns="91425" bIns="45700" anchor="t" anchorCtr="0">
+            <a:spAutoFit/>
+          </a:bodyPr>
+          <a:lstStyle/>
+          <a:p>
+            <a:pPr algn="just">
+              <a:lnSpc>
+                <a:spcPct val="150000"/>
+              </a:lnSpc>
+            </a:pPr>
+            <a:r>
+              <a:rPr lang="en-GB" sz="1600" dirty="0">
+                <a:latin typeface="Open Sans" panose="020B0606030504020204" pitchFamily="34" charset="0"/>
+                <a:ea typeface="Open Sans" panose="020B0606030504020204" pitchFamily="34" charset="0"/>
+                <a:cs typeface="Open Sans" panose="020B0606030504020204" pitchFamily="34" charset="0"/>
+              </a:rPr>
+              <a:t>Data structures is a method of organizing data in a virtual system. Think of sequences of numbers of tables of data, these both are well-defined data structures. </a:t>
+            </a:r>
+          </a:p>
+          <a:p>
+            <a:pPr algn="just">
+              <a:lnSpc>
+                <a:spcPct val="150000"/>
+              </a:lnSpc>
+            </a:pPr>
+            <a:endParaRPr lang="en-GB" sz="1600" dirty="0">
+              <a:latin typeface="Open Sans" panose="020B0606030504020204" pitchFamily="34" charset="0"/>
+              <a:ea typeface="Open Sans" panose="020B0606030504020204" pitchFamily="34" charset="0"/>
+              <a:cs typeface="Open Sans" panose="020B0606030504020204" pitchFamily="34" charset="0"/>
+            </a:endParaRPr>
+          </a:p>
+          <a:p>
+            <a:pPr algn="just">
+              <a:lnSpc>
+                <a:spcPct val="150000"/>
+              </a:lnSpc>
+            </a:pPr>
+            <a:r>
+              <a:rPr lang="en-GB" sz="1600" dirty="0">
+                <a:latin typeface="Open Sans" panose="020B0606030504020204" pitchFamily="34" charset="0"/>
+                <a:ea typeface="Open Sans" panose="020B0606030504020204" pitchFamily="34" charset="0"/>
+                <a:cs typeface="Open Sans" panose="020B0606030504020204" pitchFamily="34" charset="0"/>
+              </a:rPr>
+              <a:t>An algorithm is a sequence of steps executed by a computer that takes an input and transform it into a target output. </a:t>
+            </a:r>
+          </a:p>
+        </p:txBody>
+      </p:sp>
+    </p:spTree>
+    <p:extLst>
+      <p:ext uri="{BB962C8B-B14F-4D97-AF65-F5344CB8AC3E}">
+        <p14:creationId xmlns:p14="http://schemas.microsoft.com/office/powerpoint/2010/main" val="3868665761"/>
+      </p:ext>
+    </p:extLst>
+  </p:cSld>
+  <p:clrMapOvr>
+    <a:masterClrMapping/>
+  </p:clrMapOvr>
+</p:sld>
+</file>
+
+<file path=ppt/slides/slide3.xml><?xml version="1.0" encoding="utf-8"?>
+<p:sld xmlns:a="http://schemas.openxmlformats.org/drawingml/2006/main" xmlns:r="http://schemas.openxmlformats.org/officeDocument/2006/relationships" xmlns:p="http://schemas.openxmlformats.org/presentationml/2006/main">
+  <p:cSld>
+    <p:spTree>
+      <p:nvGrpSpPr>
+        <p:cNvPr id="1" name=""/>
+        <p:cNvGrpSpPr/>
+        <p:nvPr/>
+      </p:nvGrpSpPr>
+      <p:grpSpPr>
+        <a:xfrm>
+          <a:off x="0" y="0"/>
+          <a:ext cx="0" cy="0"/>
+          <a:chOff x="0" y="0"/>
+          <a:chExt cx="0" cy="0"/>
+        </a:xfrm>
+      </p:grpSpPr>
+      <p:sp>
+        <p:nvSpPr>
+          <p:cNvPr id="2" name="Google Shape;656;p77">
+            <a:extLst>
+              <a:ext uri="{FF2B5EF4-FFF2-40B4-BE49-F238E27FC236}">
+                <a16:creationId xmlns:a16="http://schemas.microsoft.com/office/drawing/2014/main" id="{9CAC2E2A-AC8C-F528-D483-147B5C1915FC}"/>
+              </a:ext>
+            </a:extLst>
+          </p:cNvPr>
+          <p:cNvSpPr txBox="1"/>
+          <p:nvPr/>
+        </p:nvSpPr>
+        <p:spPr>
+          <a:xfrm>
+            <a:off x="692150" y="452918"/>
+            <a:ext cx="8980768" cy="707886"/>
+          </a:xfrm>
+          <a:prstGeom prst="rect">
+            <a:avLst/>
+          </a:prstGeom>
+          <a:noFill/>
+          <a:ln>
+            <a:noFill/>
+          </a:ln>
+        </p:spPr>
+        <p:txBody>
+          <a:bodyPr spcFirstLastPara="1" wrap="square" lIns="91425" tIns="45700" rIns="91425" bIns="45700" anchor="t" anchorCtr="0">
+            <a:noAutofit/>
+          </a:bodyPr>
+          <a:lstStyle/>
+          <a:p>
+            <a:pPr marL="0" marR="0" lvl="0" indent="0" algn="l" rtl="0">
+              <a:spcBef>
+                <a:spcPts val="0"/>
+              </a:spcBef>
+              <a:spcAft>
+                <a:spcPts val="0"/>
+              </a:spcAft>
+              <a:buNone/>
+            </a:pPr>
+            <a:r>
+              <a:rPr lang="en-US" sz="4000" b="1" dirty="0">
+                <a:solidFill>
+                  <a:schemeClr val="accent1"/>
+                </a:solidFill>
+                <a:latin typeface="Open Sans"/>
+                <a:ea typeface="Open Sans"/>
+                <a:cs typeface="Open Sans"/>
+                <a:sym typeface="Open Sans"/>
+              </a:rPr>
+              <a:t>Types of Data Structures</a:t>
+            </a:r>
+            <a:endParaRPr sz="4000" b="1" dirty="0">
+              <a:solidFill>
+                <a:schemeClr val="accent1"/>
+              </a:solidFill>
+              <a:latin typeface="Open Sans"/>
+              <a:ea typeface="Open Sans"/>
+              <a:cs typeface="Open Sans"/>
+              <a:sym typeface="Open Sans"/>
+            </a:endParaRPr>
+          </a:p>
+        </p:txBody>
+      </p:sp>
+      <p:sp>
+        <p:nvSpPr>
+          <p:cNvPr id="5" name="Rectangle: Rounded Corners 4">
+            <a:extLst>
+              <a:ext uri="{FF2B5EF4-FFF2-40B4-BE49-F238E27FC236}">
+                <a16:creationId xmlns:a16="http://schemas.microsoft.com/office/drawing/2014/main" id="{D33314F4-EE31-4578-8BFE-273C8524D236}"/>
+              </a:ext>
+            </a:extLst>
+          </p:cNvPr>
+          <p:cNvSpPr/>
+          <p:nvPr/>
+        </p:nvSpPr>
+        <p:spPr>
+          <a:xfrm>
+            <a:off x="4657164" y="2265766"/>
+            <a:ext cx="2877671" cy="528918"/>
+          </a:xfrm>
+          <a:prstGeom prst="roundRect">
+            <a:avLst/>
+          </a:prstGeom>
+          <a:noFill/>
+        </p:spPr>
+        <p:style>
+          <a:lnRef idx="2">
+            <a:schemeClr val="accent1">
+              <a:shade val="50000"/>
+            </a:schemeClr>
+          </a:lnRef>
+          <a:fillRef idx="1">
+            <a:schemeClr val="accent1"/>
+          </a:fillRef>
+          <a:effectRef idx="0">
+            <a:schemeClr val="accent1"/>
+          </a:effectRef>
+          <a:fontRef idx="minor">
+            <a:schemeClr val="lt1"/>
+          </a:fontRef>
+        </p:style>
+        <p:txBody>
+          <a:bodyPr rtlCol="0" anchor="ctr"/>
+          <a:lstStyle/>
+          <a:p>
+            <a:pPr algn="ctr"/>
+            <a:r>
+              <a:rPr lang="en-IN" dirty="0">
+                <a:solidFill>
+                  <a:schemeClr val="tx1">
+                    <a:lumMod val="65000"/>
+                    <a:lumOff val="35000"/>
+                  </a:schemeClr>
+                </a:solidFill>
+              </a:rPr>
+              <a:t>Data Structures</a:t>
+            </a:r>
+          </a:p>
+        </p:txBody>
+      </p:sp>
+      <p:sp>
+        <p:nvSpPr>
+          <p:cNvPr id="6" name="Rectangle: Rounded Corners 5">
+            <a:extLst>
+              <a:ext uri="{FF2B5EF4-FFF2-40B4-BE49-F238E27FC236}">
+                <a16:creationId xmlns:a16="http://schemas.microsoft.com/office/drawing/2014/main" id="{7446513C-D735-33C9-F55F-ABCC3D726676}"/>
+              </a:ext>
+            </a:extLst>
+          </p:cNvPr>
+          <p:cNvSpPr/>
+          <p:nvPr/>
+        </p:nvSpPr>
+        <p:spPr>
+          <a:xfrm>
+            <a:off x="2661958" y="3627344"/>
+            <a:ext cx="1438836" cy="528918"/>
+          </a:xfrm>
+          <a:prstGeom prst="roundRect">
+            <a:avLst/>
+          </a:prstGeom>
+          <a:noFill/>
+        </p:spPr>
+        <p:style>
+          <a:lnRef idx="2">
+            <a:schemeClr val="accent1">
+              <a:shade val="50000"/>
+            </a:schemeClr>
+          </a:lnRef>
+          <a:fillRef idx="1">
+            <a:schemeClr val="accent1"/>
+          </a:fillRef>
+          <a:effectRef idx="0">
+            <a:schemeClr val="accent1"/>
+          </a:effectRef>
+          <a:fontRef idx="minor">
+            <a:schemeClr val="lt1"/>
+          </a:fontRef>
+        </p:style>
+        <p:txBody>
+          <a:bodyPr rtlCol="0" anchor="ctr"/>
+          <a:lstStyle/>
+          <a:p>
+            <a:pPr algn="ctr"/>
+            <a:r>
+              <a:rPr lang="en-IN" dirty="0">
+                <a:solidFill>
+                  <a:schemeClr val="tx1">
+                    <a:lumMod val="65000"/>
+                    <a:lumOff val="35000"/>
+                  </a:schemeClr>
+                </a:solidFill>
+              </a:rPr>
+              <a:t>Linear</a:t>
+            </a:r>
+          </a:p>
+        </p:txBody>
+      </p:sp>
+      <p:sp>
+        <p:nvSpPr>
+          <p:cNvPr id="7" name="Rectangle: Rounded Corners 6">
+            <a:extLst>
+              <a:ext uri="{FF2B5EF4-FFF2-40B4-BE49-F238E27FC236}">
+                <a16:creationId xmlns:a16="http://schemas.microsoft.com/office/drawing/2014/main" id="{A4CBA59F-2C93-220B-C81E-FB92A0C539E1}"/>
+              </a:ext>
+            </a:extLst>
+          </p:cNvPr>
+          <p:cNvSpPr/>
+          <p:nvPr/>
+        </p:nvSpPr>
+        <p:spPr>
+          <a:xfrm>
+            <a:off x="8091208" y="3627344"/>
+            <a:ext cx="1868023" cy="528918"/>
+          </a:xfrm>
+          <a:prstGeom prst="roundRect">
+            <a:avLst/>
+          </a:prstGeom>
+          <a:noFill/>
+        </p:spPr>
+        <p:style>
+          <a:lnRef idx="2">
+            <a:schemeClr val="accent1">
+              <a:shade val="50000"/>
+            </a:schemeClr>
+          </a:lnRef>
+          <a:fillRef idx="1">
+            <a:schemeClr val="accent1"/>
+          </a:fillRef>
+          <a:effectRef idx="0">
+            <a:schemeClr val="accent1"/>
+          </a:effectRef>
+          <a:fontRef idx="minor">
+            <a:schemeClr val="lt1"/>
+          </a:fontRef>
+        </p:style>
+        <p:txBody>
+          <a:bodyPr rtlCol="0" anchor="ctr"/>
+          <a:lstStyle/>
+          <a:p>
+            <a:pPr algn="ctr"/>
+            <a:r>
+              <a:rPr lang="en-IN" dirty="0">
+                <a:solidFill>
+                  <a:schemeClr val="tx1">
+                    <a:lumMod val="65000"/>
+                    <a:lumOff val="35000"/>
+                  </a:schemeClr>
+                </a:solidFill>
+              </a:rPr>
+              <a:t>Non-Linear</a:t>
+            </a:r>
+          </a:p>
+        </p:txBody>
+      </p:sp>
+      <p:cxnSp>
+        <p:nvCxnSpPr>
+          <p:cNvPr id="9" name="Connector: Elbow 8">
+            <a:extLst>
+              <a:ext uri="{FF2B5EF4-FFF2-40B4-BE49-F238E27FC236}">
+                <a16:creationId xmlns:a16="http://schemas.microsoft.com/office/drawing/2014/main" id="{68E60CF7-00A6-A7FE-09A7-82AB392119FD}"/>
+              </a:ext>
+            </a:extLst>
+          </p:cNvPr>
+          <p:cNvCxnSpPr>
+            <a:cxnSpLocks/>
+            <a:stCxn id="5" idx="1"/>
+            <a:endCxn id="6" idx="0"/>
+          </p:cNvCxnSpPr>
+          <p:nvPr/>
+        </p:nvCxnSpPr>
+        <p:spPr>
+          <a:xfrm rot="10800000" flipV="1">
+            <a:off x="3381376" y="2530224"/>
+            <a:ext cx="1275788" cy="1097119"/>
+          </a:xfrm>
+          <a:prstGeom prst="bentConnector2">
+            <a:avLst/>
+          </a:prstGeom>
+          <a:ln w="38100">
+            <a:tailEnd type="triangle"/>
+          </a:ln>
+        </p:spPr>
+        <p:style>
+          <a:lnRef idx="1">
+            <a:schemeClr val="accent1"/>
+          </a:lnRef>
+          <a:fillRef idx="0">
+            <a:schemeClr val="accent1"/>
+          </a:fillRef>
+          <a:effectRef idx="0">
+            <a:schemeClr val="accent1"/>
+          </a:effectRef>
+          <a:fontRef idx="minor">
+            <a:schemeClr val="tx1"/>
+          </a:fontRef>
+        </p:style>
+      </p:cxnSp>
+      <p:cxnSp>
+        <p:nvCxnSpPr>
+          <p:cNvPr id="11" name="Connector: Elbow 10">
+            <a:extLst>
+              <a:ext uri="{FF2B5EF4-FFF2-40B4-BE49-F238E27FC236}">
+                <a16:creationId xmlns:a16="http://schemas.microsoft.com/office/drawing/2014/main" id="{F5494D6E-2B93-878F-9A89-C19181F394C6}"/>
+              </a:ext>
+            </a:extLst>
+          </p:cNvPr>
+          <p:cNvCxnSpPr>
+            <a:cxnSpLocks/>
+            <a:stCxn id="5" idx="3"/>
+            <a:endCxn id="7" idx="0"/>
+          </p:cNvCxnSpPr>
+          <p:nvPr/>
+        </p:nvCxnSpPr>
+        <p:spPr>
+          <a:xfrm>
+            <a:off x="7534835" y="2530225"/>
+            <a:ext cx="1490385" cy="1097119"/>
+          </a:xfrm>
+          <a:prstGeom prst="bentConnector2">
+            <a:avLst/>
+          </a:prstGeom>
+          <a:ln w="38100">
+            <a:tailEnd type="triangle"/>
+          </a:ln>
+        </p:spPr>
+        <p:style>
+          <a:lnRef idx="1">
+            <a:schemeClr val="accent1"/>
+          </a:lnRef>
+          <a:fillRef idx="0">
+            <a:schemeClr val="accent1"/>
+          </a:fillRef>
+          <a:effectRef idx="0">
+            <a:schemeClr val="accent1"/>
+          </a:effectRef>
+          <a:fontRef idx="minor">
+            <a:schemeClr val="tx1"/>
+          </a:fontRef>
+        </p:style>
+      </p:cxnSp>
+      <p:sp>
+        <p:nvSpPr>
+          <p:cNvPr id="18" name="Rectangle: Rounded Corners 17">
+            <a:extLst>
+              <a:ext uri="{FF2B5EF4-FFF2-40B4-BE49-F238E27FC236}">
+                <a16:creationId xmlns:a16="http://schemas.microsoft.com/office/drawing/2014/main" id="{6C35323E-F92B-7995-8EF4-490ADF69E15B}"/>
+              </a:ext>
+            </a:extLst>
+          </p:cNvPr>
+          <p:cNvSpPr/>
+          <p:nvPr/>
+        </p:nvSpPr>
+        <p:spPr>
+          <a:xfrm>
+            <a:off x="692150" y="4604497"/>
+            <a:ext cx="1258421" cy="528918"/>
+          </a:xfrm>
+          <a:prstGeom prst="roundRect">
+            <a:avLst/>
+          </a:prstGeom>
+          <a:noFill/>
+        </p:spPr>
+        <p:style>
+          <a:lnRef idx="2">
+            <a:schemeClr val="accent1">
+              <a:shade val="50000"/>
+            </a:schemeClr>
+          </a:lnRef>
+          <a:fillRef idx="1">
+            <a:schemeClr val="accent1"/>
+          </a:fillRef>
+          <a:effectRef idx="0">
+            <a:schemeClr val="accent1"/>
+          </a:effectRef>
+          <a:fontRef idx="minor">
+            <a:schemeClr val="lt1"/>
+          </a:fontRef>
+        </p:style>
+        <p:txBody>
+          <a:bodyPr rtlCol="0" anchor="ctr"/>
+          <a:lstStyle/>
+          <a:p>
+            <a:pPr algn="ctr"/>
+            <a:r>
+              <a:rPr lang="en-IN" dirty="0">
+                <a:solidFill>
+                  <a:schemeClr val="tx1">
+                    <a:lumMod val="65000"/>
+                    <a:lumOff val="35000"/>
+                  </a:schemeClr>
+                </a:solidFill>
+              </a:rPr>
+              <a:t>Array</a:t>
+            </a:r>
+          </a:p>
+        </p:txBody>
+      </p:sp>
+      <p:sp>
+        <p:nvSpPr>
+          <p:cNvPr id="20" name="Rectangle: Rounded Corners 19">
+            <a:extLst>
+              <a:ext uri="{FF2B5EF4-FFF2-40B4-BE49-F238E27FC236}">
+                <a16:creationId xmlns:a16="http://schemas.microsoft.com/office/drawing/2014/main" id="{D7391724-8195-2924-2FD7-9569E35D1048}"/>
+              </a:ext>
+            </a:extLst>
+          </p:cNvPr>
+          <p:cNvSpPr/>
+          <p:nvPr/>
+        </p:nvSpPr>
+        <p:spPr>
+          <a:xfrm>
+            <a:off x="2122953" y="4604497"/>
+            <a:ext cx="1258421" cy="528918"/>
+          </a:xfrm>
+          <a:prstGeom prst="roundRect">
+            <a:avLst/>
+          </a:prstGeom>
+          <a:noFill/>
+        </p:spPr>
+        <p:style>
+          <a:lnRef idx="2">
+            <a:schemeClr val="accent1">
+              <a:shade val="50000"/>
+            </a:schemeClr>
+          </a:lnRef>
+          <a:fillRef idx="1">
+            <a:schemeClr val="accent1"/>
+          </a:fillRef>
+          <a:effectRef idx="0">
+            <a:schemeClr val="accent1"/>
+          </a:effectRef>
+          <a:fontRef idx="minor">
+            <a:schemeClr val="lt1"/>
+          </a:fontRef>
+        </p:style>
+        <p:txBody>
+          <a:bodyPr rtlCol="0" anchor="ctr"/>
+          <a:lstStyle/>
+          <a:p>
+            <a:pPr algn="ctr"/>
+            <a:r>
+              <a:rPr lang="en-IN" dirty="0">
+                <a:solidFill>
+                  <a:schemeClr val="tx1">
+                    <a:lumMod val="65000"/>
+                    <a:lumOff val="35000"/>
+                  </a:schemeClr>
+                </a:solidFill>
+              </a:rPr>
+              <a:t>Linked List</a:t>
+            </a:r>
+          </a:p>
+        </p:txBody>
+      </p:sp>
+      <p:sp>
+        <p:nvSpPr>
+          <p:cNvPr id="21" name="Rectangle: Rounded Corners 20">
+            <a:extLst>
+              <a:ext uri="{FF2B5EF4-FFF2-40B4-BE49-F238E27FC236}">
+                <a16:creationId xmlns:a16="http://schemas.microsoft.com/office/drawing/2014/main" id="{17DAA3F3-B837-23E1-1AB7-CE9DF26C619F}"/>
+              </a:ext>
+            </a:extLst>
+          </p:cNvPr>
+          <p:cNvSpPr/>
+          <p:nvPr/>
+        </p:nvSpPr>
+        <p:spPr>
+          <a:xfrm>
+            <a:off x="3561789" y="4604497"/>
+            <a:ext cx="1258421" cy="528918"/>
+          </a:xfrm>
+          <a:prstGeom prst="roundRect">
+            <a:avLst/>
+          </a:prstGeom>
+          <a:noFill/>
+        </p:spPr>
+        <p:style>
+          <a:lnRef idx="2">
+            <a:schemeClr val="accent1">
+              <a:shade val="50000"/>
+            </a:schemeClr>
+          </a:lnRef>
+          <a:fillRef idx="1">
+            <a:schemeClr val="accent1"/>
+          </a:fillRef>
+          <a:effectRef idx="0">
+            <a:schemeClr val="accent1"/>
+          </a:effectRef>
+          <a:fontRef idx="minor">
+            <a:schemeClr val="lt1"/>
+          </a:fontRef>
+        </p:style>
+        <p:txBody>
+          <a:bodyPr rtlCol="0" anchor="ctr"/>
+          <a:lstStyle/>
+          <a:p>
+            <a:pPr algn="ctr"/>
+            <a:r>
+              <a:rPr lang="en-IN" dirty="0">
+                <a:solidFill>
+                  <a:schemeClr val="tx1">
+                    <a:lumMod val="65000"/>
+                    <a:lumOff val="35000"/>
+                  </a:schemeClr>
+                </a:solidFill>
+              </a:rPr>
+              <a:t>Stack</a:t>
+            </a:r>
+          </a:p>
+        </p:txBody>
+      </p:sp>
+      <p:sp>
+        <p:nvSpPr>
+          <p:cNvPr id="22" name="Rectangle: Rounded Corners 21">
+            <a:extLst>
+              <a:ext uri="{FF2B5EF4-FFF2-40B4-BE49-F238E27FC236}">
+                <a16:creationId xmlns:a16="http://schemas.microsoft.com/office/drawing/2014/main" id="{C38A8EB2-3AC5-6EFA-026F-4060BEF0F506}"/>
+              </a:ext>
+            </a:extLst>
+          </p:cNvPr>
+          <p:cNvSpPr/>
+          <p:nvPr/>
+        </p:nvSpPr>
+        <p:spPr>
+          <a:xfrm>
+            <a:off x="5000625" y="4604497"/>
+            <a:ext cx="1258421" cy="528918"/>
+          </a:xfrm>
+          <a:prstGeom prst="roundRect">
+            <a:avLst/>
+          </a:prstGeom>
+          <a:noFill/>
+        </p:spPr>
+        <p:style>
+          <a:lnRef idx="2">
+            <a:schemeClr val="accent1">
+              <a:shade val="50000"/>
+            </a:schemeClr>
+          </a:lnRef>
+          <a:fillRef idx="1">
+            <a:schemeClr val="accent1"/>
+          </a:fillRef>
+          <a:effectRef idx="0">
+            <a:schemeClr val="accent1"/>
+          </a:effectRef>
+          <a:fontRef idx="minor">
+            <a:schemeClr val="lt1"/>
+          </a:fontRef>
+        </p:style>
+        <p:txBody>
+          <a:bodyPr rtlCol="0" anchor="ctr"/>
+          <a:lstStyle/>
+          <a:p>
+            <a:pPr algn="ctr"/>
+            <a:r>
+              <a:rPr lang="en-IN" dirty="0">
+                <a:solidFill>
+                  <a:schemeClr val="tx1">
+                    <a:lumMod val="65000"/>
+                    <a:lumOff val="35000"/>
+                  </a:schemeClr>
+                </a:solidFill>
+              </a:rPr>
+              <a:t>Queue</a:t>
+            </a:r>
+          </a:p>
+        </p:txBody>
+      </p:sp>
+      <p:cxnSp>
+        <p:nvCxnSpPr>
+          <p:cNvPr id="27" name="Connector: Elbow 26">
+            <a:extLst>
+              <a:ext uri="{FF2B5EF4-FFF2-40B4-BE49-F238E27FC236}">
+                <a16:creationId xmlns:a16="http://schemas.microsoft.com/office/drawing/2014/main" id="{B95BAC9B-7F7B-D6D0-45E6-FEEF98BD5646}"/>
+              </a:ext>
+            </a:extLst>
+          </p:cNvPr>
+          <p:cNvCxnSpPr>
+            <a:cxnSpLocks/>
+            <a:stCxn id="6" idx="2"/>
+            <a:endCxn id="20" idx="0"/>
+          </p:cNvCxnSpPr>
+          <p:nvPr/>
+        </p:nvCxnSpPr>
+        <p:spPr>
+          <a:xfrm rot="5400000">
+            <a:off x="2842653" y="4065773"/>
+            <a:ext cx="448235" cy="629212"/>
+          </a:xfrm>
+          <a:prstGeom prst="bentConnector3">
+            <a:avLst/>
+          </a:prstGeom>
+          <a:ln>
+            <a:tailEnd type="triangle"/>
+          </a:ln>
+        </p:spPr>
+        <p:style>
+          <a:lnRef idx="1">
+            <a:schemeClr val="accent1"/>
+          </a:lnRef>
+          <a:fillRef idx="0">
+            <a:schemeClr val="accent1"/>
+          </a:fillRef>
+          <a:effectRef idx="0">
+            <a:schemeClr val="accent1"/>
+          </a:effectRef>
+          <a:fontRef idx="minor">
+            <a:schemeClr val="tx1"/>
+          </a:fontRef>
+        </p:style>
+      </p:cxnSp>
+      <p:cxnSp>
+        <p:nvCxnSpPr>
+          <p:cNvPr id="29" name="Connector: Elbow 28">
+            <a:extLst>
+              <a:ext uri="{FF2B5EF4-FFF2-40B4-BE49-F238E27FC236}">
+                <a16:creationId xmlns:a16="http://schemas.microsoft.com/office/drawing/2014/main" id="{2C8E5A15-B178-05C0-7CC4-FA184FE30973}"/>
+              </a:ext>
+            </a:extLst>
+          </p:cNvPr>
+          <p:cNvCxnSpPr>
+            <a:cxnSpLocks/>
+            <a:stCxn id="6" idx="2"/>
+            <a:endCxn id="21" idx="0"/>
+          </p:cNvCxnSpPr>
+          <p:nvPr/>
+        </p:nvCxnSpPr>
+        <p:spPr>
+          <a:xfrm rot="16200000" flipH="1">
+            <a:off x="3562071" y="3975567"/>
+            <a:ext cx="448235" cy="809624"/>
+          </a:xfrm>
+          <a:prstGeom prst="bentConnector3">
+            <a:avLst/>
+          </a:prstGeom>
+          <a:ln>
+            <a:tailEnd type="triangle"/>
+          </a:ln>
+        </p:spPr>
+        <p:style>
+          <a:lnRef idx="1">
+            <a:schemeClr val="accent1"/>
+          </a:lnRef>
+          <a:fillRef idx="0">
+            <a:schemeClr val="accent1"/>
+          </a:fillRef>
+          <a:effectRef idx="0">
+            <a:schemeClr val="accent1"/>
+          </a:effectRef>
+          <a:fontRef idx="minor">
+            <a:schemeClr val="tx1"/>
+          </a:fontRef>
+        </p:style>
+      </p:cxnSp>
+      <p:cxnSp>
+        <p:nvCxnSpPr>
+          <p:cNvPr id="31" name="Connector: Elbow 30">
+            <a:extLst>
+              <a:ext uri="{FF2B5EF4-FFF2-40B4-BE49-F238E27FC236}">
+                <a16:creationId xmlns:a16="http://schemas.microsoft.com/office/drawing/2014/main" id="{DD7C8727-11A9-E6B0-BE7B-6C2F79BA4432}"/>
+              </a:ext>
+            </a:extLst>
+          </p:cNvPr>
+          <p:cNvCxnSpPr>
+            <a:cxnSpLocks/>
+            <a:stCxn id="6" idx="2"/>
+            <a:endCxn id="22" idx="0"/>
+          </p:cNvCxnSpPr>
+          <p:nvPr/>
+        </p:nvCxnSpPr>
+        <p:spPr>
+          <a:xfrm rot="16200000" flipH="1">
+            <a:off x="4281489" y="3256149"/>
+            <a:ext cx="448235" cy="2248460"/>
+          </a:xfrm>
+          <a:prstGeom prst="bentConnector3">
+            <a:avLst/>
+          </a:prstGeom>
+          <a:ln>
+            <a:tailEnd type="triangle"/>
+          </a:ln>
+        </p:spPr>
+        <p:style>
+          <a:lnRef idx="1">
+            <a:schemeClr val="accent1"/>
+          </a:lnRef>
+          <a:fillRef idx="0">
+            <a:schemeClr val="accent1"/>
+          </a:fillRef>
+          <a:effectRef idx="0">
+            <a:schemeClr val="accent1"/>
+          </a:effectRef>
+          <a:fontRef idx="minor">
+            <a:schemeClr val="tx1"/>
+          </a:fontRef>
+        </p:style>
+      </p:cxnSp>
+      <p:cxnSp>
+        <p:nvCxnSpPr>
+          <p:cNvPr id="33" name="Connector: Elbow 32">
+            <a:extLst>
+              <a:ext uri="{FF2B5EF4-FFF2-40B4-BE49-F238E27FC236}">
+                <a16:creationId xmlns:a16="http://schemas.microsoft.com/office/drawing/2014/main" id="{355ED0C1-0193-DC51-CB77-50FDB936EA88}"/>
+              </a:ext>
+            </a:extLst>
+          </p:cNvPr>
+          <p:cNvCxnSpPr>
+            <a:cxnSpLocks/>
+            <a:stCxn id="6" idx="2"/>
+            <a:endCxn id="18" idx="0"/>
+          </p:cNvCxnSpPr>
+          <p:nvPr/>
+        </p:nvCxnSpPr>
+        <p:spPr>
+          <a:xfrm rot="5400000">
+            <a:off x="2127252" y="3350372"/>
+            <a:ext cx="448235" cy="2060015"/>
+          </a:xfrm>
+          <a:prstGeom prst="bentConnector3">
+            <a:avLst/>
+          </a:prstGeom>
+          <a:ln>
+            <a:tailEnd type="triangle"/>
+          </a:ln>
+        </p:spPr>
+        <p:style>
+          <a:lnRef idx="1">
+            <a:schemeClr val="accent1"/>
+          </a:lnRef>
+          <a:fillRef idx="0">
+            <a:schemeClr val="accent1"/>
+          </a:fillRef>
+          <a:effectRef idx="0">
+            <a:schemeClr val="accent1"/>
+          </a:effectRef>
+          <a:fontRef idx="minor">
+            <a:schemeClr val="tx1"/>
+          </a:fontRef>
+        </p:style>
+      </p:cxnSp>
+      <p:sp>
+        <p:nvSpPr>
+          <p:cNvPr id="46" name="Rectangle: Rounded Corners 45">
+            <a:extLst>
+              <a:ext uri="{FF2B5EF4-FFF2-40B4-BE49-F238E27FC236}">
+                <a16:creationId xmlns:a16="http://schemas.microsoft.com/office/drawing/2014/main" id="{E60C114D-DD78-1CCC-6270-5145E5CFD52F}"/>
+              </a:ext>
+            </a:extLst>
+          </p:cNvPr>
+          <p:cNvSpPr/>
+          <p:nvPr/>
+        </p:nvSpPr>
+        <p:spPr>
+          <a:xfrm>
+            <a:off x="7624486" y="4608419"/>
+            <a:ext cx="1258421" cy="528918"/>
+          </a:xfrm>
+          <a:prstGeom prst="roundRect">
+            <a:avLst/>
+          </a:prstGeom>
+          <a:noFill/>
+        </p:spPr>
+        <p:style>
+          <a:lnRef idx="2">
+            <a:schemeClr val="accent1">
+              <a:shade val="50000"/>
+            </a:schemeClr>
+          </a:lnRef>
+          <a:fillRef idx="1">
+            <a:schemeClr val="accent1"/>
+          </a:fillRef>
+          <a:effectRef idx="0">
+            <a:schemeClr val="accent1"/>
+          </a:effectRef>
+          <a:fontRef idx="minor">
+            <a:schemeClr val="lt1"/>
+          </a:fontRef>
+        </p:style>
+        <p:txBody>
+          <a:bodyPr rtlCol="0" anchor="ctr"/>
+          <a:lstStyle/>
+          <a:p>
+            <a:pPr algn="ctr"/>
+            <a:r>
+              <a:rPr lang="en-IN" dirty="0">
+                <a:solidFill>
+                  <a:schemeClr val="tx1">
+                    <a:lumMod val="65000"/>
+                    <a:lumOff val="35000"/>
+                  </a:schemeClr>
+                </a:solidFill>
+              </a:rPr>
+              <a:t>Graph</a:t>
+            </a:r>
+          </a:p>
+        </p:txBody>
+      </p:sp>
+      <p:sp>
+        <p:nvSpPr>
+          <p:cNvPr id="47" name="Rectangle: Rounded Corners 46">
+            <a:extLst>
+              <a:ext uri="{FF2B5EF4-FFF2-40B4-BE49-F238E27FC236}">
+                <a16:creationId xmlns:a16="http://schemas.microsoft.com/office/drawing/2014/main" id="{5AA4430E-8FD9-12DD-53F9-22A60D5F648D}"/>
+              </a:ext>
+            </a:extLst>
+          </p:cNvPr>
+          <p:cNvSpPr/>
+          <p:nvPr/>
+        </p:nvSpPr>
+        <p:spPr>
+          <a:xfrm>
+            <a:off x="9173136" y="4608419"/>
+            <a:ext cx="1258421" cy="528918"/>
+          </a:xfrm>
+          <a:prstGeom prst="roundRect">
+            <a:avLst/>
+          </a:prstGeom>
+          <a:noFill/>
+        </p:spPr>
+        <p:style>
+          <a:lnRef idx="2">
+            <a:schemeClr val="accent1">
+              <a:shade val="50000"/>
+            </a:schemeClr>
+          </a:lnRef>
+          <a:fillRef idx="1">
+            <a:schemeClr val="accent1"/>
+          </a:fillRef>
+          <a:effectRef idx="0">
+            <a:schemeClr val="accent1"/>
+          </a:effectRef>
+          <a:fontRef idx="minor">
+            <a:schemeClr val="lt1"/>
+          </a:fontRef>
+        </p:style>
+        <p:txBody>
+          <a:bodyPr rtlCol="0" anchor="ctr"/>
+          <a:lstStyle/>
+          <a:p>
+            <a:pPr algn="ctr"/>
+            <a:r>
+              <a:rPr lang="en-IN" dirty="0">
+                <a:solidFill>
+                  <a:schemeClr val="tx1">
+                    <a:lumMod val="65000"/>
+                    <a:lumOff val="35000"/>
+                  </a:schemeClr>
+                </a:solidFill>
+              </a:rPr>
+              <a:t>Tree</a:t>
+            </a:r>
+          </a:p>
+        </p:txBody>
+      </p:sp>
+      <p:cxnSp>
+        <p:nvCxnSpPr>
+          <p:cNvPr id="50" name="Connector: Elbow 49">
+            <a:extLst>
+              <a:ext uri="{FF2B5EF4-FFF2-40B4-BE49-F238E27FC236}">
+                <a16:creationId xmlns:a16="http://schemas.microsoft.com/office/drawing/2014/main" id="{7D3C4CC5-BA02-99EE-5FE2-82F68AD5C96B}"/>
+              </a:ext>
+            </a:extLst>
+          </p:cNvPr>
+          <p:cNvCxnSpPr>
+            <a:stCxn id="7" idx="2"/>
+            <a:endCxn id="46" idx="0"/>
+          </p:cNvCxnSpPr>
+          <p:nvPr/>
+        </p:nvCxnSpPr>
+        <p:spPr>
+          <a:xfrm rot="5400000">
+            <a:off x="8413381" y="3996579"/>
+            <a:ext cx="452157" cy="771523"/>
+          </a:xfrm>
+          <a:prstGeom prst="bentConnector3">
+            <a:avLst/>
+          </a:prstGeom>
+          <a:ln>
+            <a:tailEnd type="triangle"/>
+          </a:ln>
+        </p:spPr>
+        <p:style>
+          <a:lnRef idx="1">
+            <a:schemeClr val="accent1"/>
+          </a:lnRef>
+          <a:fillRef idx="0">
+            <a:schemeClr val="accent1"/>
+          </a:fillRef>
+          <a:effectRef idx="0">
+            <a:schemeClr val="accent1"/>
+          </a:effectRef>
+          <a:fontRef idx="minor">
+            <a:schemeClr val="tx1"/>
+          </a:fontRef>
+        </p:style>
+      </p:cxnSp>
+      <p:cxnSp>
+        <p:nvCxnSpPr>
+          <p:cNvPr id="52" name="Connector: Elbow 51">
+            <a:extLst>
+              <a:ext uri="{FF2B5EF4-FFF2-40B4-BE49-F238E27FC236}">
+                <a16:creationId xmlns:a16="http://schemas.microsoft.com/office/drawing/2014/main" id="{290014C4-CC8B-9AC7-8B46-99B5D7E0EAF5}"/>
+              </a:ext>
+            </a:extLst>
+          </p:cNvPr>
+          <p:cNvCxnSpPr>
+            <a:stCxn id="7" idx="2"/>
+            <a:endCxn id="47" idx="0"/>
+          </p:cNvCxnSpPr>
+          <p:nvPr/>
+        </p:nvCxnSpPr>
+        <p:spPr>
+          <a:xfrm rot="16200000" flipH="1">
+            <a:off x="9187705" y="3993776"/>
+            <a:ext cx="452157" cy="777127"/>
+          </a:xfrm>
+          <a:prstGeom prst="bentConnector3">
+            <a:avLst/>
+          </a:prstGeom>
+          <a:ln>
+            <a:tailEnd type="triangle"/>
+          </a:ln>
+        </p:spPr>
+        <p:style>
+          <a:lnRef idx="1">
+            <a:schemeClr val="accent1"/>
+          </a:lnRef>
+          <a:fillRef idx="0">
+            <a:schemeClr val="accent1"/>
+          </a:fillRef>
+          <a:effectRef idx="0">
+            <a:schemeClr val="accent1"/>
+          </a:effectRef>
+          <a:fontRef idx="minor">
+            <a:schemeClr val="tx1"/>
+          </a:fontRef>
+        </p:style>
+      </p:cxnSp>
+    </p:spTree>
+    <p:extLst>
+      <p:ext uri="{BB962C8B-B14F-4D97-AF65-F5344CB8AC3E}">
+        <p14:creationId xmlns:p14="http://schemas.microsoft.com/office/powerpoint/2010/main" val="2518338528"/>
+      </p:ext>
+    </p:extLst>
+  </p:cSld>
+  <p:clrMapOvr>
+    <a:masterClrMapping/>
+  </p:clrMapOvr>
+</p:sld>
+</file>
+
+<file path=ppt/slides/slide4.xml><?xml version="1.0" encoding="utf-8"?>
+<p:sld xmlns:a="http://schemas.openxmlformats.org/drawingml/2006/main" xmlns:r="http://schemas.openxmlformats.org/officeDocument/2006/relationships" xmlns:p="http://schemas.openxmlformats.org/presentationml/2006/main">
+  <p:cSld>
+    <p:spTree>
+      <p:nvGrpSpPr>
+        <p:cNvPr id="1" name=""/>
+        <p:cNvGrpSpPr/>
+        <p:nvPr/>
+      </p:nvGrpSpPr>
+      <p:grpSpPr>
+        <a:xfrm>
+          <a:off x="0" y="0"/>
+          <a:ext cx="0" cy="0"/>
+          <a:chOff x="0" y="0"/>
+          <a:chExt cx="0" cy="0"/>
+        </a:xfrm>
+      </p:grpSpPr>
+      <p:sp>
+        <p:nvSpPr>
+          <p:cNvPr id="2" name="Google Shape;656;p77">
+            <a:extLst>
+              <a:ext uri="{FF2B5EF4-FFF2-40B4-BE49-F238E27FC236}">
+                <a16:creationId xmlns:a16="http://schemas.microsoft.com/office/drawing/2014/main" id="{9CAC2E2A-AC8C-F528-D483-147B5C1915FC}"/>
+              </a:ext>
+            </a:extLst>
+          </p:cNvPr>
+          <p:cNvSpPr txBox="1"/>
+          <p:nvPr/>
+        </p:nvSpPr>
+        <p:spPr>
+          <a:xfrm>
+            <a:off x="692150" y="452918"/>
+            <a:ext cx="10814050" cy="707886"/>
+          </a:xfrm>
+          <a:prstGeom prst="rect">
+            <a:avLst/>
+          </a:prstGeom>
+          <a:noFill/>
+          <a:ln>
+            <a:noFill/>
+          </a:ln>
+        </p:spPr>
+        <p:txBody>
+          <a:bodyPr spcFirstLastPara="1" wrap="square" lIns="91425" tIns="45700" rIns="91425" bIns="45700" anchor="t" anchorCtr="0">
+            <a:noAutofit/>
+          </a:bodyPr>
+          <a:lstStyle/>
+          <a:p>
+            <a:pPr marL="0" marR="0" lvl="0" indent="0" algn="l" rtl="0">
+              <a:spcBef>
+                <a:spcPts val="0"/>
+              </a:spcBef>
+              <a:spcAft>
+                <a:spcPts val="0"/>
+              </a:spcAft>
+              <a:buNone/>
+            </a:pPr>
+            <a:r>
+              <a:rPr lang="en-IN" sz="4000" b="1" dirty="0">
+                <a:solidFill>
+                  <a:schemeClr val="accent1"/>
+                </a:solidFill>
+                <a:latin typeface="Open Sans"/>
+                <a:ea typeface="Open Sans"/>
+                <a:cs typeface="Open Sans"/>
+                <a:sym typeface="Open Sans"/>
+              </a:rPr>
+              <a:t>Analysis of Algorithms</a:t>
+            </a:r>
+            <a:endParaRPr sz="4000" b="1" dirty="0">
+              <a:solidFill>
+                <a:schemeClr val="accent1"/>
+              </a:solidFill>
+              <a:latin typeface="Open Sans"/>
+              <a:ea typeface="Open Sans"/>
+              <a:cs typeface="Open Sans"/>
+              <a:sym typeface="Open Sans"/>
+            </a:endParaRPr>
+          </a:p>
+        </p:txBody>
+      </p:sp>
+      <p:sp>
+        <p:nvSpPr>
+          <p:cNvPr id="3" name="Google Shape;658;p77">
+            <a:extLst>
+              <a:ext uri="{FF2B5EF4-FFF2-40B4-BE49-F238E27FC236}">
+                <a16:creationId xmlns:a16="http://schemas.microsoft.com/office/drawing/2014/main" id="{E4867870-4519-4303-335A-830A2F951781}"/>
+              </a:ext>
+            </a:extLst>
+          </p:cNvPr>
+          <p:cNvSpPr>
+            <a:spLocks/>
+          </p:cNvSpPr>
+          <p:nvPr/>
+        </p:nvSpPr>
+        <p:spPr>
+          <a:xfrm>
+            <a:off x="692150" y="1514376"/>
+            <a:ext cx="10814050" cy="2308284"/>
+          </a:xfrm>
+          <a:prstGeom prst="rect">
+            <a:avLst/>
+          </a:prstGeom>
+          <a:noFill/>
+          <a:ln>
+            <a:noFill/>
+          </a:ln>
+        </p:spPr>
+        <p:txBody>
+          <a:bodyPr spcFirstLastPara="1" wrap="square" lIns="91425" tIns="45700" rIns="91425" bIns="45700" anchor="t" anchorCtr="0">
+            <a:spAutoFit/>
+          </a:bodyPr>
+          <a:lstStyle/>
+          <a:p>
+            <a:pPr marL="285750" indent="-285750">
+              <a:lnSpc>
+                <a:spcPct val="150000"/>
+              </a:lnSpc>
+              <a:buFont typeface="Wingdings" panose="05000000000000000000" pitchFamily="2" charset="2"/>
+              <a:buChar char="§"/>
+            </a:pPr>
+            <a:r>
+              <a:rPr lang="en-GB" sz="1600" dirty="0">
+                <a:effectLst/>
+                <a:latin typeface="Open Sans" panose="020B0606030504020204" pitchFamily="34" charset="0"/>
+                <a:ea typeface="Open Sans" panose="020B0606030504020204" pitchFamily="34" charset="0"/>
+                <a:cs typeface="Open Sans" panose="020B0606030504020204" pitchFamily="34" charset="0"/>
+              </a:rPr>
+              <a:t>An algorithm is a set of instruction to perform a task or to sole a given problem</a:t>
+            </a:r>
+          </a:p>
+          <a:p>
+            <a:pPr marL="285750" indent="-285750">
+              <a:lnSpc>
+                <a:spcPct val="150000"/>
+              </a:lnSpc>
+              <a:buFont typeface="Wingdings" panose="05000000000000000000" pitchFamily="2" charset="2"/>
+              <a:buChar char="§"/>
+            </a:pPr>
+            <a:r>
+              <a:rPr lang="en-GB" sz="1600" dirty="0">
+                <a:latin typeface="Open Sans" panose="020B0606030504020204" pitchFamily="34" charset="0"/>
+                <a:ea typeface="Open Sans" panose="020B0606030504020204" pitchFamily="34" charset="0"/>
+                <a:cs typeface="Open Sans" panose="020B0606030504020204" pitchFamily="34" charset="0"/>
+              </a:rPr>
+              <a:t>There are several different algorithms to solve a given problem</a:t>
+            </a:r>
+          </a:p>
+          <a:p>
+            <a:pPr marL="285750" indent="-285750">
+              <a:lnSpc>
+                <a:spcPct val="150000"/>
+              </a:lnSpc>
+              <a:buFont typeface="Wingdings" panose="05000000000000000000" pitchFamily="2" charset="2"/>
+              <a:buChar char="§"/>
+            </a:pPr>
+            <a:r>
+              <a:rPr lang="en-GB" sz="1600" dirty="0">
+                <a:effectLst/>
+                <a:latin typeface="Open Sans" panose="020B0606030504020204" pitchFamily="34" charset="0"/>
+                <a:ea typeface="Open Sans" panose="020B0606030504020204" pitchFamily="34" charset="0"/>
+                <a:cs typeface="Open Sans" panose="020B0606030504020204" pitchFamily="34" charset="0"/>
+              </a:rPr>
+              <a:t>Analysis of algorithm deals in finding best algorithm which runs fast and takes in less memory</a:t>
+            </a:r>
+          </a:p>
+          <a:p>
+            <a:pPr marL="285750" indent="-285750">
+              <a:lnSpc>
+                <a:spcPct val="150000"/>
+              </a:lnSpc>
+              <a:buFont typeface="Wingdings" panose="05000000000000000000" pitchFamily="2" charset="2"/>
+              <a:buChar char="§"/>
+            </a:pPr>
+            <a:r>
+              <a:rPr lang="en-GB" sz="1600" dirty="0">
+                <a:latin typeface="Open Sans" panose="020B0606030504020204" pitchFamily="34" charset="0"/>
+                <a:ea typeface="Open Sans" panose="020B0606030504020204" pitchFamily="34" charset="0"/>
+                <a:cs typeface="Open Sans" panose="020B0606030504020204" pitchFamily="34" charset="0"/>
+              </a:rPr>
+              <a:t>To determine the efficiently of algorithm we check</a:t>
+            </a:r>
+          </a:p>
+          <a:p>
+            <a:pPr marL="742950" lvl="1" indent="-285750">
+              <a:lnSpc>
+                <a:spcPct val="150000"/>
+              </a:lnSpc>
+              <a:buFont typeface="Wingdings" panose="05000000000000000000" pitchFamily="2" charset="2"/>
+              <a:buChar char="§"/>
+            </a:pPr>
+            <a:r>
+              <a:rPr lang="en-GB" sz="1600" dirty="0">
+                <a:effectLst/>
+                <a:latin typeface="Open Sans" panose="020B0606030504020204" pitchFamily="34" charset="0"/>
+                <a:ea typeface="Open Sans" panose="020B0606030504020204" pitchFamily="34" charset="0"/>
+                <a:cs typeface="Open Sans" panose="020B0606030504020204" pitchFamily="34" charset="0"/>
+              </a:rPr>
+              <a:t>Time complexity </a:t>
+            </a:r>
+          </a:p>
+          <a:p>
+            <a:pPr marL="742950" lvl="1" indent="-285750">
+              <a:lnSpc>
+                <a:spcPct val="150000"/>
+              </a:lnSpc>
+              <a:buFont typeface="Wingdings" panose="05000000000000000000" pitchFamily="2" charset="2"/>
+              <a:buChar char="§"/>
+            </a:pPr>
+            <a:r>
+              <a:rPr lang="en-GB" sz="1600" dirty="0">
+                <a:latin typeface="Open Sans" panose="020B0606030504020204" pitchFamily="34" charset="0"/>
+                <a:ea typeface="Open Sans" panose="020B0606030504020204" pitchFamily="34" charset="0"/>
+                <a:cs typeface="Open Sans" panose="020B0606030504020204" pitchFamily="34" charset="0"/>
+              </a:rPr>
+              <a:t>Space complexity</a:t>
+            </a:r>
+            <a:endParaRPr lang="en-GB" sz="1600" dirty="0">
+              <a:effectLst/>
+              <a:latin typeface="Open Sans" panose="020B0606030504020204" pitchFamily="34" charset="0"/>
+              <a:ea typeface="Open Sans" panose="020B0606030504020204" pitchFamily="34" charset="0"/>
+              <a:cs typeface="Open Sans" panose="020B0606030504020204" pitchFamily="34" charset="0"/>
+            </a:endParaRPr>
+          </a:p>
+        </p:txBody>
+      </p:sp>
+      <p:sp>
+        <p:nvSpPr>
+          <p:cNvPr id="6" name="Rectangle 2">
+            <a:extLst>
+              <a:ext uri="{FF2B5EF4-FFF2-40B4-BE49-F238E27FC236}">
+                <a16:creationId xmlns:a16="http://schemas.microsoft.com/office/drawing/2014/main" id="{8BB21CB5-7280-1CCF-88EF-1CBD9B60050B}"/>
+              </a:ext>
+            </a:extLst>
+          </p:cNvPr>
+          <p:cNvSpPr>
+            <a:spLocks noChangeArrowheads="1"/>
+          </p:cNvSpPr>
+          <p:nvPr/>
+        </p:nvSpPr>
+        <p:spPr bwMode="auto">
+          <a:xfrm>
+            <a:off x="809625" y="4473893"/>
+            <a:ext cx="3314700" cy="830997"/>
+          </a:xfrm>
+          <a:prstGeom prst="rect">
+            <a:avLst/>
+          </a:prstGeom>
+          <a:solidFill>
+            <a:srgbClr val="2B2B2B"/>
+          </a:solidFill>
+          <a:ln>
+            <a:noFill/>
+          </a:ln>
+          <a:effectLst/>
+          <a:extLst>
+            <a:ext uri="{91240B29-F687-4F45-9708-019B960494DF}">
+              <a14:hiddenLine xmlns:a14="http://schemas.microsoft.com/office/drawing/2010/main" w="9525">
+                <a:solidFill>
+                  <a:schemeClr val="tx1"/>
+                </a:solidFill>
+                <a:miter lim="800000"/>
+                <a:headEnd/>
+                <a:tailEnd/>
+              </a14:hiddenLine>
+            </a:ext>
+            <a:ext uri="{AF507438-7753-43E0-B8FC-AC1667EBCBE1}">
+              <a14:hiddenEffects xmlns:a14="http://schemas.microsoft.com/office/drawing/2010/main">
+                <a:effectLst>
+                  <a:outerShdw dist="35921" dir="2700000" algn="ctr" rotWithShape="0">
+                    <a:schemeClr val="bg2"/>
+                  </a:outerShdw>
+                </a:effectLst>
+              </a14:hiddenEffects>
+            </a:ext>
+          </a:extLst>
+        </p:spPr>
+        <p:txBody>
+          <a:bodyPr vert="horz" wrap="square" lIns="91440" tIns="45720" rIns="91440" bIns="45720" numCol="1" anchor="ctr" anchorCtr="0" compatLnSpc="1">
+            <a:prstTxWarp prst="textNoShape">
+              <a:avLst/>
+            </a:prstTxWarp>
+            <a:spAutoFit/>
+          </a:bodyPr>
+          <a:lstStyle/>
+          <a:p>
+            <a:pPr marL="0" marR="0" lvl="0" indent="0" algn="l" defTabSz="914400" rtl="0" eaLnBrk="0" fontAlgn="base" latinLnBrk="0" hangingPunct="0">
+              <a:lnSpc>
+                <a:spcPct val="100000"/>
+              </a:lnSpc>
+              <a:spcBef>
+                <a:spcPct val="0"/>
+              </a:spcBef>
+              <a:spcAft>
+                <a:spcPct val="0"/>
+              </a:spcAft>
+              <a:buClrTx/>
+              <a:buSzTx/>
+              <a:buFontTx/>
+              <a:buNone/>
+              <a:tabLst/>
+            </a:pPr>
+            <a:r>
+              <a:rPr kumimoji="0" lang="en-US" altLang="en-US" sz="1600" b="0" i="0" u="none" strike="noStrike" cap="none" normalizeH="0" baseline="0" dirty="0">
+                <a:ln>
+                  <a:noFill/>
+                </a:ln>
+                <a:solidFill>
+                  <a:srgbClr val="CC7832"/>
+                </a:solidFill>
+                <a:effectLst/>
+                <a:latin typeface="JetBrains Mono"/>
+              </a:rPr>
+              <a:t>public </a:t>
+            </a:r>
+            <a:r>
+              <a:rPr kumimoji="0" lang="en-US" altLang="en-US" sz="1600" b="0" i="0" u="none" strike="noStrike" cap="none" normalizeH="0" baseline="0" dirty="0">
+                <a:ln>
+                  <a:noFill/>
+                </a:ln>
+                <a:solidFill>
+                  <a:srgbClr val="A9B7C6"/>
+                </a:solidFill>
+                <a:effectLst/>
+                <a:latin typeface="JetBrains Mono"/>
+              </a:rPr>
+              <a:t>Integer </a:t>
+            </a:r>
+            <a:r>
+              <a:rPr kumimoji="0" lang="en-US" altLang="en-US" sz="1600" b="0" i="0" u="none" strike="noStrike" cap="none" normalizeH="0" baseline="0" dirty="0" err="1">
+                <a:ln>
+                  <a:noFill/>
+                </a:ln>
+                <a:solidFill>
+                  <a:srgbClr val="FFC66D"/>
+                </a:solidFill>
+                <a:effectLst/>
+                <a:latin typeface="JetBrains Mono"/>
+              </a:rPr>
+              <a:t>findSum</a:t>
+            </a:r>
+            <a:r>
+              <a:rPr kumimoji="0" lang="en-US" altLang="en-US" sz="1600" b="0" i="0" u="none" strike="noStrike" cap="none" normalizeH="0" baseline="0" dirty="0">
+                <a:ln>
+                  <a:noFill/>
+                </a:ln>
+                <a:solidFill>
+                  <a:srgbClr val="A9B7C6"/>
+                </a:solidFill>
+                <a:effectLst/>
+                <a:latin typeface="JetBrains Mono"/>
+              </a:rPr>
+              <a:t>(Integer n) {</a:t>
+            </a:r>
+            <a:br>
+              <a:rPr kumimoji="0" lang="en-US" altLang="en-US" sz="1600" b="0" i="0" u="none" strike="noStrike" cap="none" normalizeH="0" baseline="0" dirty="0">
+                <a:ln>
+                  <a:noFill/>
+                </a:ln>
+                <a:solidFill>
+                  <a:srgbClr val="A9B7C6"/>
+                </a:solidFill>
+                <a:effectLst/>
+                <a:latin typeface="JetBrains Mono"/>
+              </a:rPr>
+            </a:br>
+            <a:r>
+              <a:rPr kumimoji="0" lang="en-US" altLang="en-US" sz="1600" b="0" i="0" u="none" strike="noStrike" cap="none" normalizeH="0" baseline="0" dirty="0">
+                <a:ln>
+                  <a:noFill/>
+                </a:ln>
+                <a:solidFill>
+                  <a:srgbClr val="A9B7C6"/>
+                </a:solidFill>
+                <a:effectLst/>
+                <a:latin typeface="JetBrains Mono"/>
+              </a:rPr>
+              <a:t>    </a:t>
+            </a:r>
+            <a:r>
+              <a:rPr kumimoji="0" lang="en-US" altLang="en-US" sz="1600" b="0" i="0" u="none" strike="noStrike" cap="none" normalizeH="0" baseline="0" dirty="0">
+                <a:ln>
+                  <a:noFill/>
+                </a:ln>
+                <a:solidFill>
+                  <a:srgbClr val="CC7832"/>
+                </a:solidFill>
+                <a:effectLst/>
+                <a:latin typeface="JetBrains Mono"/>
+              </a:rPr>
+              <a:t>return </a:t>
+            </a:r>
+            <a:r>
+              <a:rPr kumimoji="0" lang="en-US" altLang="en-US" sz="1600" b="0" i="0" u="none" strike="noStrike" cap="none" normalizeH="0" baseline="0" dirty="0">
+                <a:ln>
+                  <a:noFill/>
+                </a:ln>
+                <a:solidFill>
+                  <a:srgbClr val="A9B7C6"/>
+                </a:solidFill>
+                <a:effectLst/>
+                <a:latin typeface="JetBrains Mono"/>
+              </a:rPr>
+              <a:t>n * (n + </a:t>
+            </a:r>
+            <a:r>
+              <a:rPr kumimoji="0" lang="en-US" altLang="en-US" sz="1600" b="0" i="0" u="none" strike="noStrike" cap="none" normalizeH="0" baseline="0" dirty="0">
+                <a:ln>
+                  <a:noFill/>
+                </a:ln>
+                <a:solidFill>
+                  <a:srgbClr val="6897BB"/>
+                </a:solidFill>
+                <a:effectLst/>
+                <a:latin typeface="JetBrains Mono"/>
+              </a:rPr>
+              <a:t>1</a:t>
+            </a:r>
+            <a:r>
+              <a:rPr kumimoji="0" lang="en-US" altLang="en-US" sz="1600" b="0" i="0" u="none" strike="noStrike" cap="none" normalizeH="0" baseline="0" dirty="0">
+                <a:ln>
+                  <a:noFill/>
+                </a:ln>
+                <a:solidFill>
+                  <a:srgbClr val="A9B7C6"/>
+                </a:solidFill>
+                <a:effectLst/>
+                <a:latin typeface="JetBrains Mono"/>
+              </a:rPr>
+              <a:t>) / </a:t>
+            </a:r>
+            <a:r>
+              <a:rPr kumimoji="0" lang="en-US" altLang="en-US" sz="1600" b="0" i="0" u="none" strike="noStrike" cap="none" normalizeH="0" baseline="0" dirty="0">
+                <a:ln>
+                  <a:noFill/>
+                </a:ln>
+                <a:solidFill>
+                  <a:srgbClr val="6897BB"/>
+                </a:solidFill>
+                <a:effectLst/>
+                <a:latin typeface="JetBrains Mono"/>
+              </a:rPr>
+              <a:t>2</a:t>
+            </a:r>
+            <a:r>
+              <a:rPr kumimoji="0" lang="en-US" altLang="en-US" sz="1600" b="0" i="0" u="none" strike="noStrike" cap="none" normalizeH="0" baseline="0" dirty="0">
+                <a:ln>
+                  <a:noFill/>
+                </a:ln>
+                <a:solidFill>
+                  <a:srgbClr val="CC7832"/>
+                </a:solidFill>
+                <a:effectLst/>
+                <a:latin typeface="JetBrains Mono"/>
+              </a:rPr>
+              <a:t>;</a:t>
+            </a:r>
+            <a:br>
+              <a:rPr kumimoji="0" lang="en-US" altLang="en-US" sz="1600" b="0" i="0" u="none" strike="noStrike" cap="none" normalizeH="0" baseline="0" dirty="0">
+                <a:ln>
+                  <a:noFill/>
+                </a:ln>
+                <a:solidFill>
+                  <a:srgbClr val="CC7832"/>
+                </a:solidFill>
+                <a:effectLst/>
+                <a:latin typeface="JetBrains Mono"/>
+              </a:rPr>
+            </a:br>
+            <a:r>
+              <a:rPr kumimoji="0" lang="en-US" altLang="en-US" sz="1600" b="0" i="0" u="none" strike="noStrike" cap="none" normalizeH="0" baseline="0" dirty="0">
+                <a:ln>
+                  <a:noFill/>
+                </a:ln>
+                <a:solidFill>
+                  <a:srgbClr val="A9B7C6"/>
+                </a:solidFill>
+                <a:effectLst/>
+                <a:latin typeface="JetBrains Mono"/>
+              </a:rPr>
+              <a:t>}</a:t>
+            </a:r>
+            <a:endParaRPr kumimoji="0" lang="en-US" altLang="en-US" sz="1600" b="0" i="0" u="none" strike="noStrike" cap="none" normalizeH="0" baseline="0" dirty="0">
+              <a:ln>
+                <a:noFill/>
+              </a:ln>
+              <a:solidFill>
+                <a:schemeClr val="tx1"/>
+              </a:solidFill>
+              <a:effectLst/>
+              <a:latin typeface="Arial" panose="020B0604020202020204" pitchFamily="34" charset="0"/>
+            </a:endParaRPr>
+          </a:p>
+        </p:txBody>
+      </p:sp>
+      <p:sp>
+        <p:nvSpPr>
+          <p:cNvPr id="7" name="Rectangle 3">
+            <a:extLst>
+              <a:ext uri="{FF2B5EF4-FFF2-40B4-BE49-F238E27FC236}">
+                <a16:creationId xmlns:a16="http://schemas.microsoft.com/office/drawing/2014/main" id="{09A7414F-43A9-2188-7BEF-23B94D4C10FF}"/>
+              </a:ext>
+            </a:extLst>
+          </p:cNvPr>
+          <p:cNvSpPr>
+            <a:spLocks noChangeArrowheads="1"/>
+          </p:cNvSpPr>
+          <p:nvPr/>
+        </p:nvSpPr>
+        <p:spPr bwMode="auto">
+          <a:xfrm>
+            <a:off x="8503574" y="3981450"/>
+            <a:ext cx="2696059" cy="1815882"/>
+          </a:xfrm>
+          <a:prstGeom prst="rect">
+            <a:avLst/>
+          </a:prstGeom>
+          <a:solidFill>
+            <a:srgbClr val="2B2B2B"/>
+          </a:solidFill>
+          <a:ln>
+            <a:noFill/>
+          </a:ln>
+          <a:effectLst/>
+          <a:extLst>
+            <a:ext uri="{91240B29-F687-4F45-9708-019B960494DF}">
+              <a14:hiddenLine xmlns:a14="http://schemas.microsoft.com/office/drawing/2010/main" w="9525">
+                <a:solidFill>
+                  <a:schemeClr val="tx1"/>
+                </a:solidFill>
+                <a:miter lim="800000"/>
+                <a:headEnd/>
+                <a:tailEnd/>
+              </a14:hiddenLine>
+            </a:ext>
+            <a:ext uri="{AF507438-7753-43E0-B8FC-AC1667EBCBE1}">
+              <a14:hiddenEffects xmlns:a14="http://schemas.microsoft.com/office/drawing/2010/main">
+                <a:effectLst>
+                  <a:outerShdw dist="35921" dir="2700000" algn="ctr" rotWithShape="0">
+                    <a:schemeClr val="bg2"/>
+                  </a:outerShdw>
+                </a:effectLst>
+              </a14:hiddenEffects>
+            </a:ext>
+          </a:extLst>
+        </p:spPr>
+        <p:txBody>
+          <a:bodyPr vert="horz" wrap="none" lIns="91440" tIns="45720" rIns="91440" bIns="45720" numCol="1" anchor="ctr" anchorCtr="0" compatLnSpc="1">
+            <a:prstTxWarp prst="textNoShape">
+              <a:avLst/>
+            </a:prstTxWarp>
+            <a:spAutoFit/>
+          </a:bodyPr>
+          <a:lstStyle/>
+          <a:p>
+            <a:pPr marL="0" marR="0" lvl="0" indent="0" algn="l" defTabSz="914400" rtl="0" eaLnBrk="0" fontAlgn="base" latinLnBrk="0" hangingPunct="0">
+              <a:lnSpc>
+                <a:spcPct val="100000"/>
+              </a:lnSpc>
+              <a:spcBef>
+                <a:spcPct val="0"/>
+              </a:spcBef>
+              <a:spcAft>
+                <a:spcPct val="0"/>
+              </a:spcAft>
+              <a:buClrTx/>
+              <a:buSzTx/>
+              <a:buFontTx/>
+              <a:buNone/>
+              <a:tabLst/>
+            </a:pPr>
+            <a:r>
+              <a:rPr kumimoji="0" lang="en-US" altLang="en-US" sz="1400" b="0" i="0" u="none" strike="noStrike" cap="none" normalizeH="0" baseline="0" dirty="0">
+                <a:ln>
+                  <a:noFill/>
+                </a:ln>
+                <a:solidFill>
+                  <a:srgbClr val="CC7832"/>
+                </a:solidFill>
+                <a:effectLst/>
+                <a:latin typeface="JetBrains Mono"/>
+              </a:rPr>
+              <a:t>public </a:t>
+            </a:r>
+            <a:r>
+              <a:rPr kumimoji="0" lang="en-US" altLang="en-US" sz="1400" b="0" i="0" u="none" strike="noStrike" cap="none" normalizeH="0" baseline="0" dirty="0">
+                <a:ln>
+                  <a:noFill/>
+                </a:ln>
+                <a:solidFill>
+                  <a:srgbClr val="A9B7C6"/>
+                </a:solidFill>
+                <a:effectLst/>
+                <a:latin typeface="JetBrains Mono"/>
+              </a:rPr>
+              <a:t>Integer </a:t>
+            </a:r>
+            <a:r>
+              <a:rPr kumimoji="0" lang="en-US" altLang="en-US" sz="1400" b="0" i="0" u="none" strike="noStrike" cap="none" normalizeH="0" baseline="0" dirty="0" err="1">
+                <a:ln>
+                  <a:noFill/>
+                </a:ln>
+                <a:solidFill>
+                  <a:srgbClr val="FFC66D"/>
+                </a:solidFill>
+                <a:effectLst/>
+                <a:latin typeface="JetBrains Mono"/>
+              </a:rPr>
+              <a:t>findSum</a:t>
+            </a:r>
+            <a:r>
+              <a:rPr kumimoji="0" lang="en-US" altLang="en-US" sz="1400" b="0" i="0" u="none" strike="noStrike" cap="none" normalizeH="0" baseline="0" dirty="0">
+                <a:ln>
+                  <a:noFill/>
+                </a:ln>
+                <a:solidFill>
+                  <a:srgbClr val="A9B7C6"/>
+                </a:solidFill>
+                <a:effectLst/>
+                <a:latin typeface="JetBrains Mono"/>
+              </a:rPr>
+              <a:t>(Integer n) {</a:t>
+            </a:r>
+            <a:br>
+              <a:rPr kumimoji="0" lang="en-US" altLang="en-US" sz="1400" b="0" i="0" u="none" strike="noStrike" cap="none" normalizeH="0" baseline="0" dirty="0">
+                <a:ln>
+                  <a:noFill/>
+                </a:ln>
+                <a:solidFill>
+                  <a:srgbClr val="A9B7C6"/>
+                </a:solidFill>
+                <a:effectLst/>
+                <a:latin typeface="JetBrains Mono"/>
+              </a:rPr>
+            </a:br>
+            <a:r>
+              <a:rPr kumimoji="0" lang="en-US" altLang="en-US" sz="1400" b="0" i="0" u="none" strike="noStrike" cap="none" normalizeH="0" baseline="0" dirty="0">
+                <a:ln>
+                  <a:noFill/>
+                </a:ln>
+                <a:solidFill>
+                  <a:srgbClr val="A9B7C6"/>
+                </a:solidFill>
+                <a:effectLst/>
+                <a:latin typeface="JetBrains Mono"/>
+              </a:rPr>
+              <a:t>    </a:t>
+            </a:r>
+            <a:r>
+              <a:rPr kumimoji="0" lang="en-US" altLang="en-US" sz="1400" b="0" i="0" u="none" strike="noStrike" cap="none" normalizeH="0" baseline="0" dirty="0">
+                <a:ln>
+                  <a:noFill/>
+                </a:ln>
+                <a:solidFill>
+                  <a:srgbClr val="CC7832"/>
+                </a:solidFill>
+                <a:effectLst/>
+                <a:latin typeface="JetBrains Mono"/>
+              </a:rPr>
+              <a:t>int </a:t>
+            </a:r>
+            <a:r>
+              <a:rPr kumimoji="0" lang="en-US" altLang="en-US" sz="1400" b="0" i="0" u="none" strike="noStrike" cap="none" normalizeH="0" baseline="0" dirty="0">
+                <a:ln>
+                  <a:noFill/>
+                </a:ln>
+                <a:solidFill>
+                  <a:srgbClr val="A9B7C6"/>
+                </a:solidFill>
+                <a:effectLst/>
+                <a:latin typeface="JetBrains Mono"/>
+              </a:rPr>
+              <a:t>sum = </a:t>
+            </a:r>
+            <a:r>
+              <a:rPr kumimoji="0" lang="en-US" altLang="en-US" sz="1400" b="0" i="0" u="none" strike="noStrike" cap="none" normalizeH="0" baseline="0" dirty="0">
+                <a:ln>
+                  <a:noFill/>
+                </a:ln>
+                <a:solidFill>
+                  <a:srgbClr val="6897BB"/>
+                </a:solidFill>
+                <a:effectLst/>
+                <a:latin typeface="JetBrains Mono"/>
+              </a:rPr>
+              <a:t>0</a:t>
+            </a:r>
+            <a:r>
+              <a:rPr kumimoji="0" lang="en-US" altLang="en-US" sz="1400" b="0" i="0" u="none" strike="noStrike" cap="none" normalizeH="0" baseline="0" dirty="0">
+                <a:ln>
+                  <a:noFill/>
+                </a:ln>
+                <a:solidFill>
+                  <a:srgbClr val="CC7832"/>
+                </a:solidFill>
+                <a:effectLst/>
+                <a:latin typeface="JetBrains Mono"/>
+              </a:rPr>
+              <a:t>;</a:t>
+            </a:r>
+            <a:br>
+              <a:rPr kumimoji="0" lang="en-US" altLang="en-US" sz="1400" b="0" i="0" u="none" strike="noStrike" cap="none" normalizeH="0" baseline="0" dirty="0">
+                <a:ln>
+                  <a:noFill/>
+                </a:ln>
+                <a:solidFill>
+                  <a:srgbClr val="CC7832"/>
+                </a:solidFill>
+                <a:effectLst/>
+                <a:latin typeface="JetBrains Mono"/>
+              </a:rPr>
+            </a:br>
+            <a:r>
+              <a:rPr kumimoji="0" lang="en-US" altLang="en-US" sz="1400" b="0" i="0" u="none" strike="noStrike" cap="none" normalizeH="0" baseline="0" dirty="0">
+                <a:ln>
+                  <a:noFill/>
+                </a:ln>
+                <a:solidFill>
+                  <a:srgbClr val="CC7832"/>
+                </a:solidFill>
+                <a:effectLst/>
+                <a:latin typeface="JetBrains Mono"/>
+              </a:rPr>
+              <a:t>    for</a:t>
+            </a:r>
+            <a:r>
+              <a:rPr kumimoji="0" lang="en-US" altLang="en-US" sz="1400" b="0" i="0" u="none" strike="noStrike" cap="none" normalizeH="0" baseline="0" dirty="0">
+                <a:ln>
+                  <a:noFill/>
+                </a:ln>
+                <a:solidFill>
+                  <a:srgbClr val="A9B7C6"/>
+                </a:solidFill>
+                <a:effectLst/>
+                <a:latin typeface="JetBrains Mono"/>
+              </a:rPr>
+              <a:t>(</a:t>
+            </a:r>
+            <a:r>
+              <a:rPr kumimoji="0" lang="en-US" altLang="en-US" sz="1400" b="0" i="0" u="none" strike="noStrike" cap="none" normalizeH="0" baseline="0" dirty="0">
+                <a:ln>
+                  <a:noFill/>
+                </a:ln>
+                <a:solidFill>
+                  <a:srgbClr val="CC7832"/>
+                </a:solidFill>
+                <a:effectLst/>
+                <a:latin typeface="JetBrains Mono"/>
+              </a:rPr>
+              <a:t>int </a:t>
+            </a:r>
+            <a:r>
+              <a:rPr kumimoji="0" lang="en-US" altLang="en-US" sz="1400" b="0" i="0" u="none" strike="noStrike" cap="none" normalizeH="0" baseline="0" dirty="0" err="1">
+                <a:ln>
+                  <a:noFill/>
+                </a:ln>
+                <a:solidFill>
+                  <a:srgbClr val="A9B7C6"/>
+                </a:solidFill>
+                <a:effectLst/>
+                <a:latin typeface="JetBrains Mono"/>
+              </a:rPr>
+              <a:t>i</a:t>
+            </a:r>
+            <a:r>
+              <a:rPr kumimoji="0" lang="en-US" altLang="en-US" sz="1400" b="0" i="0" u="none" strike="noStrike" cap="none" normalizeH="0" baseline="0" dirty="0">
+                <a:ln>
+                  <a:noFill/>
+                </a:ln>
+                <a:solidFill>
+                  <a:srgbClr val="A9B7C6"/>
+                </a:solidFill>
+                <a:effectLst/>
+                <a:latin typeface="JetBrains Mono"/>
+              </a:rPr>
+              <a:t> = </a:t>
+            </a:r>
+            <a:r>
+              <a:rPr kumimoji="0" lang="en-US" altLang="en-US" sz="1400" b="0" i="0" u="none" strike="noStrike" cap="none" normalizeH="0" baseline="0" dirty="0">
+                <a:ln>
+                  <a:noFill/>
+                </a:ln>
+                <a:solidFill>
+                  <a:srgbClr val="6897BB"/>
+                </a:solidFill>
+                <a:effectLst/>
+                <a:latin typeface="JetBrains Mono"/>
+              </a:rPr>
+              <a:t>1</a:t>
+            </a:r>
+            <a:r>
+              <a:rPr kumimoji="0" lang="en-US" altLang="en-US" sz="1400" b="0" i="0" u="none" strike="noStrike" cap="none" normalizeH="0" baseline="0" dirty="0">
+                <a:ln>
+                  <a:noFill/>
+                </a:ln>
+                <a:solidFill>
+                  <a:srgbClr val="CC7832"/>
+                </a:solidFill>
+                <a:effectLst/>
+                <a:latin typeface="JetBrains Mono"/>
+              </a:rPr>
+              <a:t>; </a:t>
+            </a:r>
+            <a:r>
+              <a:rPr kumimoji="0" lang="en-US" altLang="en-US" sz="1400" b="0" i="0" u="none" strike="noStrike" cap="none" normalizeH="0" baseline="0" dirty="0" err="1">
+                <a:ln>
+                  <a:noFill/>
+                </a:ln>
+                <a:solidFill>
+                  <a:srgbClr val="A9B7C6"/>
+                </a:solidFill>
+                <a:effectLst/>
+                <a:latin typeface="JetBrains Mono"/>
+              </a:rPr>
+              <a:t>i</a:t>
+            </a:r>
+            <a:r>
+              <a:rPr kumimoji="0" lang="en-US" altLang="en-US" sz="1400" b="0" i="0" u="none" strike="noStrike" cap="none" normalizeH="0" baseline="0" dirty="0">
+                <a:ln>
+                  <a:noFill/>
+                </a:ln>
+                <a:solidFill>
+                  <a:srgbClr val="A9B7C6"/>
+                </a:solidFill>
+                <a:effectLst/>
+                <a:latin typeface="JetBrains Mono"/>
+              </a:rPr>
+              <a:t> &lt;= n</a:t>
+            </a:r>
+            <a:r>
+              <a:rPr kumimoji="0" lang="en-US" altLang="en-US" sz="1400" b="0" i="0" u="none" strike="noStrike" cap="none" normalizeH="0" baseline="0" dirty="0">
+                <a:ln>
+                  <a:noFill/>
+                </a:ln>
+                <a:solidFill>
+                  <a:srgbClr val="CC7832"/>
+                </a:solidFill>
+                <a:effectLst/>
+                <a:latin typeface="JetBrains Mono"/>
+              </a:rPr>
+              <a:t>; </a:t>
+            </a:r>
+            <a:r>
+              <a:rPr kumimoji="0" lang="en-US" altLang="en-US" sz="1400" b="0" i="0" u="none" strike="noStrike" cap="none" normalizeH="0" baseline="0" dirty="0" err="1">
+                <a:ln>
+                  <a:noFill/>
+                </a:ln>
+                <a:solidFill>
+                  <a:srgbClr val="A9B7C6"/>
+                </a:solidFill>
+                <a:effectLst/>
+                <a:latin typeface="JetBrains Mono"/>
+              </a:rPr>
+              <a:t>i</a:t>
+            </a:r>
+            <a:r>
+              <a:rPr kumimoji="0" lang="en-US" altLang="en-US" sz="1400" b="0" i="0" u="none" strike="noStrike" cap="none" normalizeH="0" baseline="0" dirty="0">
+                <a:ln>
+                  <a:noFill/>
+                </a:ln>
+                <a:solidFill>
+                  <a:srgbClr val="A9B7C6"/>
+                </a:solidFill>
+                <a:effectLst/>
+                <a:latin typeface="JetBrains Mono"/>
+              </a:rPr>
+              <a:t>++) {</a:t>
+            </a:r>
+            <a:br>
+              <a:rPr kumimoji="0" lang="en-US" altLang="en-US" sz="1400" b="0" i="0" u="none" strike="noStrike" cap="none" normalizeH="0" baseline="0" dirty="0">
+                <a:ln>
+                  <a:noFill/>
+                </a:ln>
+                <a:solidFill>
+                  <a:srgbClr val="A9B7C6"/>
+                </a:solidFill>
+                <a:effectLst/>
+                <a:latin typeface="JetBrains Mono"/>
+              </a:rPr>
+            </a:br>
+            <a:r>
+              <a:rPr kumimoji="0" lang="en-US" altLang="en-US" sz="1400" b="0" i="0" u="none" strike="noStrike" cap="none" normalizeH="0" baseline="0" dirty="0">
+                <a:ln>
+                  <a:noFill/>
+                </a:ln>
+                <a:solidFill>
+                  <a:srgbClr val="A9B7C6"/>
+                </a:solidFill>
+                <a:effectLst/>
+                <a:latin typeface="JetBrains Mono"/>
+              </a:rPr>
+              <a:t>        sum = sum + </a:t>
+            </a:r>
+            <a:r>
+              <a:rPr kumimoji="0" lang="en-US" altLang="en-US" sz="1400" b="0" i="0" u="none" strike="noStrike" cap="none" normalizeH="0" baseline="0" dirty="0" err="1">
+                <a:ln>
+                  <a:noFill/>
+                </a:ln>
+                <a:solidFill>
+                  <a:srgbClr val="A9B7C6"/>
+                </a:solidFill>
+                <a:effectLst/>
+                <a:latin typeface="JetBrains Mono"/>
+              </a:rPr>
+              <a:t>i</a:t>
+            </a:r>
+            <a:r>
+              <a:rPr kumimoji="0" lang="en-US" altLang="en-US" sz="1400" b="0" i="0" u="none" strike="noStrike" cap="none" normalizeH="0" baseline="0" dirty="0">
+                <a:ln>
+                  <a:noFill/>
+                </a:ln>
+                <a:solidFill>
+                  <a:srgbClr val="CC7832"/>
+                </a:solidFill>
+                <a:effectLst/>
+                <a:latin typeface="JetBrains Mono"/>
+              </a:rPr>
+              <a:t>;</a:t>
+            </a:r>
+            <a:br>
+              <a:rPr kumimoji="0" lang="en-US" altLang="en-US" sz="1400" b="0" i="0" u="none" strike="noStrike" cap="none" normalizeH="0" baseline="0" dirty="0">
+                <a:ln>
+                  <a:noFill/>
+                </a:ln>
+                <a:solidFill>
+                  <a:srgbClr val="CC7832"/>
+                </a:solidFill>
+                <a:effectLst/>
+                <a:latin typeface="JetBrains Mono"/>
+              </a:rPr>
+            </a:br>
+            <a:r>
+              <a:rPr kumimoji="0" lang="en-US" altLang="en-US" sz="1400" b="0" i="0" u="none" strike="noStrike" cap="none" normalizeH="0" baseline="0" dirty="0">
+                <a:ln>
+                  <a:noFill/>
+                </a:ln>
+                <a:solidFill>
+                  <a:srgbClr val="CC7832"/>
+                </a:solidFill>
+                <a:effectLst/>
+                <a:latin typeface="JetBrains Mono"/>
+              </a:rPr>
+              <a:t>    </a:t>
+            </a:r>
+            <a:r>
+              <a:rPr kumimoji="0" lang="en-US" altLang="en-US" sz="1400" b="0" i="0" u="none" strike="noStrike" cap="none" normalizeH="0" baseline="0" dirty="0">
+                <a:ln>
+                  <a:noFill/>
+                </a:ln>
+                <a:solidFill>
+                  <a:srgbClr val="A9B7C6"/>
+                </a:solidFill>
+                <a:effectLst/>
+                <a:latin typeface="JetBrains Mono"/>
+              </a:rPr>
+              <a:t>}</a:t>
+            </a:r>
+            <a:br>
+              <a:rPr kumimoji="0" lang="en-US" altLang="en-US" sz="1400" b="0" i="0" u="none" strike="noStrike" cap="none" normalizeH="0" baseline="0" dirty="0">
+                <a:ln>
+                  <a:noFill/>
+                </a:ln>
+                <a:solidFill>
+                  <a:srgbClr val="A9B7C6"/>
+                </a:solidFill>
+                <a:effectLst/>
+                <a:latin typeface="JetBrains Mono"/>
+              </a:rPr>
+            </a:br>
+            <a:r>
+              <a:rPr kumimoji="0" lang="en-US" altLang="en-US" sz="1400" b="0" i="0" u="none" strike="noStrike" cap="none" normalizeH="0" baseline="0" dirty="0">
+                <a:ln>
+                  <a:noFill/>
+                </a:ln>
+                <a:solidFill>
+                  <a:srgbClr val="A9B7C6"/>
+                </a:solidFill>
+                <a:effectLst/>
+                <a:latin typeface="JetBrains Mono"/>
+              </a:rPr>
+              <a:t>    </a:t>
+            </a:r>
+            <a:r>
+              <a:rPr kumimoji="0" lang="en-US" altLang="en-US" sz="1400" b="0" i="0" u="none" strike="noStrike" cap="none" normalizeH="0" baseline="0" dirty="0">
+                <a:ln>
+                  <a:noFill/>
+                </a:ln>
+                <a:solidFill>
+                  <a:srgbClr val="CC7832"/>
+                </a:solidFill>
+                <a:effectLst/>
+                <a:latin typeface="JetBrains Mono"/>
+              </a:rPr>
+              <a:t>return </a:t>
+            </a:r>
+            <a:r>
+              <a:rPr kumimoji="0" lang="en-US" altLang="en-US" sz="1400" b="0" i="0" u="none" strike="noStrike" cap="none" normalizeH="0" baseline="0" dirty="0">
+                <a:ln>
+                  <a:noFill/>
+                </a:ln>
+                <a:solidFill>
+                  <a:srgbClr val="A9B7C6"/>
+                </a:solidFill>
+                <a:effectLst/>
+                <a:latin typeface="JetBrains Mono"/>
+              </a:rPr>
+              <a:t>sum</a:t>
+            </a:r>
+            <a:r>
+              <a:rPr kumimoji="0" lang="en-US" altLang="en-US" sz="1400" b="0" i="0" u="none" strike="noStrike" cap="none" normalizeH="0" baseline="0" dirty="0">
+                <a:ln>
+                  <a:noFill/>
+                </a:ln>
+                <a:solidFill>
+                  <a:srgbClr val="CC7832"/>
+                </a:solidFill>
+                <a:effectLst/>
+                <a:latin typeface="JetBrains Mono"/>
+              </a:rPr>
+              <a:t>;</a:t>
+            </a:r>
+            <a:br>
+              <a:rPr kumimoji="0" lang="en-US" altLang="en-US" sz="1400" b="0" i="0" u="none" strike="noStrike" cap="none" normalizeH="0" baseline="0" dirty="0">
+                <a:ln>
+                  <a:noFill/>
+                </a:ln>
+                <a:solidFill>
+                  <a:srgbClr val="CC7832"/>
+                </a:solidFill>
+                <a:effectLst/>
+                <a:latin typeface="JetBrains Mono"/>
+              </a:rPr>
+            </a:br>
+            <a:r>
+              <a:rPr kumimoji="0" lang="en-US" altLang="en-US" sz="1400" b="0" i="0" u="none" strike="noStrike" cap="none" normalizeH="0" baseline="0" dirty="0">
+                <a:ln>
+                  <a:noFill/>
+                </a:ln>
+                <a:solidFill>
+                  <a:srgbClr val="A9B7C6"/>
+                </a:solidFill>
+                <a:effectLst/>
+                <a:latin typeface="JetBrains Mono"/>
+              </a:rPr>
+              <a:t>}</a:t>
+            </a:r>
+            <a:br>
+              <a:rPr kumimoji="0" lang="en-US" altLang="en-US" sz="1400" b="0" i="0" u="none" strike="noStrike" cap="none" normalizeH="0" baseline="0" dirty="0">
+                <a:ln>
+                  <a:noFill/>
+                </a:ln>
+                <a:solidFill>
+                  <a:srgbClr val="A9B7C6"/>
+                </a:solidFill>
+                <a:effectLst/>
+                <a:latin typeface="JetBrains Mono"/>
+              </a:rPr>
+            </a:br>
+            <a:endParaRPr kumimoji="0" lang="en-US" altLang="en-US" sz="1400" b="0" i="0" u="none" strike="noStrike" cap="none" normalizeH="0" baseline="0" dirty="0">
+              <a:ln>
+                <a:noFill/>
+              </a:ln>
+              <a:solidFill>
+                <a:schemeClr val="tx1"/>
+              </a:solidFill>
+              <a:effectLst/>
+              <a:latin typeface="Arial" panose="020B0604020202020204" pitchFamily="34" charset="0"/>
+            </a:endParaRPr>
+          </a:p>
+        </p:txBody>
+      </p:sp>
+    </p:spTree>
+    <p:extLst>
+      <p:ext uri="{BB962C8B-B14F-4D97-AF65-F5344CB8AC3E}">
+        <p14:creationId xmlns:p14="http://schemas.microsoft.com/office/powerpoint/2010/main" val="2982328302"/>
+      </p:ext>
+    </p:extLst>
+  </p:cSld>
+  <p:clrMapOvr>
+    <a:masterClrMapping/>
+  </p:clrMapOvr>
+</p:sld>
+</file>
+
+<file path=ppt/slides/slide5.xml><?xml version="1.0" encoding="utf-8"?>
+<p:sld xmlns:a="http://schemas.openxmlformats.org/drawingml/2006/main" xmlns:r="http://schemas.openxmlformats.org/officeDocument/2006/relationships" xmlns:p="http://schemas.openxmlformats.org/presentationml/2006/main">
+  <p:cSld>
+    <p:spTree>
+      <p:nvGrpSpPr>
+        <p:cNvPr id="1" name=""/>
+        <p:cNvGrpSpPr/>
+        <p:nvPr/>
+      </p:nvGrpSpPr>
+      <p:grpSpPr>
+        <a:xfrm>
+          <a:off x="0" y="0"/>
+          <a:ext cx="0" cy="0"/>
+          <a:chOff x="0" y="0"/>
+          <a:chExt cx="0" cy="0"/>
+        </a:xfrm>
+      </p:grpSpPr>
+      <p:sp>
+        <p:nvSpPr>
+          <p:cNvPr id="2" name="Google Shape;656;p77">
+            <a:extLst>
+              <a:ext uri="{FF2B5EF4-FFF2-40B4-BE49-F238E27FC236}">
+                <a16:creationId xmlns:a16="http://schemas.microsoft.com/office/drawing/2014/main" id="{AFA70A70-8598-E7D5-5735-0226644C3173}"/>
+              </a:ext>
+            </a:extLst>
+          </p:cNvPr>
+          <p:cNvSpPr txBox="1"/>
+          <p:nvPr/>
+        </p:nvSpPr>
+        <p:spPr>
+          <a:xfrm>
+            <a:off x="692150" y="452918"/>
+            <a:ext cx="10814050" cy="707886"/>
+          </a:xfrm>
+          <a:prstGeom prst="rect">
+            <a:avLst/>
+          </a:prstGeom>
+          <a:noFill/>
+          <a:ln>
+            <a:noFill/>
+          </a:ln>
+        </p:spPr>
+        <p:txBody>
+          <a:bodyPr spcFirstLastPara="1" wrap="square" lIns="91425" tIns="45700" rIns="91425" bIns="45700" anchor="t" anchorCtr="0">
+            <a:noAutofit/>
+          </a:bodyPr>
+          <a:lstStyle/>
+          <a:p>
+            <a:pPr marL="0" marR="0" lvl="0" indent="0" algn="l" rtl="0">
+              <a:spcBef>
+                <a:spcPts val="0"/>
+              </a:spcBef>
+              <a:spcAft>
+                <a:spcPts val="0"/>
+              </a:spcAft>
+              <a:buNone/>
+            </a:pPr>
+            <a:r>
+              <a:rPr lang="en-IN" sz="4000" b="1" dirty="0">
+                <a:solidFill>
+                  <a:schemeClr val="accent1"/>
+                </a:solidFill>
+                <a:latin typeface="Open Sans"/>
+                <a:ea typeface="Open Sans"/>
+                <a:cs typeface="Open Sans"/>
+                <a:sym typeface="Open Sans"/>
+              </a:rPr>
+              <a:t>Time Complexity</a:t>
+            </a:r>
+            <a:endParaRPr sz="4000" b="1" dirty="0">
+              <a:solidFill>
+                <a:schemeClr val="accent1"/>
+              </a:solidFill>
+              <a:latin typeface="Open Sans"/>
+              <a:ea typeface="Open Sans"/>
+              <a:cs typeface="Open Sans"/>
+              <a:sym typeface="Open Sans"/>
+            </a:endParaRPr>
+          </a:p>
+        </p:txBody>
+      </p:sp>
+      <p:sp>
+        <p:nvSpPr>
+          <p:cNvPr id="3" name="Google Shape;658;p77">
+            <a:extLst>
+              <a:ext uri="{FF2B5EF4-FFF2-40B4-BE49-F238E27FC236}">
+                <a16:creationId xmlns:a16="http://schemas.microsoft.com/office/drawing/2014/main" id="{23F8CA33-974D-A71D-AEB7-0DDBFA222275}"/>
+              </a:ext>
+            </a:extLst>
+          </p:cNvPr>
+          <p:cNvSpPr>
+            <a:spLocks/>
+          </p:cNvSpPr>
+          <p:nvPr/>
+        </p:nvSpPr>
+        <p:spPr>
+          <a:xfrm>
+            <a:off x="692150" y="1514376"/>
+            <a:ext cx="10814050" cy="830956"/>
+          </a:xfrm>
+          <a:prstGeom prst="rect">
+            <a:avLst/>
+          </a:prstGeom>
+          <a:noFill/>
+          <a:ln>
+            <a:noFill/>
+          </a:ln>
+        </p:spPr>
+        <p:txBody>
+          <a:bodyPr spcFirstLastPara="1" wrap="square" lIns="91425" tIns="45700" rIns="91425" bIns="45700" anchor="t" anchorCtr="0">
+            <a:spAutoFit/>
+          </a:bodyPr>
+          <a:lstStyle/>
+          <a:p>
+            <a:pPr marL="285750" indent="-285750">
+              <a:lnSpc>
+                <a:spcPct val="150000"/>
+              </a:lnSpc>
+              <a:buFont typeface="Wingdings" panose="05000000000000000000" pitchFamily="2" charset="2"/>
+              <a:buChar char="§"/>
+            </a:pPr>
+            <a:r>
+              <a:rPr lang="en-GB" sz="1600" dirty="0">
+                <a:effectLst/>
+                <a:latin typeface="Open Sans" panose="020B0606030504020204" pitchFamily="34" charset="0"/>
+                <a:ea typeface="Open Sans" panose="020B0606030504020204" pitchFamily="34" charset="0"/>
+                <a:cs typeface="Open Sans" panose="020B0606030504020204" pitchFamily="34" charset="0"/>
+              </a:rPr>
+              <a:t>The amount of time taken by algorithm to run</a:t>
+            </a:r>
+          </a:p>
+          <a:p>
+            <a:pPr marL="285750" indent="-285750">
+              <a:lnSpc>
+                <a:spcPct val="150000"/>
+              </a:lnSpc>
+              <a:buFont typeface="Wingdings" panose="05000000000000000000" pitchFamily="2" charset="2"/>
+              <a:buChar char="§"/>
+            </a:pPr>
+            <a:r>
+              <a:rPr lang="en-GB" sz="1600" dirty="0">
+                <a:latin typeface="Open Sans" panose="020B0606030504020204" pitchFamily="34" charset="0"/>
+                <a:ea typeface="Open Sans" panose="020B0606030504020204" pitchFamily="34" charset="0"/>
+                <a:cs typeface="Open Sans" panose="020B0606030504020204" pitchFamily="34" charset="0"/>
+              </a:rPr>
+              <a:t>The input processes by an algorithm helps in determining the time complexity </a:t>
+            </a:r>
+            <a:endParaRPr lang="en-GB" sz="1600" dirty="0">
+              <a:effectLst/>
+              <a:latin typeface="Open Sans" panose="020B0606030504020204" pitchFamily="34" charset="0"/>
+              <a:ea typeface="Open Sans" panose="020B0606030504020204" pitchFamily="34" charset="0"/>
+              <a:cs typeface="Open Sans" panose="020B0606030504020204" pitchFamily="34" charset="0"/>
+            </a:endParaRPr>
+          </a:p>
+        </p:txBody>
+      </p:sp>
+    </p:spTree>
+    <p:extLst>
+      <p:ext uri="{BB962C8B-B14F-4D97-AF65-F5344CB8AC3E}">
+        <p14:creationId xmlns:p14="http://schemas.microsoft.com/office/powerpoint/2010/main" val="4206544092"/>
+      </p:ext>
+    </p:extLst>
+  </p:cSld>
+  <p:clrMapOvr>
+    <a:masterClrMapping/>
+  </p:clrMapOvr>
+</p:sld>
+</file>
+
+<file path=ppt/slides/slide6.xml><?xml version="1.0" encoding="utf-8"?>
+<p:sld xmlns:a="http://schemas.openxmlformats.org/drawingml/2006/main" xmlns:r="http://schemas.openxmlformats.org/officeDocument/2006/relationships" xmlns:p="http://schemas.openxmlformats.org/presentationml/2006/main">
+  <p:cSld>
+    <p:spTree>
+      <p:nvGrpSpPr>
+        <p:cNvPr id="1" name=""/>
+        <p:cNvGrpSpPr/>
+        <p:nvPr/>
+      </p:nvGrpSpPr>
+      <p:grpSpPr>
+        <a:xfrm>
+          <a:off x="0" y="0"/>
+          <a:ext cx="0" cy="0"/>
+          <a:chOff x="0" y="0"/>
+          <a:chExt cx="0" cy="0"/>
+        </a:xfrm>
+      </p:grpSpPr>
+      <p:sp>
+        <p:nvSpPr>
+          <p:cNvPr id="2" name="Google Shape;656;p77">
+            <a:extLst>
+              <a:ext uri="{FF2B5EF4-FFF2-40B4-BE49-F238E27FC236}">
+                <a16:creationId xmlns:a16="http://schemas.microsoft.com/office/drawing/2014/main" id="{AFA70A70-8598-E7D5-5735-0226644C3173}"/>
+              </a:ext>
+            </a:extLst>
+          </p:cNvPr>
+          <p:cNvSpPr txBox="1"/>
+          <p:nvPr/>
+        </p:nvSpPr>
+        <p:spPr>
+          <a:xfrm>
+            <a:off x="692150" y="452918"/>
+            <a:ext cx="10814050" cy="707886"/>
+          </a:xfrm>
+          <a:prstGeom prst="rect">
+            <a:avLst/>
+          </a:prstGeom>
+          <a:noFill/>
+          <a:ln>
+            <a:noFill/>
+          </a:ln>
+        </p:spPr>
+        <p:txBody>
+          <a:bodyPr spcFirstLastPara="1" wrap="square" lIns="91425" tIns="45700" rIns="91425" bIns="45700" anchor="t" anchorCtr="0">
+            <a:noAutofit/>
+          </a:bodyPr>
+          <a:lstStyle/>
+          <a:p>
+            <a:pPr marL="0" marR="0" lvl="0" indent="0" algn="l" rtl="0">
+              <a:spcBef>
+                <a:spcPts val="0"/>
+              </a:spcBef>
+              <a:spcAft>
+                <a:spcPts val="0"/>
+              </a:spcAft>
+              <a:buNone/>
+            </a:pPr>
+            <a:r>
+              <a:rPr lang="en-IN" sz="4000" b="1" dirty="0">
+                <a:solidFill>
+                  <a:schemeClr val="accent1"/>
+                </a:solidFill>
+                <a:latin typeface="Open Sans"/>
+                <a:ea typeface="Open Sans"/>
+                <a:cs typeface="Open Sans"/>
+                <a:sym typeface="Open Sans"/>
+              </a:rPr>
+              <a:t>Space Complexity</a:t>
+            </a:r>
+            <a:endParaRPr sz="4000" b="1" dirty="0">
+              <a:solidFill>
+                <a:schemeClr val="accent1"/>
+              </a:solidFill>
+              <a:latin typeface="Open Sans"/>
+              <a:ea typeface="Open Sans"/>
+              <a:cs typeface="Open Sans"/>
+              <a:sym typeface="Open Sans"/>
+            </a:endParaRPr>
+          </a:p>
+        </p:txBody>
+      </p:sp>
+      <p:sp>
+        <p:nvSpPr>
+          <p:cNvPr id="3" name="Google Shape;658;p77">
+            <a:extLst>
+              <a:ext uri="{FF2B5EF4-FFF2-40B4-BE49-F238E27FC236}">
+                <a16:creationId xmlns:a16="http://schemas.microsoft.com/office/drawing/2014/main" id="{23F8CA33-974D-A71D-AEB7-0DDBFA222275}"/>
+              </a:ext>
+            </a:extLst>
+          </p:cNvPr>
+          <p:cNvSpPr>
+            <a:spLocks/>
+          </p:cNvSpPr>
+          <p:nvPr/>
+        </p:nvSpPr>
+        <p:spPr>
+          <a:xfrm>
+            <a:off x="692150" y="1514376"/>
+            <a:ext cx="10814050" cy="830956"/>
+          </a:xfrm>
+          <a:prstGeom prst="rect">
+            <a:avLst/>
+          </a:prstGeom>
+          <a:noFill/>
+          <a:ln>
+            <a:noFill/>
+          </a:ln>
+        </p:spPr>
+        <p:txBody>
+          <a:bodyPr spcFirstLastPara="1" wrap="square" lIns="91425" tIns="45700" rIns="91425" bIns="45700" anchor="t" anchorCtr="0">
+            <a:spAutoFit/>
+          </a:bodyPr>
+          <a:lstStyle/>
+          <a:p>
+            <a:pPr marL="285750" indent="-285750">
+              <a:lnSpc>
+                <a:spcPct val="150000"/>
+              </a:lnSpc>
+              <a:buFont typeface="Wingdings" panose="05000000000000000000" pitchFamily="2" charset="2"/>
+              <a:buChar char="§"/>
+            </a:pPr>
+            <a:r>
+              <a:rPr lang="en-GB" sz="1600" dirty="0">
+                <a:effectLst/>
+                <a:latin typeface="Open Sans" panose="020B0606030504020204" pitchFamily="34" charset="0"/>
+                <a:ea typeface="Open Sans" panose="020B0606030504020204" pitchFamily="34" charset="0"/>
+                <a:cs typeface="Open Sans" panose="020B0606030504020204" pitchFamily="34" charset="0"/>
+              </a:rPr>
+              <a:t>The amount of memory or space taken by the algorithm to run</a:t>
+            </a:r>
+          </a:p>
+          <a:p>
+            <a:pPr marL="285750" indent="-285750">
+              <a:lnSpc>
+                <a:spcPct val="150000"/>
+              </a:lnSpc>
+              <a:buFont typeface="Wingdings" panose="05000000000000000000" pitchFamily="2" charset="2"/>
+              <a:buChar char="§"/>
+            </a:pPr>
+            <a:r>
+              <a:rPr lang="en-GB" sz="1600" dirty="0">
+                <a:latin typeface="Open Sans" panose="020B0606030504020204" pitchFamily="34" charset="0"/>
+                <a:ea typeface="Open Sans" panose="020B0606030504020204" pitchFamily="34" charset="0"/>
+                <a:cs typeface="Open Sans" panose="020B0606030504020204" pitchFamily="34" charset="0"/>
+              </a:rPr>
+              <a:t>The memory required to process the input by an algorithm helps in determining the space complexity </a:t>
+            </a:r>
+            <a:endParaRPr lang="en-GB" sz="1600" dirty="0">
+              <a:effectLst/>
+              <a:latin typeface="Open Sans" panose="020B0606030504020204" pitchFamily="34" charset="0"/>
+              <a:ea typeface="Open Sans" panose="020B0606030504020204" pitchFamily="34" charset="0"/>
+              <a:cs typeface="Open Sans" panose="020B0606030504020204" pitchFamily="34" charset="0"/>
+            </a:endParaRPr>
+          </a:p>
+        </p:txBody>
+      </p:sp>
+    </p:spTree>
+    <p:extLst>
+      <p:ext uri="{BB962C8B-B14F-4D97-AF65-F5344CB8AC3E}">
+        <p14:creationId xmlns:p14="http://schemas.microsoft.com/office/powerpoint/2010/main" val="722511487"/>
+      </p:ext>
+    </p:extLst>
+  </p:cSld>
+  <p:clrMapOvr>
+    <a:masterClrMapping/>
+  </p:clrMapOvr>
+</p:sld>
+</file>
+
+<file path=ppt/slides/slide7.xml><?xml version="1.0" encoding="utf-8"?>
+<p:sld xmlns:a="http://schemas.openxmlformats.org/drawingml/2006/main" xmlns:r="http://schemas.openxmlformats.org/officeDocument/2006/relationships" xmlns:p="http://schemas.openxmlformats.org/presentationml/2006/main">
+  <p:cSld>
+    <p:spTree>
+      <p:nvGrpSpPr>
+        <p:cNvPr id="1" name=""/>
+        <p:cNvGrpSpPr/>
+        <p:nvPr/>
+      </p:nvGrpSpPr>
+      <p:grpSpPr>
+        <a:xfrm>
+          <a:off x="0" y="0"/>
+          <a:ext cx="0" cy="0"/>
+          <a:chOff x="0" y="0"/>
+          <a:chExt cx="0" cy="0"/>
+        </a:xfrm>
+      </p:grpSpPr>
+      <p:sp>
+        <p:nvSpPr>
+          <p:cNvPr id="2" name="Google Shape;656;p77">
+            <a:extLst>
+              <a:ext uri="{FF2B5EF4-FFF2-40B4-BE49-F238E27FC236}">
+                <a16:creationId xmlns:a16="http://schemas.microsoft.com/office/drawing/2014/main" id="{AFA70A70-8598-E7D5-5735-0226644C3173}"/>
+              </a:ext>
+            </a:extLst>
+          </p:cNvPr>
+          <p:cNvSpPr txBox="1"/>
+          <p:nvPr/>
+        </p:nvSpPr>
+        <p:spPr>
+          <a:xfrm>
+            <a:off x="692150" y="452918"/>
+            <a:ext cx="10814050" cy="707886"/>
+          </a:xfrm>
+          <a:prstGeom prst="rect">
+            <a:avLst/>
+          </a:prstGeom>
+          <a:noFill/>
+          <a:ln>
+            <a:noFill/>
+          </a:ln>
+        </p:spPr>
+        <p:txBody>
+          <a:bodyPr spcFirstLastPara="1" wrap="square" lIns="91425" tIns="45700" rIns="91425" bIns="45700" anchor="t" anchorCtr="0">
+            <a:noAutofit/>
+          </a:bodyPr>
+          <a:lstStyle/>
+          <a:p>
+            <a:pPr marL="0" marR="0" lvl="0" indent="0" algn="l" rtl="0">
+              <a:spcBef>
+                <a:spcPts val="0"/>
+              </a:spcBef>
+              <a:spcAft>
+                <a:spcPts val="0"/>
+              </a:spcAft>
+              <a:buNone/>
+            </a:pPr>
+            <a:r>
+              <a:rPr lang="en-IN" sz="4000" b="1" dirty="0">
+                <a:solidFill>
+                  <a:schemeClr val="accent1"/>
+                </a:solidFill>
+                <a:latin typeface="Open Sans"/>
+                <a:ea typeface="Open Sans"/>
+                <a:cs typeface="Open Sans"/>
+                <a:sym typeface="Open Sans"/>
+              </a:rPr>
+              <a:t>Asymptotic Analysis</a:t>
+            </a:r>
+            <a:endParaRPr sz="4000" b="1" dirty="0">
+              <a:solidFill>
+                <a:schemeClr val="accent1"/>
+              </a:solidFill>
+              <a:latin typeface="Open Sans"/>
+              <a:ea typeface="Open Sans"/>
+              <a:cs typeface="Open Sans"/>
+              <a:sym typeface="Open Sans"/>
+            </a:endParaRPr>
+          </a:p>
+        </p:txBody>
+      </p:sp>
+      <p:sp>
+        <p:nvSpPr>
+          <p:cNvPr id="3" name="Google Shape;658;p77">
+            <a:extLst>
+              <a:ext uri="{FF2B5EF4-FFF2-40B4-BE49-F238E27FC236}">
+                <a16:creationId xmlns:a16="http://schemas.microsoft.com/office/drawing/2014/main" id="{23F8CA33-974D-A71D-AEB7-0DDBFA222275}"/>
+              </a:ext>
+            </a:extLst>
+          </p:cNvPr>
+          <p:cNvSpPr>
+            <a:spLocks/>
+          </p:cNvSpPr>
+          <p:nvPr/>
+        </p:nvSpPr>
+        <p:spPr>
+          <a:xfrm>
+            <a:off x="692150" y="1514376"/>
+            <a:ext cx="10814050" cy="2677616"/>
+          </a:xfrm>
+          <a:prstGeom prst="rect">
+            <a:avLst/>
+          </a:prstGeom>
+          <a:noFill/>
+          <a:ln>
+            <a:noFill/>
+          </a:ln>
+        </p:spPr>
+        <p:txBody>
+          <a:bodyPr spcFirstLastPara="1" wrap="square" lIns="91425" tIns="45700" rIns="91425" bIns="45700" anchor="t" anchorCtr="0">
+            <a:spAutoFit/>
+          </a:bodyPr>
+          <a:lstStyle/>
+          <a:p>
+            <a:pPr>
+              <a:lnSpc>
+                <a:spcPct val="150000"/>
+              </a:lnSpc>
+            </a:pPr>
+            <a:r>
+              <a:rPr lang="en-GB" sz="1600" dirty="0">
+                <a:effectLst/>
+                <a:latin typeface="Open Sans" panose="020B0606030504020204" pitchFamily="34" charset="0"/>
+                <a:ea typeface="Open Sans" panose="020B0606030504020204" pitchFamily="34" charset="0"/>
+                <a:cs typeface="Open Sans" panose="020B0606030504020204" pitchFamily="34" charset="0"/>
+              </a:rPr>
+              <a:t>Asymptotic analysis of an algorithm refers to defining the mathematical foundation of its run-time performance. Using the asymptotic analysis, we can very well conclude the best case, average case and worst case scenario of an algorithm.</a:t>
+            </a:r>
+          </a:p>
+          <a:p>
+            <a:pPr>
+              <a:lnSpc>
+                <a:spcPct val="150000"/>
+              </a:lnSpc>
+            </a:pPr>
+            <a:endParaRPr lang="en-GB" sz="1600" dirty="0">
+              <a:latin typeface="Open Sans" panose="020B0606030504020204" pitchFamily="34" charset="0"/>
+              <a:ea typeface="Open Sans" panose="020B0606030504020204" pitchFamily="34" charset="0"/>
+              <a:cs typeface="Open Sans" panose="020B0606030504020204" pitchFamily="34" charset="0"/>
+            </a:endParaRPr>
+          </a:p>
+          <a:p>
+            <a:pPr>
+              <a:lnSpc>
+                <a:spcPct val="150000"/>
+              </a:lnSpc>
+            </a:pPr>
+            <a:r>
+              <a:rPr lang="en-GB" sz="1600" dirty="0">
+                <a:effectLst/>
+                <a:latin typeface="Open Sans" panose="020B0606030504020204" pitchFamily="34" charset="0"/>
+                <a:ea typeface="Open Sans" panose="020B0606030504020204" pitchFamily="34" charset="0"/>
+                <a:cs typeface="Open Sans" panose="020B0606030504020204" pitchFamily="34" charset="0"/>
+              </a:rPr>
+              <a:t>Using asymptotic analysis we don’t measure actual running time of algorithm.</a:t>
+            </a:r>
+          </a:p>
+          <a:p>
+            <a:pPr>
+              <a:lnSpc>
+                <a:spcPct val="150000"/>
+              </a:lnSpc>
+            </a:pPr>
+            <a:endParaRPr lang="en-GB" sz="1600" dirty="0">
+              <a:effectLst/>
+              <a:latin typeface="Open Sans" panose="020B0606030504020204" pitchFamily="34" charset="0"/>
+              <a:ea typeface="Open Sans" panose="020B0606030504020204" pitchFamily="34" charset="0"/>
+              <a:cs typeface="Open Sans" panose="020B0606030504020204" pitchFamily="34" charset="0"/>
+            </a:endParaRPr>
+          </a:p>
+          <a:p>
+            <a:pPr>
+              <a:lnSpc>
+                <a:spcPct val="150000"/>
+              </a:lnSpc>
+            </a:pPr>
+            <a:r>
+              <a:rPr lang="en-GB" sz="1600" dirty="0">
+                <a:latin typeface="Open Sans" panose="020B0606030504020204" pitchFamily="34" charset="0"/>
+                <a:ea typeface="Open Sans" panose="020B0606030504020204" pitchFamily="34" charset="0"/>
+                <a:cs typeface="Open Sans" panose="020B0606030504020204" pitchFamily="34" charset="0"/>
+              </a:rPr>
+              <a:t>It helps in determining how time and space taken by algorithm increases with input size</a:t>
+            </a:r>
+            <a:endParaRPr lang="en-GB" sz="1600" dirty="0">
+              <a:effectLst/>
+              <a:latin typeface="Open Sans" panose="020B0606030504020204" pitchFamily="34" charset="0"/>
+              <a:ea typeface="Open Sans" panose="020B0606030504020204" pitchFamily="34" charset="0"/>
+              <a:cs typeface="Open Sans" panose="020B0606030504020204" pitchFamily="34" charset="0"/>
+            </a:endParaRPr>
+          </a:p>
+        </p:txBody>
+      </p:sp>
+    </p:spTree>
+    <p:extLst>
+      <p:ext uri="{BB962C8B-B14F-4D97-AF65-F5344CB8AC3E}">
+        <p14:creationId xmlns:p14="http://schemas.microsoft.com/office/powerpoint/2010/main" val="4285535687"/>
+      </p:ext>
+    </p:extLst>
+  </p:cSld>
+  <p:clrMapOvr>
+    <a:masterClrMapping/>
+  </p:clrMapOvr>
+</p:sld>
+</file>
+
+<file path=ppt/slides/slide8.xml><?xml version="1.0" encoding="utf-8"?>
+<p:sld xmlns:a="http://schemas.openxmlformats.org/drawingml/2006/main" xmlns:r="http://schemas.openxmlformats.org/officeDocument/2006/relationships" xmlns:p="http://schemas.openxmlformats.org/presentationml/2006/main">
+  <p:cSld>
+    <p:spTree>
+      <p:nvGrpSpPr>
+        <p:cNvPr id="1" name=""/>
+        <p:cNvGrpSpPr/>
+        <p:nvPr/>
+      </p:nvGrpSpPr>
+      <p:grpSpPr>
+        <a:xfrm>
+          <a:off x="0" y="0"/>
+          <a:ext cx="0" cy="0"/>
+          <a:chOff x="0" y="0"/>
+          <a:chExt cx="0" cy="0"/>
+        </a:xfrm>
+      </p:grpSpPr>
+      <p:sp>
+        <p:nvSpPr>
+          <p:cNvPr id="2" name="Google Shape;656;p77">
+            <a:extLst>
+              <a:ext uri="{FF2B5EF4-FFF2-40B4-BE49-F238E27FC236}">
+                <a16:creationId xmlns:a16="http://schemas.microsoft.com/office/drawing/2014/main" id="{AFA70A70-8598-E7D5-5735-0226644C3173}"/>
+              </a:ext>
+            </a:extLst>
+          </p:cNvPr>
+          <p:cNvSpPr txBox="1"/>
+          <p:nvPr/>
+        </p:nvSpPr>
+        <p:spPr>
+          <a:xfrm>
+            <a:off x="692150" y="452918"/>
+            <a:ext cx="10814050" cy="707886"/>
+          </a:xfrm>
+          <a:prstGeom prst="rect">
+            <a:avLst/>
+          </a:prstGeom>
+          <a:noFill/>
+          <a:ln>
+            <a:noFill/>
+          </a:ln>
+        </p:spPr>
+        <p:txBody>
+          <a:bodyPr spcFirstLastPara="1" wrap="square" lIns="91425" tIns="45700" rIns="91425" bIns="45700" anchor="t" anchorCtr="0">
+            <a:noAutofit/>
+          </a:bodyPr>
+          <a:lstStyle/>
+          <a:p>
+            <a:pPr marL="0" marR="0" lvl="0" indent="0" algn="l" rtl="0">
+              <a:spcBef>
+                <a:spcPts val="0"/>
+              </a:spcBef>
+              <a:spcAft>
+                <a:spcPts val="0"/>
+              </a:spcAft>
+              <a:buNone/>
+            </a:pPr>
+            <a:r>
+              <a:rPr lang="en-IN" sz="4000" b="1" dirty="0">
+                <a:solidFill>
+                  <a:schemeClr val="accent1"/>
+                </a:solidFill>
+                <a:latin typeface="Open Sans"/>
+                <a:ea typeface="Open Sans"/>
+                <a:cs typeface="Open Sans"/>
+                <a:sym typeface="Open Sans"/>
+              </a:rPr>
+              <a:t>Asymptotic Notations</a:t>
+            </a:r>
+            <a:endParaRPr sz="4000" b="1" dirty="0">
+              <a:solidFill>
+                <a:schemeClr val="accent1"/>
+              </a:solidFill>
+              <a:latin typeface="Open Sans"/>
+              <a:ea typeface="Open Sans"/>
+              <a:cs typeface="Open Sans"/>
+              <a:sym typeface="Open Sans"/>
+            </a:endParaRPr>
+          </a:p>
+        </p:txBody>
+      </p:sp>
+      <p:sp>
+        <p:nvSpPr>
+          <p:cNvPr id="3" name="Google Shape;658;p77">
+            <a:extLst>
+              <a:ext uri="{FF2B5EF4-FFF2-40B4-BE49-F238E27FC236}">
+                <a16:creationId xmlns:a16="http://schemas.microsoft.com/office/drawing/2014/main" id="{23F8CA33-974D-A71D-AEB7-0DDBFA222275}"/>
+              </a:ext>
+            </a:extLst>
+          </p:cNvPr>
+          <p:cNvSpPr>
+            <a:spLocks/>
+          </p:cNvSpPr>
+          <p:nvPr/>
+        </p:nvSpPr>
+        <p:spPr>
+          <a:xfrm>
+            <a:off x="692150" y="1514376"/>
+            <a:ext cx="10814050" cy="4247276"/>
+          </a:xfrm>
+          <a:prstGeom prst="rect">
+            <a:avLst/>
+          </a:prstGeom>
+          <a:noFill/>
+          <a:ln>
+            <a:noFill/>
+          </a:ln>
+        </p:spPr>
+        <p:txBody>
+          <a:bodyPr spcFirstLastPara="1" wrap="square" lIns="91425" tIns="45700" rIns="91425" bIns="45700" anchor="t" anchorCtr="0">
+            <a:spAutoFit/>
+          </a:bodyPr>
+          <a:lstStyle/>
+          <a:p>
+            <a:pPr>
+              <a:lnSpc>
+                <a:spcPct val="150000"/>
+              </a:lnSpc>
+            </a:pPr>
+            <a:r>
+              <a:rPr lang="en-GB" sz="1200" dirty="0">
+                <a:effectLst/>
+                <a:latin typeface="Open Sans" panose="020B0606030504020204" pitchFamily="34" charset="0"/>
+                <a:ea typeface="Open Sans" panose="020B0606030504020204" pitchFamily="34" charset="0"/>
+                <a:cs typeface="Open Sans" panose="020B0606030504020204" pitchFamily="34" charset="0"/>
+              </a:rPr>
+              <a:t>Asymptotic notations are the mathematical tools used to describe the running time of an algorithm in terms of input size .</a:t>
+            </a:r>
+          </a:p>
+          <a:p>
+            <a:pPr>
+              <a:lnSpc>
+                <a:spcPct val="150000"/>
+              </a:lnSpc>
+            </a:pPr>
+            <a:endParaRPr lang="en-GB" sz="1200" dirty="0">
+              <a:latin typeface="Open Sans" panose="020B0606030504020204" pitchFamily="34" charset="0"/>
+              <a:ea typeface="Open Sans" panose="020B0606030504020204" pitchFamily="34" charset="0"/>
+              <a:cs typeface="Open Sans" panose="020B0606030504020204" pitchFamily="34" charset="0"/>
+            </a:endParaRPr>
+          </a:p>
+          <a:p>
+            <a:pPr>
+              <a:lnSpc>
+                <a:spcPct val="150000"/>
+              </a:lnSpc>
+            </a:pPr>
+            <a:r>
+              <a:rPr lang="en-GB" sz="1200" dirty="0">
+                <a:effectLst/>
+                <a:latin typeface="Open Sans" panose="020B0606030504020204" pitchFamily="34" charset="0"/>
+                <a:ea typeface="Open Sans" panose="020B0606030504020204" pitchFamily="34" charset="0"/>
+                <a:cs typeface="Open Sans" panose="020B0606030504020204" pitchFamily="34" charset="0"/>
+              </a:rPr>
+              <a:t>Asymptotic notations help us in determining </a:t>
+            </a:r>
+          </a:p>
+          <a:p>
+            <a:pPr marL="285750" indent="-285750">
+              <a:lnSpc>
+                <a:spcPct val="150000"/>
+              </a:lnSpc>
+              <a:buFont typeface="Wingdings" panose="05000000000000000000" pitchFamily="2" charset="2"/>
+              <a:buChar char="§"/>
+            </a:pPr>
+            <a:r>
+              <a:rPr lang="en-GB" sz="1200" dirty="0">
+                <a:latin typeface="Open Sans" panose="020B0606030504020204" pitchFamily="34" charset="0"/>
+                <a:ea typeface="Open Sans" panose="020B0606030504020204" pitchFamily="34" charset="0"/>
+                <a:cs typeface="Open Sans" panose="020B0606030504020204" pitchFamily="34" charset="0"/>
+              </a:rPr>
+              <a:t>Omega </a:t>
+            </a:r>
+            <a:r>
+              <a:rPr lang="el-GR" sz="1200" dirty="0">
+                <a:latin typeface="Open Sans" panose="020B0606030504020204" pitchFamily="34" charset="0"/>
+                <a:ea typeface="Open Sans" panose="020B0606030504020204" pitchFamily="34" charset="0"/>
+                <a:cs typeface="Open Sans" panose="020B0606030504020204" pitchFamily="34" charset="0"/>
+              </a:rPr>
+              <a:t>Ω</a:t>
+            </a:r>
+            <a:r>
+              <a:rPr lang="en-IN" sz="1200" dirty="0">
+                <a:latin typeface="Open Sans" panose="020B0606030504020204" pitchFamily="34" charset="0"/>
+                <a:ea typeface="Open Sans" panose="020B0606030504020204" pitchFamily="34" charset="0"/>
+                <a:cs typeface="Open Sans" panose="020B0606030504020204" pitchFamily="34" charset="0"/>
+              </a:rPr>
+              <a:t> (Best Case)</a:t>
+            </a:r>
+            <a:endParaRPr lang="en-GB" sz="1200" dirty="0">
+              <a:latin typeface="Open Sans" panose="020B0606030504020204" pitchFamily="34" charset="0"/>
+              <a:ea typeface="Open Sans" panose="020B0606030504020204" pitchFamily="34" charset="0"/>
+              <a:cs typeface="Open Sans" panose="020B0606030504020204" pitchFamily="34" charset="0"/>
+            </a:endParaRPr>
+          </a:p>
+          <a:p>
+            <a:pPr marL="742950" lvl="1" indent="-285750">
+              <a:lnSpc>
+                <a:spcPct val="150000"/>
+              </a:lnSpc>
+              <a:buFont typeface="Wingdings" panose="05000000000000000000" pitchFamily="2" charset="2"/>
+              <a:buChar char="§"/>
+            </a:pPr>
+            <a:r>
+              <a:rPr lang="en-GB" sz="1200" dirty="0">
+                <a:latin typeface="Open Sans" panose="020B0606030504020204" pitchFamily="34" charset="0"/>
+                <a:ea typeface="Open Sans" panose="020B0606030504020204" pitchFamily="34" charset="0"/>
+                <a:cs typeface="Open Sans" panose="020B0606030504020204" pitchFamily="34" charset="0"/>
+              </a:rPr>
+              <a:t>lower bound of algorithm’s running time, </a:t>
+            </a:r>
+            <a:r>
+              <a:rPr lang="en-GB" sz="1200" dirty="0" err="1">
+                <a:latin typeface="Open Sans" panose="020B0606030504020204" pitchFamily="34" charset="0"/>
+                <a:ea typeface="Open Sans" panose="020B0606030504020204" pitchFamily="34" charset="0"/>
+                <a:cs typeface="Open Sans" panose="020B0606030504020204" pitchFamily="34" charset="0"/>
+              </a:rPr>
+              <a:t>i.e</a:t>
+            </a:r>
+            <a:r>
+              <a:rPr lang="en-GB" sz="1200" dirty="0">
+                <a:latin typeface="Open Sans" panose="020B0606030504020204" pitchFamily="34" charset="0"/>
+                <a:ea typeface="Open Sans" panose="020B0606030504020204" pitchFamily="34" charset="0"/>
+                <a:cs typeface="Open Sans" panose="020B0606030504020204" pitchFamily="34" charset="0"/>
+              </a:rPr>
+              <a:t> best amount of time an algorithm can take to complete.</a:t>
+            </a:r>
+          </a:p>
+          <a:p>
+            <a:pPr marL="742950" lvl="1" indent="-285750">
+              <a:lnSpc>
+                <a:spcPct val="150000"/>
+              </a:lnSpc>
+              <a:buFont typeface="Wingdings" panose="05000000000000000000" pitchFamily="2" charset="2"/>
+              <a:buChar char="§"/>
+            </a:pPr>
+            <a:r>
+              <a:rPr lang="en-GB" sz="1200" dirty="0">
+                <a:latin typeface="Open Sans" panose="020B0606030504020204" pitchFamily="34" charset="0"/>
+                <a:ea typeface="Open Sans" panose="020B0606030504020204" pitchFamily="34" charset="0"/>
+                <a:cs typeface="Open Sans" panose="020B0606030504020204" pitchFamily="34" charset="0"/>
+              </a:rPr>
+              <a:t>Example, if we say certain algorithm takes 100 secs to complete the operation, so that 100 secs is the lower bound of that algorithm.</a:t>
+            </a:r>
+          </a:p>
+          <a:p>
+            <a:pPr marL="285750" indent="-285750">
+              <a:lnSpc>
+                <a:spcPct val="150000"/>
+              </a:lnSpc>
+              <a:buFont typeface="Wingdings" panose="05000000000000000000" pitchFamily="2" charset="2"/>
+              <a:buChar char="§"/>
+            </a:pPr>
+            <a:r>
+              <a:rPr lang="en-GB" sz="1200" dirty="0">
+                <a:latin typeface="Open Sans" panose="020B0606030504020204" pitchFamily="34" charset="0"/>
+                <a:ea typeface="Open Sans" panose="020B0606030504020204" pitchFamily="34" charset="0"/>
+                <a:cs typeface="Open Sans" panose="020B0606030504020204" pitchFamily="34" charset="0"/>
+              </a:rPr>
+              <a:t>Big O (Worst Case)</a:t>
+            </a:r>
+          </a:p>
+          <a:p>
+            <a:pPr marL="742950" lvl="1" indent="-285750">
+              <a:lnSpc>
+                <a:spcPct val="150000"/>
+              </a:lnSpc>
+              <a:buFont typeface="Wingdings" panose="05000000000000000000" pitchFamily="2" charset="2"/>
+              <a:buChar char="§"/>
+            </a:pPr>
+            <a:r>
+              <a:rPr lang="en-GB" sz="1200" dirty="0">
+                <a:latin typeface="Open Sans" panose="020B0606030504020204" pitchFamily="34" charset="0"/>
+                <a:ea typeface="Open Sans" panose="020B0606030504020204" pitchFamily="34" charset="0"/>
+                <a:cs typeface="Open Sans" panose="020B0606030504020204" pitchFamily="34" charset="0"/>
+              </a:rPr>
+              <a:t>It is the upper bound of an algorithm running time, it means for any given input longest amount of time an algorithm can take to complete.</a:t>
+            </a:r>
+          </a:p>
+          <a:p>
+            <a:pPr marL="742950" lvl="1" indent="-285750">
+              <a:lnSpc>
+                <a:spcPct val="150000"/>
+              </a:lnSpc>
+              <a:buFont typeface="Wingdings" panose="05000000000000000000" pitchFamily="2" charset="2"/>
+              <a:buChar char="§"/>
+            </a:pPr>
+            <a:r>
+              <a:rPr lang="en-GB" sz="1200" dirty="0">
+                <a:latin typeface="Open Sans" panose="020B0606030504020204" pitchFamily="34" charset="0"/>
+                <a:ea typeface="Open Sans" panose="020B0606030504020204" pitchFamily="34" charset="0"/>
+                <a:cs typeface="Open Sans" panose="020B0606030504020204" pitchFamily="34" charset="0"/>
+              </a:rPr>
+              <a:t>Example, if we say certain algorithm takes 100 secs as longest amount of time, so 100 secs will be upper bound of that algorithm. The algorithm can take less than 100 secs but it will not take more than 100 secs. </a:t>
+            </a:r>
+          </a:p>
+          <a:p>
+            <a:pPr marL="285750" indent="-285750">
+              <a:lnSpc>
+                <a:spcPct val="150000"/>
+              </a:lnSpc>
+              <a:buFont typeface="Wingdings" panose="05000000000000000000" pitchFamily="2" charset="2"/>
+              <a:buChar char="§"/>
+            </a:pPr>
+            <a:r>
+              <a:rPr lang="en-GB" sz="1200" dirty="0">
+                <a:latin typeface="Open Sans" panose="020B0606030504020204" pitchFamily="34" charset="0"/>
+                <a:ea typeface="Open Sans" panose="020B0606030504020204" pitchFamily="34" charset="0"/>
+                <a:cs typeface="Open Sans" panose="020B0606030504020204" pitchFamily="34" charset="0"/>
+              </a:rPr>
+              <a:t>Theta </a:t>
+            </a:r>
+            <a:r>
+              <a:rPr lang="el-GR" sz="1200" dirty="0">
+                <a:latin typeface="Open Sans" panose="020B0606030504020204" pitchFamily="34" charset="0"/>
+                <a:ea typeface="Open Sans" panose="020B0606030504020204" pitchFamily="34" charset="0"/>
+                <a:cs typeface="Open Sans" panose="020B0606030504020204" pitchFamily="34" charset="0"/>
+              </a:rPr>
+              <a:t>Θ</a:t>
+            </a:r>
+            <a:r>
+              <a:rPr lang="en-IN" sz="1200" dirty="0">
+                <a:latin typeface="Open Sans" panose="020B0606030504020204" pitchFamily="34" charset="0"/>
+                <a:ea typeface="Open Sans" panose="020B0606030504020204" pitchFamily="34" charset="0"/>
+                <a:cs typeface="Open Sans" panose="020B0606030504020204" pitchFamily="34" charset="0"/>
+              </a:rPr>
+              <a:t> (Average Case)</a:t>
+            </a:r>
+          </a:p>
+          <a:p>
+            <a:pPr marL="742950" lvl="1" indent="-285750">
+              <a:lnSpc>
+                <a:spcPct val="150000"/>
+              </a:lnSpc>
+              <a:buFont typeface="Wingdings" panose="05000000000000000000" pitchFamily="2" charset="2"/>
+              <a:buChar char="§"/>
+            </a:pPr>
+            <a:r>
+              <a:rPr lang="en-IN" sz="1200" dirty="0">
+                <a:latin typeface="Open Sans" panose="020B0606030504020204" pitchFamily="34" charset="0"/>
+                <a:ea typeface="Open Sans" panose="020B0606030504020204" pitchFamily="34" charset="0"/>
+                <a:cs typeface="Open Sans" panose="020B0606030504020204" pitchFamily="34" charset="0"/>
+              </a:rPr>
+              <a:t>This notation express both upper and lower bound of an algorithm running time, </a:t>
+            </a:r>
+            <a:r>
+              <a:rPr lang="en-IN" sz="1200" dirty="0" err="1">
+                <a:latin typeface="Open Sans" panose="020B0606030504020204" pitchFamily="34" charset="0"/>
+                <a:ea typeface="Open Sans" panose="020B0606030504020204" pitchFamily="34" charset="0"/>
+                <a:cs typeface="Open Sans" panose="020B0606030504020204" pitchFamily="34" charset="0"/>
+              </a:rPr>
+              <a:t>i.e</a:t>
+            </a:r>
+            <a:r>
+              <a:rPr lang="en-IN" sz="1200" dirty="0">
+                <a:latin typeface="Open Sans" panose="020B0606030504020204" pitchFamily="34" charset="0"/>
+                <a:ea typeface="Open Sans" panose="020B0606030504020204" pitchFamily="34" charset="0"/>
+                <a:cs typeface="Open Sans" panose="020B0606030504020204" pitchFamily="34" charset="0"/>
+              </a:rPr>
+              <a:t> for any given input this notation determines average amount of time an algorithm can take to complete</a:t>
+            </a:r>
+          </a:p>
+          <a:p>
+            <a:pPr marL="742950" lvl="1" indent="-285750">
+              <a:lnSpc>
+                <a:spcPct val="150000"/>
+              </a:lnSpc>
+              <a:buFont typeface="Wingdings" panose="05000000000000000000" pitchFamily="2" charset="2"/>
+              <a:buChar char="§"/>
+            </a:pPr>
+            <a:r>
+              <a:rPr lang="en-IN" sz="1200" dirty="0">
+                <a:latin typeface="Open Sans" panose="020B0606030504020204" pitchFamily="34" charset="0"/>
+                <a:ea typeface="Open Sans" panose="020B0606030504020204" pitchFamily="34" charset="0"/>
+                <a:cs typeface="Open Sans" panose="020B0606030504020204" pitchFamily="34" charset="0"/>
+              </a:rPr>
+              <a:t>Example, if we run certain algorithm and it takes 100 secs for first run 120 secs for second run, 110 for third run and so on. So, theta notation gives an average of running time of that algorithm.  </a:t>
+            </a:r>
+          </a:p>
+        </p:txBody>
+      </p:sp>
+    </p:spTree>
+    <p:extLst>
+      <p:ext uri="{BB962C8B-B14F-4D97-AF65-F5344CB8AC3E}">
+        <p14:creationId xmlns:p14="http://schemas.microsoft.com/office/powerpoint/2010/main" val="2213658506"/>
+      </p:ext>
+    </p:extLst>
+  </p:cSld>
+  <p:clrMapOvr>
+    <a:masterClrMapping/>
+  </p:clrMapOvr>
+</p:sld>
+</file>
+
+<file path=ppt/slides/slide9.xml><?xml version="1.0" encoding="utf-8"?>
+<p:sld xmlns:a="http://schemas.openxmlformats.org/drawingml/2006/main" xmlns:r="http://schemas.openxmlformats.org/officeDocument/2006/relationships" xmlns:p="http://schemas.openxmlformats.org/presentationml/2006/main">
+  <p:cSld>
+    <p:spTree>
+      <p:nvGrpSpPr>
+        <p:cNvPr id="1" name=""/>
+        <p:cNvGrpSpPr/>
+        <p:nvPr/>
+      </p:nvGrpSpPr>
+      <p:grpSpPr>
+        <a:xfrm>
+          <a:off x="0" y="0"/>
+          <a:ext cx="0" cy="0"/>
+          <a:chOff x="0" y="0"/>
+          <a:chExt cx="0" cy="0"/>
+        </a:xfrm>
+      </p:grpSpPr>
+      <p:sp>
+        <p:nvSpPr>
+          <p:cNvPr id="2" name="Google Shape;656;p77">
+            <a:extLst>
+              <a:ext uri="{FF2B5EF4-FFF2-40B4-BE49-F238E27FC236}">
+                <a16:creationId xmlns:a16="http://schemas.microsoft.com/office/drawing/2014/main" id="{AFA70A70-8598-E7D5-5735-0226644C3173}"/>
+              </a:ext>
+            </a:extLst>
+          </p:cNvPr>
+          <p:cNvSpPr txBox="1"/>
+          <p:nvPr/>
+        </p:nvSpPr>
+        <p:spPr>
+          <a:xfrm>
+            <a:off x="692150" y="452918"/>
+            <a:ext cx="10814050" cy="707886"/>
+          </a:xfrm>
+          <a:prstGeom prst="rect">
+            <a:avLst/>
+          </a:prstGeom>
+          <a:noFill/>
+          <a:ln>
+            <a:noFill/>
+          </a:ln>
+        </p:spPr>
+        <p:txBody>
+          <a:bodyPr spcFirstLastPara="1" wrap="square" lIns="91425" tIns="45700" rIns="91425" bIns="45700" anchor="t" anchorCtr="0">
+            <a:noAutofit/>
+          </a:bodyPr>
+          <a:lstStyle/>
+          <a:p>
+            <a:pPr marL="0" marR="0" lvl="0" indent="0" algn="l" rtl="0">
+              <a:spcBef>
+                <a:spcPts val="0"/>
+              </a:spcBef>
+              <a:spcAft>
+                <a:spcPts val="0"/>
+              </a:spcAft>
+              <a:buNone/>
+            </a:pPr>
+            <a:r>
+              <a:rPr lang="en-IN" sz="4000" b="1" dirty="0">
+                <a:solidFill>
+                  <a:schemeClr val="accent1"/>
+                </a:solidFill>
+                <a:latin typeface="Open Sans"/>
+                <a:ea typeface="Open Sans"/>
+                <a:cs typeface="Open Sans"/>
+                <a:sym typeface="Open Sans"/>
+              </a:rPr>
+              <a:t>Big O(O) Notation - Rules</a:t>
+            </a:r>
+            <a:endParaRPr sz="4000" b="1" dirty="0">
+              <a:solidFill>
+                <a:schemeClr val="accent1"/>
+              </a:solidFill>
+              <a:latin typeface="Open Sans"/>
+              <a:ea typeface="Open Sans"/>
+              <a:cs typeface="Open Sans"/>
+              <a:sym typeface="Open Sans"/>
+            </a:endParaRPr>
+          </a:p>
+        </p:txBody>
+      </p:sp>
+      <p:sp>
+        <p:nvSpPr>
+          <p:cNvPr id="3" name="Google Shape;658;p77">
+            <a:extLst>
+              <a:ext uri="{FF2B5EF4-FFF2-40B4-BE49-F238E27FC236}">
+                <a16:creationId xmlns:a16="http://schemas.microsoft.com/office/drawing/2014/main" id="{23F8CA33-974D-A71D-AEB7-0DDBFA222275}"/>
+              </a:ext>
+            </a:extLst>
+          </p:cNvPr>
+          <p:cNvSpPr>
+            <a:spLocks/>
+          </p:cNvSpPr>
+          <p:nvPr/>
+        </p:nvSpPr>
+        <p:spPr>
+          <a:xfrm>
+            <a:off x="692150" y="1514376"/>
+            <a:ext cx="10814050" cy="2585283"/>
+          </a:xfrm>
+          <a:prstGeom prst="rect">
+            <a:avLst/>
+          </a:prstGeom>
+          <a:noFill/>
+          <a:ln>
+            <a:noFill/>
+          </a:ln>
+        </p:spPr>
+        <p:txBody>
+          <a:bodyPr spcFirstLastPara="1" wrap="square" lIns="91425" tIns="45700" rIns="91425" bIns="45700" anchor="t" anchorCtr="0">
+            <a:spAutoFit/>
+          </a:bodyPr>
+          <a:lstStyle/>
+          <a:p>
+            <a:pPr marL="285750" indent="-285750">
+              <a:lnSpc>
+                <a:spcPct val="150000"/>
+              </a:lnSpc>
+              <a:buFont typeface="Wingdings" panose="05000000000000000000" pitchFamily="2" charset="2"/>
+              <a:buChar char="§"/>
+            </a:pPr>
+            <a:r>
+              <a:rPr lang="en-IN" sz="1200" dirty="0">
+                <a:latin typeface="Open Sans" panose="020B0606030504020204" pitchFamily="34" charset="0"/>
+                <a:ea typeface="Open Sans" panose="020B0606030504020204" pitchFamily="34" charset="0"/>
+                <a:cs typeface="Open Sans" panose="020B0606030504020204" pitchFamily="34" charset="0"/>
+              </a:rPr>
+              <a:t>It’s a single processor </a:t>
+            </a:r>
+          </a:p>
+          <a:p>
+            <a:pPr marL="285750" indent="-285750">
+              <a:lnSpc>
+                <a:spcPct val="150000"/>
+              </a:lnSpc>
+              <a:buFont typeface="Wingdings" panose="05000000000000000000" pitchFamily="2" charset="2"/>
+              <a:buChar char="§"/>
+            </a:pPr>
+            <a:r>
+              <a:rPr lang="en-IN" sz="1200" dirty="0">
+                <a:latin typeface="Open Sans" panose="020B0606030504020204" pitchFamily="34" charset="0"/>
+                <a:ea typeface="Open Sans" panose="020B0606030504020204" pitchFamily="34" charset="0"/>
+                <a:cs typeface="Open Sans" panose="020B0606030504020204" pitchFamily="34" charset="0"/>
+              </a:rPr>
+              <a:t>It performs sequential execution of statements </a:t>
+            </a:r>
+          </a:p>
+          <a:p>
+            <a:pPr marL="285750" indent="-285750">
+              <a:lnSpc>
+                <a:spcPct val="150000"/>
+              </a:lnSpc>
+              <a:buFont typeface="Wingdings" panose="05000000000000000000" pitchFamily="2" charset="2"/>
+              <a:buChar char="§"/>
+            </a:pPr>
+            <a:r>
+              <a:rPr lang="en-IN" sz="1200" dirty="0">
+                <a:latin typeface="Open Sans" panose="020B0606030504020204" pitchFamily="34" charset="0"/>
+                <a:ea typeface="Open Sans" panose="020B0606030504020204" pitchFamily="34" charset="0"/>
+                <a:cs typeface="Open Sans" panose="020B0606030504020204" pitchFamily="34" charset="0"/>
+              </a:rPr>
+              <a:t>Assignment operation takes 1 unit of time</a:t>
+            </a:r>
+          </a:p>
+          <a:p>
+            <a:pPr marL="285750" indent="-285750">
+              <a:lnSpc>
+                <a:spcPct val="150000"/>
+              </a:lnSpc>
+              <a:buFont typeface="Wingdings" panose="05000000000000000000" pitchFamily="2" charset="2"/>
+              <a:buChar char="§"/>
+            </a:pPr>
+            <a:r>
+              <a:rPr lang="en-IN" sz="1200" dirty="0">
+                <a:latin typeface="Open Sans" panose="020B0606030504020204" pitchFamily="34" charset="0"/>
+                <a:ea typeface="Open Sans" panose="020B0606030504020204" pitchFamily="34" charset="0"/>
+                <a:cs typeface="Open Sans" panose="020B0606030504020204" pitchFamily="34" charset="0"/>
+              </a:rPr>
+              <a:t>Return statement takes in 1 unit of time</a:t>
+            </a:r>
+          </a:p>
+          <a:p>
+            <a:pPr marL="285750" indent="-285750">
+              <a:lnSpc>
+                <a:spcPct val="150000"/>
+              </a:lnSpc>
+              <a:buFont typeface="Wingdings" panose="05000000000000000000" pitchFamily="2" charset="2"/>
+              <a:buChar char="§"/>
+            </a:pPr>
+            <a:r>
+              <a:rPr lang="en-IN" sz="1200" dirty="0">
+                <a:latin typeface="Open Sans" panose="020B0606030504020204" pitchFamily="34" charset="0"/>
+                <a:ea typeface="Open Sans" panose="020B0606030504020204" pitchFamily="34" charset="0"/>
+                <a:cs typeface="Open Sans" panose="020B0606030504020204" pitchFamily="34" charset="0"/>
+              </a:rPr>
+              <a:t>Arithmetical operation takes 1 unit of time</a:t>
+            </a:r>
+          </a:p>
+          <a:p>
+            <a:pPr marL="285750" indent="-285750">
+              <a:lnSpc>
+                <a:spcPct val="150000"/>
+              </a:lnSpc>
+              <a:buFont typeface="Wingdings" panose="05000000000000000000" pitchFamily="2" charset="2"/>
+              <a:buChar char="§"/>
+            </a:pPr>
+            <a:r>
+              <a:rPr lang="en-IN" sz="1200" dirty="0">
+                <a:latin typeface="Open Sans" panose="020B0606030504020204" pitchFamily="34" charset="0"/>
+                <a:ea typeface="Open Sans" panose="020B0606030504020204" pitchFamily="34" charset="0"/>
+                <a:cs typeface="Open Sans" panose="020B0606030504020204" pitchFamily="34" charset="0"/>
+              </a:rPr>
+              <a:t>Logical operation takes 1 unit of time</a:t>
+            </a:r>
+          </a:p>
+          <a:p>
+            <a:pPr marL="285750" indent="-285750">
+              <a:lnSpc>
+                <a:spcPct val="150000"/>
+              </a:lnSpc>
+              <a:buFont typeface="Wingdings" panose="05000000000000000000" pitchFamily="2" charset="2"/>
+              <a:buChar char="§"/>
+            </a:pPr>
+            <a:r>
+              <a:rPr lang="en-IN" sz="1200" dirty="0">
+                <a:latin typeface="Open Sans" panose="020B0606030504020204" pitchFamily="34" charset="0"/>
+                <a:ea typeface="Open Sans" panose="020B0606030504020204" pitchFamily="34" charset="0"/>
+                <a:cs typeface="Open Sans" panose="020B0606030504020204" pitchFamily="34" charset="0"/>
+              </a:rPr>
+              <a:t>Other small / single operation takes 1 unit of time</a:t>
+            </a:r>
+          </a:p>
+          <a:p>
+            <a:pPr marL="285750" indent="-285750">
+              <a:lnSpc>
+                <a:spcPct val="150000"/>
+              </a:lnSpc>
+              <a:buFont typeface="Wingdings" panose="05000000000000000000" pitchFamily="2" charset="2"/>
+              <a:buChar char="§"/>
+            </a:pPr>
+            <a:r>
+              <a:rPr lang="en-IN" sz="1200" dirty="0">
+                <a:latin typeface="Open Sans" panose="020B0606030504020204" pitchFamily="34" charset="0"/>
+                <a:ea typeface="Open Sans" panose="020B0606030504020204" pitchFamily="34" charset="0"/>
+                <a:cs typeface="Open Sans" panose="020B0606030504020204" pitchFamily="34" charset="0"/>
+              </a:rPr>
+              <a:t>Drop lower order terms </a:t>
+            </a:r>
+          </a:p>
+          <a:p>
+            <a:pPr marL="285750" indent="-285750">
+              <a:lnSpc>
+                <a:spcPct val="150000"/>
+              </a:lnSpc>
+              <a:buFont typeface="Wingdings" panose="05000000000000000000" pitchFamily="2" charset="2"/>
+              <a:buChar char="§"/>
+            </a:pPr>
+            <a:r>
+              <a:rPr lang="en-IN" sz="1200" dirty="0">
+                <a:latin typeface="Open Sans" panose="020B0606030504020204" pitchFamily="34" charset="0"/>
+                <a:ea typeface="Open Sans" panose="020B0606030504020204" pitchFamily="34" charset="0"/>
+                <a:cs typeface="Open Sans" panose="020B0606030504020204" pitchFamily="34" charset="0"/>
+              </a:rPr>
+              <a:t>Drop constant multipliers </a:t>
+            </a:r>
+          </a:p>
+        </p:txBody>
+      </p:sp>
+    </p:spTree>
+    <p:extLst>
+      <p:ext uri="{BB962C8B-B14F-4D97-AF65-F5344CB8AC3E}">
+        <p14:creationId xmlns:p14="http://schemas.microsoft.com/office/powerpoint/2010/main" val="869602313"/>
+      </p:ext>
+    </p:extLst>
+  </p:cSld>
+  <p:clrMapOvr>
+    <a:masterClrMapping/>
+  </p:clrMapOvr>
 </p:sld>
 </file>
 
